--- a/presentation/Presentation.pptx
+++ b/presentation/Presentation.pptx
@@ -293,7 +293,7 @@
           <a:p>
             <a:fld id="{F18A642D-E0E6-0B42-9656-29039D518434}" type="datetimeFigureOut">
               <a:rPr lang="en-US" smtClean="0"/>
-              <a:t>5/14/15</a:t>
+              <a:t>5/15/15</a:t>
             </a:fld>
             <a:endParaRPr lang="pt-BR"/>
           </a:p>
@@ -463,7 +463,7 @@
           <a:p>
             <a:fld id="{F18A642D-E0E6-0B42-9656-29039D518434}" type="datetimeFigureOut">
               <a:rPr lang="en-US" smtClean="0"/>
-              <a:t>5/14/15</a:t>
+              <a:t>5/15/15</a:t>
             </a:fld>
             <a:endParaRPr lang="pt-BR"/>
           </a:p>
@@ -643,7 +643,7 @@
           <a:p>
             <a:fld id="{F18A642D-E0E6-0B42-9656-29039D518434}" type="datetimeFigureOut">
               <a:rPr lang="en-US" smtClean="0"/>
-              <a:t>5/14/15</a:t>
+              <a:t>5/15/15</a:t>
             </a:fld>
             <a:endParaRPr lang="pt-BR"/>
           </a:p>
@@ -813,7 +813,7 @@
           <a:p>
             <a:fld id="{F18A642D-E0E6-0B42-9656-29039D518434}" type="datetimeFigureOut">
               <a:rPr lang="en-US" smtClean="0"/>
-              <a:t>5/14/15</a:t>
+              <a:t>5/15/15</a:t>
             </a:fld>
             <a:endParaRPr lang="pt-BR"/>
           </a:p>
@@ -1059,7 +1059,7 @@
           <a:p>
             <a:fld id="{F18A642D-E0E6-0B42-9656-29039D518434}" type="datetimeFigureOut">
               <a:rPr lang="en-US" smtClean="0"/>
-              <a:t>5/14/15</a:t>
+              <a:t>5/15/15</a:t>
             </a:fld>
             <a:endParaRPr lang="pt-BR"/>
           </a:p>
@@ -1347,7 +1347,7 @@
           <a:p>
             <a:fld id="{F18A642D-E0E6-0B42-9656-29039D518434}" type="datetimeFigureOut">
               <a:rPr lang="en-US" smtClean="0"/>
-              <a:t>5/14/15</a:t>
+              <a:t>5/15/15</a:t>
             </a:fld>
             <a:endParaRPr lang="pt-BR"/>
           </a:p>
@@ -1769,7 +1769,7 @@
           <a:p>
             <a:fld id="{F18A642D-E0E6-0B42-9656-29039D518434}" type="datetimeFigureOut">
               <a:rPr lang="en-US" smtClean="0"/>
-              <a:t>5/14/15</a:t>
+              <a:t>5/15/15</a:t>
             </a:fld>
             <a:endParaRPr lang="pt-BR"/>
           </a:p>
@@ -1887,7 +1887,7 @@
           <a:p>
             <a:fld id="{F18A642D-E0E6-0B42-9656-29039D518434}" type="datetimeFigureOut">
               <a:rPr lang="en-US" smtClean="0"/>
-              <a:t>5/14/15</a:t>
+              <a:t>5/15/15</a:t>
             </a:fld>
             <a:endParaRPr lang="pt-BR"/>
           </a:p>
@@ -1982,7 +1982,7 @@
           <a:p>
             <a:fld id="{F18A642D-E0E6-0B42-9656-29039D518434}" type="datetimeFigureOut">
               <a:rPr lang="en-US" smtClean="0"/>
-              <a:t>5/14/15</a:t>
+              <a:t>5/15/15</a:t>
             </a:fld>
             <a:endParaRPr lang="pt-BR"/>
           </a:p>
@@ -2259,7 +2259,7 @@
           <a:p>
             <a:fld id="{F18A642D-E0E6-0B42-9656-29039D518434}" type="datetimeFigureOut">
               <a:rPr lang="en-US" smtClean="0"/>
-              <a:t>5/14/15</a:t>
+              <a:t>5/15/15</a:t>
             </a:fld>
             <a:endParaRPr lang="pt-BR"/>
           </a:p>
@@ -2512,7 +2512,7 @@
           <a:p>
             <a:fld id="{F18A642D-E0E6-0B42-9656-29039D518434}" type="datetimeFigureOut">
               <a:rPr lang="en-US" smtClean="0"/>
-              <a:t>5/14/15</a:t>
+              <a:t>5/15/15</a:t>
             </a:fld>
             <a:endParaRPr lang="pt-BR"/>
           </a:p>
@@ -2725,7 +2725,7 @@
           <a:p>
             <a:fld id="{F18A642D-E0E6-0B42-9656-29039D518434}" type="datetimeFigureOut">
               <a:rPr lang="en-US" smtClean="0"/>
-              <a:t>5/14/15</a:t>
+              <a:t>5/15/15</a:t>
             </a:fld>
             <a:endParaRPr lang="pt-BR"/>
           </a:p>
@@ -3379,7 +3379,6 @@
               <a:rPr lang="pt-BR" dirty="0" smtClean="0"/>
               <a:t> 10 PC</a:t>
             </a:r>
-            <a:endParaRPr lang="pt-BR" dirty="0" smtClean="0"/>
           </a:p>
           <a:p>
             <a:pPr marL="0" indent="0">
@@ -4272,7 +4271,15 @@
             </a:r>
             <a:r>
               <a:rPr lang="pt-BR" dirty="0" smtClean="0"/>
-              <a:t>: </a:t>
+              <a:t>, </a:t>
+            </a:r>
+            <a:r>
+              <a:rPr lang="pt-BR" dirty="0" err="1" smtClean="0"/>
+              <a:t>but</a:t>
+            </a:r>
+            <a:r>
+              <a:rPr lang="pt-BR" dirty="0" smtClean="0"/>
+              <a:t> </a:t>
             </a:r>
             <a:r>
               <a:rPr lang="pt-BR" dirty="0" err="1" smtClean="0"/>
@@ -4533,17 +4540,10 @@
           </a:p>
           <a:p>
             <a:r>
-              <a:rPr lang="en-US" dirty="0"/>
-              <a:t>We believe that the GMM was </a:t>
-            </a:r>
-            <a:r>
-              <a:rPr lang="en-US" dirty="0" err="1" smtClean="0"/>
-              <a:t>modelled</a:t>
-            </a:r>
-            <a:r>
               <a:rPr lang="en-US" dirty="0" smtClean="0"/>
-              <a:t> in a wrong way</a:t>
-            </a:r>
+              <a:t>We have a question regarding the strategy adopted</a:t>
+            </a:r>
+            <a:endParaRPr lang="en-US" dirty="0" smtClean="0"/>
           </a:p>
           <a:p>
             <a:pPr marL="0" indent="0">

--- a/presentation/Presentation.pptx
+++ b/presentation/Presentation.pptx
@@ -11,6 +11,7 @@
     <p:sldId id="259" r:id="rId5"/>
     <p:sldId id="260" r:id="rId6"/>
     <p:sldId id="261" r:id="rId7"/>
+    <p:sldId id="262" r:id="rId8"/>
   </p:sldIdLst>
   <p:sldSz cx="9144000" cy="6858000" type="screen4x3"/>
   <p:notesSz cx="6858000" cy="9144000"/>
@@ -3251,6 +3252,18 @@
               <a:rPr lang="pt-BR" dirty="0" err="1" smtClean="0"/>
               <a:t>strategy</a:t>
             </a:r>
+            <a:r>
+              <a:rPr lang="pt-BR" dirty="0" smtClean="0"/>
+              <a:t> (</a:t>
+            </a:r>
+            <a:r>
+              <a:rPr lang="pt-BR" dirty="0" err="1" smtClean="0"/>
+              <a:t>capacity</a:t>
+            </a:r>
+            <a:r>
+              <a:rPr lang="pt-BR" dirty="0" smtClean="0"/>
+              <a:t>=0)</a:t>
+            </a:r>
             <a:endParaRPr lang="pt-BR" dirty="0"/>
           </a:p>
           <a:p>
@@ -3751,7 +3764,7 @@
         <p:spPr/>
         <p:txBody>
           <a:bodyPr>
-            <a:normAutofit/>
+            <a:normAutofit lnSpcReduction="10000"/>
           </a:bodyPr>
           <a:lstStyle/>
           <a:p>
@@ -3843,8 +3856,35 @@
             </a:r>
             <a:r>
               <a:rPr lang="pt-BR" dirty="0" smtClean="0"/>
-              <a:t> 150</a:t>
-            </a:r>
+              <a:t> </a:t>
+            </a:r>
+            <a:r>
+              <a:rPr lang="pt-BR" dirty="0" smtClean="0"/>
+              <a:t>150 (</a:t>
+            </a:r>
+            <a:r>
+              <a:rPr lang="pt-BR" dirty="0" err="1" smtClean="0"/>
+              <a:t>capacity</a:t>
+            </a:r>
+            <a:r>
+              <a:rPr lang="pt-BR" dirty="0" smtClean="0"/>
+              <a:t>=450)</a:t>
+            </a:r>
+          </a:p>
+          <a:p>
+            <a:r>
+              <a:rPr lang="pt-BR" dirty="0" err="1" smtClean="0"/>
+              <a:t>Clear</a:t>
+            </a:r>
+            <a:r>
+              <a:rPr lang="pt-BR" dirty="0" smtClean="0"/>
+              <a:t> </a:t>
+            </a:r>
+            <a:r>
+              <a:rPr lang="pt-BR" dirty="0" err="1" smtClean="0"/>
+              <a:t>overfitting</a:t>
+            </a:r>
+            <a:endParaRPr lang="pt-BR" dirty="0" smtClean="0"/>
           </a:p>
           <a:p>
             <a:pPr marL="0" indent="0">
@@ -4259,7 +4299,7 @@
             </a:pPr>
             <a:r>
               <a:rPr lang="pt-BR" dirty="0" err="1" smtClean="0"/>
-              <a:t>Clear</a:t>
+              <a:t>Modelling</a:t>
             </a:r>
             <a:r>
               <a:rPr lang="pt-BR" dirty="0" smtClean="0"/>
@@ -4267,15 +4307,7 @@
             </a:r>
             <a:r>
               <a:rPr lang="pt-BR" dirty="0" err="1" smtClean="0"/>
-              <a:t>overfitting</a:t>
-            </a:r>
-            <a:r>
-              <a:rPr lang="pt-BR" dirty="0" smtClean="0"/>
-              <a:t>, </a:t>
-            </a:r>
-            <a:r>
-              <a:rPr lang="pt-BR" dirty="0" err="1" smtClean="0"/>
-              <a:t>but</a:t>
+              <a:t>with</a:t>
             </a:r>
             <a:r>
               <a:rPr lang="pt-BR" dirty="0" smtClean="0"/>
@@ -4283,7 +4315,7 @@
             </a:r>
             <a:r>
               <a:rPr lang="pt-BR" dirty="0" err="1" smtClean="0"/>
-              <a:t>modelling</a:t>
+              <a:t>less</a:t>
             </a:r>
             <a:r>
               <a:rPr lang="pt-BR" dirty="0" smtClean="0"/>
@@ -4291,7 +4323,7 @@
             </a:r>
             <a:r>
               <a:rPr lang="pt-BR" dirty="0" err="1" smtClean="0"/>
-              <a:t>with</a:t>
+              <a:t>gaussian</a:t>
             </a:r>
             <a:r>
               <a:rPr lang="pt-BR" dirty="0" smtClean="0"/>
@@ -4299,27 +4331,23 @@
             </a:r>
             <a:r>
               <a:rPr lang="pt-BR" dirty="0" err="1" smtClean="0"/>
-              <a:t>less</a:t>
-            </a:r>
-            <a:r>
-              <a:rPr lang="pt-BR" dirty="0" smtClean="0"/>
-              <a:t> </a:t>
-            </a:r>
-            <a:r>
-              <a:rPr lang="pt-BR" dirty="0" err="1" smtClean="0"/>
-              <a:t>gaussian</a:t>
-            </a:r>
-            <a:r>
-              <a:rPr lang="pt-BR" dirty="0" smtClean="0"/>
-              <a:t> </a:t>
-            </a:r>
-            <a:r>
-              <a:rPr lang="pt-BR" dirty="0" err="1" smtClean="0"/>
               <a:t>components</a:t>
             </a:r>
             <a:r>
               <a:rPr lang="pt-BR" dirty="0" smtClean="0"/>
-              <a:t>:</a:t>
+              <a:t> (</a:t>
+            </a:r>
+            <a:r>
+              <a:rPr lang="pt-BR" dirty="0" err="1" smtClean="0"/>
+              <a:t>capacity</a:t>
+            </a:r>
+            <a:r>
+              <a:rPr lang="pt-BR" dirty="0" smtClean="0"/>
+              <a:t>=30):</a:t>
+            </a:r>
+            <a:r>
+              <a:rPr lang="pt-BR" dirty="0" smtClean="0"/>
+              <a:t/>
             </a:r>
             <a:br>
               <a:rPr lang="pt-BR" dirty="0" smtClean="0"/>
@@ -4543,7 +4571,6 @@
               <a:rPr lang="en-US" dirty="0" smtClean="0"/>
               <a:t>We have a question regarding the strategy adopted</a:t>
             </a:r>
-            <a:endParaRPr lang="en-US" dirty="0" smtClean="0"/>
           </a:p>
           <a:p>
             <a:pPr marL="0" indent="0">
@@ -4560,6 +4587,219 @@
     <p:extLst>
       <p:ext uri="{BB962C8B-B14F-4D97-AF65-F5344CB8AC3E}">
         <p14:creationId xmlns:p14="http://schemas.microsoft.com/office/powerpoint/2010/main" val="4141482119"/>
+      </p:ext>
+    </p:extLst>
+  </p:cSld>
+  <p:clrMapOvr>
+    <a:masterClrMapping/>
+  </p:clrMapOvr>
+</p:sld>
+</file>
+
+<file path=ppt/slides/slide7.xml><?xml version="1.0" encoding="utf-8"?>
+<p:sld xmlns:a="http://schemas.openxmlformats.org/drawingml/2006/main" xmlns:r="http://schemas.openxmlformats.org/officeDocument/2006/relationships" xmlns:p="http://schemas.openxmlformats.org/presentationml/2006/main">
+  <p:cSld>
+    <p:spTree>
+      <p:nvGrpSpPr>
+        <p:cNvPr id="1" name=""/>
+        <p:cNvGrpSpPr/>
+        <p:nvPr/>
+      </p:nvGrpSpPr>
+      <p:grpSpPr>
+        <a:xfrm>
+          <a:off x="0" y="0"/>
+          <a:ext cx="0" cy="0"/>
+          <a:chOff x="0" y="0"/>
+          <a:chExt cx="0" cy="0"/>
+        </a:xfrm>
+      </p:grpSpPr>
+      <p:sp>
+        <p:nvSpPr>
+          <p:cNvPr id="2" name="Title 1"/>
+          <p:cNvSpPr>
+            <a:spLocks noGrp="1"/>
+          </p:cNvSpPr>
+          <p:nvPr>
+            <p:ph type="title"/>
+          </p:nvPr>
+        </p:nvSpPr>
+        <p:spPr/>
+        <p:txBody>
+          <a:bodyPr/>
+          <a:lstStyle/>
+          <a:p>
+            <a:r>
+              <a:rPr lang="pt-BR" dirty="0" err="1" smtClean="0"/>
+              <a:t>Conclusion</a:t>
+            </a:r>
+            <a:r>
+              <a:rPr lang="pt-BR" dirty="0" smtClean="0"/>
+              <a:t>	</a:t>
+            </a:r>
+            <a:endParaRPr lang="pt-BR" dirty="0"/>
+          </a:p>
+        </p:txBody>
+      </p:sp>
+      <p:sp>
+        <p:nvSpPr>
+          <p:cNvPr id="3" name="Content Placeholder 2"/>
+          <p:cNvSpPr>
+            <a:spLocks noGrp="1"/>
+          </p:cNvSpPr>
+          <p:nvPr>
+            <p:ph idx="1"/>
+          </p:nvPr>
+        </p:nvSpPr>
+        <p:spPr/>
+        <p:txBody>
+          <a:bodyPr>
+            <a:normAutofit fontScale="92500" lnSpcReduction="10000"/>
+          </a:bodyPr>
+          <a:lstStyle/>
+          <a:p>
+            <a:r>
+              <a:rPr lang="pt-BR" dirty="0" err="1" smtClean="0"/>
+              <a:t>Simple</a:t>
+            </a:r>
+            <a:r>
+              <a:rPr lang="pt-BR" dirty="0" smtClean="0"/>
+              <a:t> </a:t>
+            </a:r>
+            <a:r>
+              <a:rPr lang="pt-BR" dirty="0" err="1" smtClean="0"/>
+              <a:t>solution</a:t>
+            </a:r>
+            <a:r>
+              <a:rPr lang="pt-BR" dirty="0" smtClean="0"/>
+              <a:t> </a:t>
+            </a:r>
+            <a:r>
+              <a:rPr lang="pt-BR" dirty="0" err="1" smtClean="0"/>
+              <a:t>was</a:t>
+            </a:r>
+            <a:r>
+              <a:rPr lang="pt-BR" dirty="0" smtClean="0"/>
+              <a:t> </a:t>
+            </a:r>
+            <a:r>
+              <a:rPr lang="pt-BR" dirty="0" err="1" smtClean="0"/>
+              <a:t>the</a:t>
+            </a:r>
+            <a:r>
+              <a:rPr lang="pt-BR" dirty="0" smtClean="0"/>
+              <a:t> </a:t>
+            </a:r>
+            <a:r>
+              <a:rPr lang="pt-BR" dirty="0" err="1" smtClean="0"/>
+              <a:t>best</a:t>
+            </a:r>
+            <a:r>
+              <a:rPr lang="pt-BR" dirty="0" smtClean="0"/>
+              <a:t> (KNN+PCA)</a:t>
+            </a:r>
+            <a:br>
+              <a:rPr lang="pt-BR" dirty="0" smtClean="0"/>
+            </a:br>
+            <a:endParaRPr lang="pt-BR" dirty="0" smtClean="0"/>
+          </a:p>
+          <a:p>
+            <a:r>
+              <a:rPr lang="pt-BR" dirty="0" err="1" smtClean="0"/>
+              <a:t>Possible</a:t>
+            </a:r>
+            <a:r>
+              <a:rPr lang="pt-BR" dirty="0" smtClean="0"/>
+              <a:t> </a:t>
+            </a:r>
+            <a:r>
+              <a:rPr lang="pt-BR" dirty="0" err="1" smtClean="0"/>
+              <a:t>to</a:t>
+            </a:r>
+            <a:r>
+              <a:rPr lang="pt-BR" dirty="0" smtClean="0"/>
+              <a:t> </a:t>
+            </a:r>
+            <a:r>
+              <a:rPr lang="pt-BR" dirty="0" err="1" smtClean="0"/>
+              <a:t>reproduce</a:t>
+            </a:r>
+            <a:r>
+              <a:rPr lang="pt-BR" dirty="0" smtClean="0"/>
+              <a:t> </a:t>
+            </a:r>
+            <a:r>
+              <a:rPr lang="pt-BR" dirty="0" err="1" smtClean="0"/>
+              <a:t>the</a:t>
+            </a:r>
+            <a:r>
+              <a:rPr lang="pt-BR" dirty="0" smtClean="0"/>
+              <a:t> </a:t>
+            </a:r>
+            <a:r>
+              <a:rPr lang="pt-BR" dirty="0" err="1" smtClean="0"/>
+              <a:t>results</a:t>
+            </a:r>
+            <a:endParaRPr lang="pt-BR" dirty="0" smtClean="0"/>
+          </a:p>
+          <a:p>
+            <a:endParaRPr lang="pt-BR" dirty="0"/>
+          </a:p>
+          <a:p>
+            <a:r>
+              <a:rPr lang="pt-BR" dirty="0" err="1" smtClean="0"/>
+              <a:t>Suggestion</a:t>
+            </a:r>
+            <a:r>
+              <a:rPr lang="pt-BR" dirty="0" smtClean="0"/>
+              <a:t>: </a:t>
+            </a:r>
+            <a:r>
+              <a:rPr lang="pt-BR" dirty="0" err="1" smtClean="0"/>
+              <a:t>Model</a:t>
+            </a:r>
+            <a:r>
+              <a:rPr lang="pt-BR" dirty="0" smtClean="0"/>
+              <a:t> </a:t>
+            </a:r>
+            <a:r>
+              <a:rPr lang="pt-BR" dirty="0" err="1" smtClean="0"/>
+              <a:t>one</a:t>
+            </a:r>
+            <a:r>
+              <a:rPr lang="pt-BR" dirty="0" smtClean="0"/>
+              <a:t> GMM per </a:t>
+            </a:r>
+            <a:r>
+              <a:rPr lang="pt-BR" dirty="0" err="1" smtClean="0"/>
+              <a:t>digit</a:t>
+            </a:r>
+            <a:endParaRPr lang="pt-BR" dirty="0" smtClean="0"/>
+          </a:p>
+          <a:p>
+            <a:endParaRPr lang="pt-BR" dirty="0" smtClean="0"/>
+          </a:p>
+          <a:p>
+            <a:endParaRPr lang="pt-BR" dirty="0"/>
+          </a:p>
+          <a:p>
+            <a:pPr marL="0" indent="0">
+              <a:buNone/>
+            </a:pPr>
+            <a:r>
+              <a:rPr lang="pt-BR" dirty="0" smtClean="0"/>
+              <a:t/>
+            </a:r>
+            <a:br>
+              <a:rPr lang="pt-BR" dirty="0" smtClean="0"/>
+            </a:br>
+            <a:endParaRPr lang="pt-BR" dirty="0"/>
+          </a:p>
+        </p:txBody>
+      </p:sp>
+    </p:spTree>
+    <p:extLst>
+      <p:ext uri="{BB962C8B-B14F-4D97-AF65-F5344CB8AC3E}">
+        <p14:creationId xmlns:p14="http://schemas.microsoft.com/office/powerpoint/2010/main" val="3648015825"/>
       </p:ext>
     </p:extLst>
   </p:cSld>

--- a/presentation/Presentation.pptx
+++ b/presentation/Presentation.pptx
@@ -6,12 +6,18 @@
   </p:sldMasterIdLst>
   <p:sldIdLst>
     <p:sldId id="256" r:id="rId2"/>
-    <p:sldId id="257" r:id="rId3"/>
-    <p:sldId id="258" r:id="rId4"/>
-    <p:sldId id="259" r:id="rId5"/>
-    <p:sldId id="260" r:id="rId6"/>
-    <p:sldId id="261" r:id="rId7"/>
-    <p:sldId id="262" r:id="rId8"/>
+    <p:sldId id="262" r:id="rId3"/>
+    <p:sldId id="266" r:id="rId4"/>
+    <p:sldId id="257" r:id="rId5"/>
+    <p:sldId id="267" r:id="rId6"/>
+    <p:sldId id="268" r:id="rId7"/>
+    <p:sldId id="259" r:id="rId8"/>
+    <p:sldId id="260" r:id="rId9"/>
+    <p:sldId id="269" r:id="rId10"/>
+    <p:sldId id="270" r:id="rId11"/>
+    <p:sldId id="263" r:id="rId12"/>
+    <p:sldId id="265" r:id="rId13"/>
+    <p:sldId id="264" r:id="rId14"/>
   </p:sldIdLst>
   <p:sldSz cx="9144000" cy="6858000" type="screen4x3"/>
   <p:notesSz cx="6858000" cy="9144000"/>
@@ -294,7 +300,7 @@
           <a:p>
             <a:fld id="{F18A642D-E0E6-0B42-9656-29039D518434}" type="datetimeFigureOut">
               <a:rPr lang="en-US" smtClean="0"/>
-              <a:t>5/15/15</a:t>
+              <a:t>5/21/15</a:t>
             </a:fld>
             <a:endParaRPr lang="pt-BR"/>
           </a:p>
@@ -464,7 +470,7 @@
           <a:p>
             <a:fld id="{F18A642D-E0E6-0B42-9656-29039D518434}" type="datetimeFigureOut">
               <a:rPr lang="en-US" smtClean="0"/>
-              <a:t>5/15/15</a:t>
+              <a:t>5/21/15</a:t>
             </a:fld>
             <a:endParaRPr lang="pt-BR"/>
           </a:p>
@@ -644,7 +650,7 @@
           <a:p>
             <a:fld id="{F18A642D-E0E6-0B42-9656-29039D518434}" type="datetimeFigureOut">
               <a:rPr lang="en-US" smtClean="0"/>
-              <a:t>5/15/15</a:t>
+              <a:t>5/21/15</a:t>
             </a:fld>
             <a:endParaRPr lang="pt-BR"/>
           </a:p>
@@ -814,7 +820,7 @@
           <a:p>
             <a:fld id="{F18A642D-E0E6-0B42-9656-29039D518434}" type="datetimeFigureOut">
               <a:rPr lang="en-US" smtClean="0"/>
-              <a:t>5/15/15</a:t>
+              <a:t>5/21/15</a:t>
             </a:fld>
             <a:endParaRPr lang="pt-BR"/>
           </a:p>
@@ -1060,7 +1066,7 @@
           <a:p>
             <a:fld id="{F18A642D-E0E6-0B42-9656-29039D518434}" type="datetimeFigureOut">
               <a:rPr lang="en-US" smtClean="0"/>
-              <a:t>5/15/15</a:t>
+              <a:t>5/21/15</a:t>
             </a:fld>
             <a:endParaRPr lang="pt-BR"/>
           </a:p>
@@ -1348,7 +1354,7 @@
           <a:p>
             <a:fld id="{F18A642D-E0E6-0B42-9656-29039D518434}" type="datetimeFigureOut">
               <a:rPr lang="en-US" smtClean="0"/>
-              <a:t>5/15/15</a:t>
+              <a:t>5/21/15</a:t>
             </a:fld>
             <a:endParaRPr lang="pt-BR"/>
           </a:p>
@@ -1770,7 +1776,7 @@
           <a:p>
             <a:fld id="{F18A642D-E0E6-0B42-9656-29039D518434}" type="datetimeFigureOut">
               <a:rPr lang="en-US" smtClean="0"/>
-              <a:t>5/15/15</a:t>
+              <a:t>5/21/15</a:t>
             </a:fld>
             <a:endParaRPr lang="pt-BR"/>
           </a:p>
@@ -1888,7 +1894,7 @@
           <a:p>
             <a:fld id="{F18A642D-E0E6-0B42-9656-29039D518434}" type="datetimeFigureOut">
               <a:rPr lang="en-US" smtClean="0"/>
-              <a:t>5/15/15</a:t>
+              <a:t>5/21/15</a:t>
             </a:fld>
             <a:endParaRPr lang="pt-BR"/>
           </a:p>
@@ -1983,7 +1989,7 @@
           <a:p>
             <a:fld id="{F18A642D-E0E6-0B42-9656-29039D518434}" type="datetimeFigureOut">
               <a:rPr lang="en-US" smtClean="0"/>
-              <a:t>5/15/15</a:t>
+              <a:t>5/21/15</a:t>
             </a:fld>
             <a:endParaRPr lang="pt-BR"/>
           </a:p>
@@ -2260,7 +2266,7 @@
           <a:p>
             <a:fld id="{F18A642D-E0E6-0B42-9656-29039D518434}" type="datetimeFigureOut">
               <a:rPr lang="en-US" smtClean="0"/>
-              <a:t>5/15/15</a:t>
+              <a:t>5/21/15</a:t>
             </a:fld>
             <a:endParaRPr lang="pt-BR"/>
           </a:p>
@@ -2513,7 +2519,7 @@
           <a:p>
             <a:fld id="{F18A642D-E0E6-0B42-9656-29039D518434}" type="datetimeFigureOut">
               <a:rPr lang="en-US" smtClean="0"/>
-              <a:t>5/15/15</a:t>
+              <a:t>5/21/15</a:t>
             </a:fld>
             <a:endParaRPr lang="pt-BR"/>
           </a:p>
@@ -2726,7 +2732,7 @@
           <a:p>
             <a:fld id="{F18A642D-E0E6-0B42-9656-29039D518434}" type="datetimeFigureOut">
               <a:rPr lang="en-US" smtClean="0"/>
-              <a:t>5/15/15</a:t>
+              <a:t>5/21/15</a:t>
             </a:fld>
             <a:endParaRPr lang="pt-BR"/>
           </a:p>
@@ -3111,19 +3117,43 @@
             <p:ph type="ctrTitle"/>
           </p:nvPr>
         </p:nvSpPr>
-        <p:spPr/>
-        <p:txBody>
-          <a:bodyPr/>
-          <a:lstStyle/>
-          <a:p>
-            <a:r>
-              <a:rPr lang="pt-BR" dirty="0" err="1" smtClean="0"/>
-              <a:t>Group</a:t>
+        <p:spPr>
+          <a:xfrm>
+            <a:off x="685800" y="1610307"/>
+            <a:ext cx="7772400" cy="1470025"/>
+          </a:xfrm>
+        </p:spPr>
+        <p:txBody>
+          <a:bodyPr>
+            <a:normAutofit fontScale="90000"/>
+          </a:bodyPr>
+          <a:lstStyle/>
+          <a:p>
+            <a:r>
+              <a:rPr lang="en-US" dirty="0"/>
+              <a:t/>
+            </a:r>
+            <a:br>
+              <a:rPr lang="en-US" dirty="0"/>
+            </a:br>
+            <a:r>
+              <a:rPr lang="en-US" sz="4900" dirty="0" smtClean="0"/>
+              <a:t>Mini project</a:t>
+            </a:r>
+            <a:br>
+              <a:rPr lang="en-US" sz="4900" dirty="0" smtClean="0"/>
+            </a:br>
+            <a:r>
+              <a:rPr lang="en-US" sz="3100" dirty="0"/>
+              <a:t>Fundamentals in Statistical Pattern Recognition</a:t>
             </a:r>
             <a:r>
               <a:rPr lang="pt-BR" dirty="0" smtClean="0"/>
-              <a:t> 7</a:t>
-            </a:r>
+              <a:t/>
+            </a:r>
+            <a:br>
+              <a:rPr lang="pt-BR" dirty="0" smtClean="0"/>
+            </a:br>
             <a:endParaRPr lang="pt-BR" dirty="0"/>
           </a:p>
         </p:txBody>
@@ -3138,35 +3168,113 @@
             <p:ph type="subTitle" idx="1"/>
           </p:nvPr>
         </p:nvSpPr>
-        <p:spPr/>
-        <p:txBody>
-          <a:bodyPr/>
-          <a:lstStyle/>
-          <a:p>
-            <a:r>
-              <a:rPr lang="hr-HR" sz="2300" dirty="0" smtClean="0"/>
+        <p:spPr>
+          <a:xfrm>
+            <a:off x="1371600" y="3382860"/>
+            <a:ext cx="6400800" cy="1752600"/>
+          </a:xfrm>
+        </p:spPr>
+        <p:txBody>
+          <a:bodyPr>
+            <a:normAutofit fontScale="92500"/>
+          </a:bodyPr>
+          <a:lstStyle/>
+          <a:p>
+            <a:r>
+              <a:rPr lang="pt-BR" sz="2200" dirty="0"/>
+              <a:t>Group 1:</a:t>
+            </a:r>
+            <a:r>
+              <a:rPr lang="en-US" sz="2200" dirty="0"/>
+              <a:t> Batzianoulis Iason, </a:t>
+            </a:r>
+            <a:r>
+              <a:rPr lang="en-US" sz="2200" dirty="0" smtClean="0"/>
+              <a:t>Mirrazavi </a:t>
+            </a:r>
+            <a:r>
+              <a:rPr lang="en-US" sz="2200" dirty="0"/>
+              <a:t>Salehian Seyed Sina </a:t>
+            </a:r>
+            <a:endParaRPr lang="en-US" sz="2200" dirty="0" smtClean="0"/>
+          </a:p>
+          <a:p>
+            <a:endParaRPr lang="en-US" sz="2400" dirty="0" smtClean="0"/>
+          </a:p>
+          <a:p>
+            <a:r>
+              <a:rPr lang="en-US" sz="2200" dirty="0" smtClean="0"/>
+              <a:t>Reviewed by </a:t>
+            </a:r>
+            <a:r>
+              <a:rPr lang="pt-BR" sz="2200" dirty="0"/>
+              <a:t>Group 7:</a:t>
+            </a:r>
+            <a:r>
+              <a:rPr lang="en-US" sz="2200" dirty="0" smtClean="0"/>
+              <a:t> </a:t>
+            </a:r>
+            <a:r>
+              <a:rPr lang="hr-HR" sz="2200" dirty="0" smtClean="0"/>
               <a:t>Braun </a:t>
             </a:r>
             <a:r>
-              <a:rPr lang="hr-HR" sz="2300" dirty="0"/>
+              <a:rPr lang="hr-HR" sz="2200" dirty="0"/>
               <a:t>Fabian, Marija </a:t>
             </a:r>
             <a:r>
-              <a:rPr lang="hr-HR" sz="2300" dirty="0" smtClean="0"/>
-              <a:t>Nikolic , Tiago de </a:t>
-            </a:r>
-            <a:r>
-              <a:rPr lang="hr-HR" sz="2300" dirty="0"/>
+              <a:rPr lang="hr-HR" sz="2200" dirty="0" smtClean="0"/>
+              <a:t>Nikolić, Tiago de </a:t>
+            </a:r>
+            <a:r>
+              <a:rPr lang="hr-HR" sz="2200" dirty="0"/>
               <a:t>Freitas </a:t>
             </a:r>
             <a:r>
-              <a:rPr lang="hr-HR" sz="2300" dirty="0" smtClean="0"/>
+              <a:rPr lang="hr-HR" sz="2200" dirty="0" smtClean="0"/>
               <a:t>Pereira</a:t>
             </a:r>
-            <a:endParaRPr lang="hr-HR" sz="2300" dirty="0"/>
+            <a:endParaRPr lang="hr-HR" sz="2200" dirty="0"/>
           </a:p>
           <a:p>
             <a:endParaRPr lang="pt-BR" dirty="0"/>
+          </a:p>
+        </p:txBody>
+      </p:sp>
+      <p:sp>
+        <p:nvSpPr>
+          <p:cNvPr id="4" name="TextBox 3"/>
+          <p:cNvSpPr txBox="1"/>
+          <p:nvPr/>
+        </p:nvSpPr>
+        <p:spPr>
+          <a:xfrm>
+            <a:off x="3280094" y="5612343"/>
+            <a:ext cx="2294218" cy="369332"/>
+          </a:xfrm>
+          <a:prstGeom prst="rect">
+            <a:avLst/>
+          </a:prstGeom>
+          <a:noFill/>
+        </p:spPr>
+        <p:txBody>
+          <a:bodyPr wrap="none" rtlCol="0">
+            <a:spAutoFit/>
+          </a:bodyPr>
+          <a:lstStyle/>
+          <a:p>
+            <a:pPr algn="ctr"/>
+            <a:r>
+              <a:rPr lang="en-US" dirty="0" smtClean="0">
+                <a:solidFill>
+                  <a:schemeClr val="bg1">
+                    <a:lumMod val="50000"/>
+                  </a:schemeClr>
+                </a:solidFill>
+              </a:rPr>
+              <a:t>Lausanne, 22.05.2015.</a:t>
+            </a:r>
+            <a:endParaRPr lang="en-US" dirty="0"/>
           </a:p>
         </p:txBody>
       </p:sp>
@@ -3180,6 +3288,1166 @@
   <p:clrMapOvr>
     <a:masterClrMapping/>
   </p:clrMapOvr>
+  <p:timing>
+    <p:tnLst>
+      <p:par>
+        <p:cTn xmlns:p14="http://schemas.microsoft.com/office/powerpoint/2010/main" id="1" dur="indefinite" restart="never" nodeType="tmRoot"/>
+      </p:par>
+    </p:tnLst>
+  </p:timing>
+</p:sld>
+</file>
+
+<file path=ppt/slides/slide10.xml><?xml version="1.0" encoding="utf-8"?>
+<p:sld xmlns:a="http://schemas.openxmlformats.org/drawingml/2006/main" xmlns:r="http://schemas.openxmlformats.org/officeDocument/2006/relationships" xmlns:p="http://schemas.openxmlformats.org/presentationml/2006/main">
+  <p:cSld>
+    <p:spTree>
+      <p:nvGrpSpPr>
+        <p:cNvPr id="1" name=""/>
+        <p:cNvGrpSpPr/>
+        <p:nvPr/>
+      </p:nvGrpSpPr>
+      <p:grpSpPr>
+        <a:xfrm>
+          <a:off x="0" y="0"/>
+          <a:ext cx="0" cy="0"/>
+          <a:chOff x="0" y="0"/>
+          <a:chExt cx="0" cy="0"/>
+        </a:xfrm>
+      </p:grpSpPr>
+      <p:sp>
+        <p:nvSpPr>
+          <p:cNvPr id="2" name="Title 1"/>
+          <p:cNvSpPr>
+            <a:spLocks noGrp="1"/>
+          </p:cNvSpPr>
+          <p:nvPr>
+            <p:ph type="title"/>
+          </p:nvPr>
+        </p:nvSpPr>
+        <p:spPr/>
+        <p:txBody>
+          <a:bodyPr/>
+          <a:lstStyle/>
+          <a:p>
+            <a:r>
+              <a:rPr lang="pt-BR" dirty="0" smtClean="0"/>
+              <a:t>GMM &amp; PCA </a:t>
+            </a:r>
+            <a:r>
+              <a:rPr lang="pt-BR" dirty="0"/>
+              <a:t>- Remarks</a:t>
+            </a:r>
+          </a:p>
+        </p:txBody>
+      </p:sp>
+      <p:pic>
+        <p:nvPicPr>
+          <p:cNvPr id="5" name="Picture 4" descr="24_gaussian.png"/>
+          <p:cNvPicPr>
+            <a:picLocks noChangeAspect="1"/>
+          </p:cNvPicPr>
+          <p:nvPr/>
+        </p:nvPicPr>
+        <p:blipFill>
+          <a:blip r:embed="rId2">
+            <a:extLst>
+              <a:ext uri="{28A0092B-C50C-407E-A947-70E740481C1C}">
+                <a14:useLocalDpi xmlns:a14="http://schemas.microsoft.com/office/drawing/2010/main" val="0"/>
+              </a:ext>
+            </a:extLst>
+          </a:blip>
+          <a:stretch>
+            <a:fillRect/>
+          </a:stretch>
+        </p:blipFill>
+        <p:spPr>
+          <a:xfrm>
+            <a:off x="-417049" y="1898197"/>
+            <a:ext cx="6650182" cy="4987636"/>
+          </a:xfrm>
+          <a:prstGeom prst="rect">
+            <a:avLst/>
+          </a:prstGeom>
+        </p:spPr>
+      </p:pic>
+      <p:sp>
+        <p:nvSpPr>
+          <p:cNvPr id="3" name="Content Placeholder 2"/>
+          <p:cNvSpPr>
+            <a:spLocks noGrp="1"/>
+          </p:cNvSpPr>
+          <p:nvPr>
+            <p:ph idx="1"/>
+          </p:nvPr>
+        </p:nvSpPr>
+        <p:spPr>
+          <a:xfrm>
+            <a:off x="457200" y="1251275"/>
+            <a:ext cx="8229600" cy="4525963"/>
+          </a:xfrm>
+        </p:spPr>
+        <p:txBody>
+          <a:bodyPr>
+            <a:normAutofit/>
+          </a:bodyPr>
+          <a:lstStyle/>
+          <a:p>
+            <a:pPr algn="just"/>
+            <a:r>
+              <a:rPr lang="pt-BR" sz="2400" dirty="0" err="1" smtClean="0"/>
+              <a:t>How</a:t>
+            </a:r>
+            <a:r>
+              <a:rPr lang="pt-BR" sz="2400" dirty="0" smtClean="0"/>
+              <a:t> </a:t>
+            </a:r>
+            <a:r>
+              <a:rPr lang="pt-BR" sz="2400" dirty="0" err="1" smtClean="0"/>
+              <a:t>the</a:t>
+            </a:r>
+            <a:r>
+              <a:rPr lang="pt-BR" sz="2400" dirty="0" smtClean="0"/>
+              <a:t> </a:t>
+            </a:r>
+            <a:r>
+              <a:rPr lang="pt-BR" sz="2400" dirty="0" err="1" smtClean="0"/>
+              <a:t>means</a:t>
+            </a:r>
+            <a:r>
+              <a:rPr lang="pt-BR" sz="2400" dirty="0" smtClean="0"/>
+              <a:t> move </a:t>
+            </a:r>
+            <a:r>
+              <a:rPr lang="pt-BR" sz="2400" dirty="0" err="1" smtClean="0"/>
+              <a:t>along</a:t>
+            </a:r>
+            <a:r>
+              <a:rPr lang="pt-BR" sz="2400" dirty="0" smtClean="0"/>
+              <a:t> </a:t>
+            </a:r>
+            <a:r>
+              <a:rPr lang="pt-BR" sz="2400" dirty="0" err="1" smtClean="0"/>
+              <a:t>the</a:t>
+            </a:r>
+            <a:r>
+              <a:rPr lang="pt-BR" sz="2400" dirty="0" smtClean="0"/>
+              <a:t> </a:t>
+            </a:r>
+            <a:r>
+              <a:rPr lang="pt-BR" sz="2400" dirty="0" err="1" smtClean="0"/>
+              <a:t>space</a:t>
+            </a:r>
+            <a:r>
+              <a:rPr lang="pt-BR" sz="2400" dirty="0" smtClean="0"/>
+              <a:t>? </a:t>
+            </a:r>
+            <a:r>
+              <a:rPr lang="pt-BR" sz="2400" dirty="0" err="1" smtClean="0"/>
+              <a:t>Example</a:t>
+            </a:r>
+            <a:r>
+              <a:rPr lang="pt-BR" sz="2400" dirty="0" smtClean="0"/>
+              <a:t> </a:t>
+            </a:r>
+            <a:r>
+              <a:rPr lang="pt-BR" sz="2400" dirty="0" err="1" smtClean="0"/>
+              <a:t>with</a:t>
+            </a:r>
+            <a:r>
+              <a:rPr lang="pt-BR" sz="2400" dirty="0" smtClean="0"/>
+              <a:t> 24 </a:t>
+            </a:r>
+            <a:r>
+              <a:rPr lang="pt-BR" sz="2400" dirty="0" err="1" smtClean="0"/>
+              <a:t>gaussians</a:t>
+            </a:r>
+            <a:r>
+              <a:rPr lang="pt-BR" sz="2400" dirty="0" smtClean="0"/>
+              <a:t>.</a:t>
+            </a:r>
+            <a:endParaRPr lang="pt-BR" sz="2400" dirty="0" smtClean="0"/>
+          </a:p>
+          <a:p>
+            <a:pPr marL="0" indent="0">
+              <a:buNone/>
+            </a:pPr>
+            <a:endParaRPr lang="en-US" dirty="0" smtClean="0"/>
+          </a:p>
+          <a:p>
+            <a:endParaRPr lang="en-US" dirty="0"/>
+          </a:p>
+        </p:txBody>
+      </p:sp>
+      <p:sp>
+        <p:nvSpPr>
+          <p:cNvPr id="6" name="TextBox 5"/>
+          <p:cNvSpPr txBox="1"/>
+          <p:nvPr/>
+        </p:nvSpPr>
+        <p:spPr>
+          <a:xfrm>
+            <a:off x="5693631" y="2241353"/>
+            <a:ext cx="3647716" cy="4616647"/>
+          </a:xfrm>
+          <a:prstGeom prst="rect">
+            <a:avLst/>
+          </a:prstGeom>
+          <a:noFill/>
+        </p:spPr>
+        <p:txBody>
+          <a:bodyPr wrap="none" rtlCol="0">
+            <a:spAutoFit/>
+          </a:bodyPr>
+          <a:lstStyle/>
+          <a:p>
+            <a:r>
+              <a:rPr lang="de-DE" sz="1200" dirty="0">
+                <a:latin typeface="Courier"/>
+                <a:cs typeface="Courier"/>
+              </a:rPr>
+              <a:t>[[  7.71279485e+03   1.00000123e-02]</a:t>
+            </a:r>
+          </a:p>
+          <a:p>
+            <a:r>
+              <a:rPr lang="de-DE" sz="1200" dirty="0">
+                <a:latin typeface="Courier"/>
+                <a:cs typeface="Courier"/>
+              </a:rPr>
+              <a:t> [  1.99321693e+03   1.00000000e-02]</a:t>
+            </a:r>
+          </a:p>
+          <a:p>
+            <a:r>
+              <a:rPr lang="de-DE" sz="1200" dirty="0">
+                <a:latin typeface="Courier"/>
+                <a:cs typeface="Courier"/>
+              </a:rPr>
+              <a:t> [  7.21106645e+03   1.00000000e-02]</a:t>
+            </a:r>
+          </a:p>
+          <a:p>
+            <a:r>
+              <a:rPr lang="de-DE" sz="1200" dirty="0">
+                <a:latin typeface="Courier"/>
+                <a:cs typeface="Courier"/>
+              </a:rPr>
+              <a:t> [  1.92641293e+02   1.00000000e-02]</a:t>
+            </a:r>
+          </a:p>
+          <a:p>
+            <a:r>
+              <a:rPr lang="de-DE" sz="1200" dirty="0">
+                <a:latin typeface="Courier"/>
+                <a:cs typeface="Courier"/>
+              </a:rPr>
+              <a:t> [  3.29071183e+04   1.00000000e-02]</a:t>
+            </a:r>
+          </a:p>
+          <a:p>
+            <a:r>
+              <a:rPr lang="de-DE" sz="1200" dirty="0">
+                <a:latin typeface="Courier"/>
+                <a:cs typeface="Courier"/>
+              </a:rPr>
+              <a:t> [  1.59875255e+04   1.00000000e-02]</a:t>
+            </a:r>
+          </a:p>
+          <a:p>
+            <a:r>
+              <a:rPr lang="de-DE" sz="1200" dirty="0">
+                <a:latin typeface="Courier"/>
+                <a:cs typeface="Courier"/>
+              </a:rPr>
+              <a:t> [  6.09943336e+03   1.00000000e-02]</a:t>
+            </a:r>
+          </a:p>
+          <a:p>
+            <a:r>
+              <a:rPr lang="de-DE" sz="1200" dirty="0">
+                <a:latin typeface="Courier"/>
+                <a:cs typeface="Courier"/>
+              </a:rPr>
+              <a:t> [  3.12765518e+04   2.56880915e-01]</a:t>
+            </a:r>
+          </a:p>
+          <a:p>
+            <a:r>
+              <a:rPr lang="de-DE" sz="1200" dirty="0">
+                <a:latin typeface="Courier"/>
+                <a:cs typeface="Courier"/>
+              </a:rPr>
+              <a:t> [  2.70854969e+03   1.00000000e-02]</a:t>
+            </a:r>
+          </a:p>
+          <a:p>
+            <a:r>
+              <a:rPr lang="de-DE" sz="1200" dirty="0">
+                <a:latin typeface="Courier"/>
+                <a:cs typeface="Courier"/>
+              </a:rPr>
+              <a:t> [  3.61342145e+04   2.59261314e-01]</a:t>
+            </a:r>
+          </a:p>
+          <a:p>
+            <a:r>
+              <a:rPr lang="de-DE" sz="1200" dirty="0">
+                <a:latin typeface="Courier"/>
+                <a:cs typeface="Courier"/>
+              </a:rPr>
+              <a:t> [  7.52141798e+04   1.00000000e-02]</a:t>
+            </a:r>
+          </a:p>
+          <a:p>
+            <a:r>
+              <a:rPr lang="de-DE" sz="1200" dirty="0">
+                <a:latin typeface="Courier"/>
+                <a:cs typeface="Courier"/>
+              </a:rPr>
+              <a:t> [  1.38324272e+04   1.00000000e-02]</a:t>
+            </a:r>
+          </a:p>
+          <a:p>
+            <a:r>
+              <a:rPr lang="de-DE" sz="1200" dirty="0">
+                <a:latin typeface="Courier"/>
+                <a:cs typeface="Courier"/>
+              </a:rPr>
+              <a:t> [  4.97549309e+04   1.00000000e-02]</a:t>
+            </a:r>
+          </a:p>
+          <a:p>
+            <a:r>
+              <a:rPr lang="de-DE" sz="1200" dirty="0">
+                <a:latin typeface="Courier"/>
+                <a:cs typeface="Courier"/>
+              </a:rPr>
+              <a:t> [  8.02827841e+03   1.00000000e-02]</a:t>
+            </a:r>
+          </a:p>
+          <a:p>
+            <a:r>
+              <a:rPr lang="de-DE" sz="1200" dirty="0">
+                <a:latin typeface="Courier"/>
+                <a:cs typeface="Courier"/>
+              </a:rPr>
+              <a:t> [  3.25641184e+04   1.00000000e-02]</a:t>
+            </a:r>
+          </a:p>
+          <a:p>
+            <a:r>
+              <a:rPr lang="de-DE" sz="1200" dirty="0">
+                <a:latin typeface="Courier"/>
+                <a:cs typeface="Courier"/>
+              </a:rPr>
+              <a:t> [  1.48142400e+03   2.91374230e+00]</a:t>
+            </a:r>
+          </a:p>
+          <a:p>
+            <a:r>
+              <a:rPr lang="de-DE" sz="1200" dirty="0">
+                <a:latin typeface="Courier"/>
+                <a:cs typeface="Courier"/>
+              </a:rPr>
+              <a:t> [  6.41723388e+04   1.00000000e-02]</a:t>
+            </a:r>
+          </a:p>
+          <a:p>
+            <a:r>
+              <a:rPr lang="de-DE" sz="1200" dirty="0">
+                <a:latin typeface="Courier"/>
+                <a:cs typeface="Courier"/>
+              </a:rPr>
+              <a:t> [  6.02484636e+03   1.00000001e-02]</a:t>
+            </a:r>
+          </a:p>
+          <a:p>
+            <a:r>
+              <a:rPr lang="de-DE" sz="1200" dirty="0">
+                <a:latin typeface="Courier"/>
+                <a:cs typeface="Courier"/>
+              </a:rPr>
+              <a:t> [  1.16635171e+04   1.00000036e-02]</a:t>
+            </a:r>
+          </a:p>
+          <a:p>
+            <a:r>
+              <a:rPr lang="de-DE" sz="1200" dirty="0">
+                <a:latin typeface="Courier"/>
+                <a:cs typeface="Courier"/>
+              </a:rPr>
+              <a:t> [  5.53486069e+04   1.00000000e-02]</a:t>
+            </a:r>
+          </a:p>
+          <a:p>
+            <a:r>
+              <a:rPr lang="de-DE" sz="1200" dirty="0">
+                <a:latin typeface="Courier"/>
+                <a:cs typeface="Courier"/>
+              </a:rPr>
+              <a:t> [  5.66339402e+03   1.00000000e-02]</a:t>
+            </a:r>
+          </a:p>
+          <a:p>
+            <a:r>
+              <a:rPr lang="de-DE" sz="1200" dirty="0">
+                <a:latin typeface="Courier"/>
+                <a:cs typeface="Courier"/>
+              </a:rPr>
+              <a:t> [  4.30077826e+04   1.00000000e-02]</a:t>
+            </a:r>
+          </a:p>
+          <a:p>
+            <a:r>
+              <a:rPr lang="de-DE" sz="1200" dirty="0">
+                <a:latin typeface="Courier"/>
+                <a:cs typeface="Courier"/>
+              </a:rPr>
+              <a:t> [  4.06755640e+03   1.62449588e+00]</a:t>
+            </a:r>
+          </a:p>
+          <a:p>
+            <a:r>
+              <a:rPr lang="de-DE" sz="1200" dirty="0">
+                <a:latin typeface="Courier"/>
+                <a:cs typeface="Courier"/>
+              </a:rPr>
+              <a:t> [  6.01247404e+04   1.00000000e-02]]</a:t>
+            </a:r>
+            <a:endParaRPr lang="pt-BR" sz="1200" dirty="0">
+              <a:latin typeface="Courier"/>
+              <a:cs typeface="Courier"/>
+            </a:endParaRPr>
+          </a:p>
+        </p:txBody>
+      </p:sp>
+      <p:sp>
+        <p:nvSpPr>
+          <p:cNvPr id="7" name="TextBox 6"/>
+          <p:cNvSpPr txBox="1"/>
+          <p:nvPr/>
+        </p:nvSpPr>
+        <p:spPr>
+          <a:xfrm>
+            <a:off x="6447201" y="1913892"/>
+            <a:ext cx="2069534" cy="369332"/>
+          </a:xfrm>
+          <a:prstGeom prst="rect">
+            <a:avLst/>
+          </a:prstGeom>
+          <a:noFill/>
+        </p:spPr>
+        <p:txBody>
+          <a:bodyPr wrap="none" rtlCol="0">
+            <a:spAutoFit/>
+          </a:bodyPr>
+          <a:lstStyle/>
+          <a:p>
+            <a:r>
+              <a:rPr lang="pt-BR" dirty="0" smtClean="0"/>
+              <a:t>Diagonal </a:t>
+            </a:r>
+            <a:r>
+              <a:rPr lang="pt-BR" dirty="0" err="1" smtClean="0"/>
+              <a:t>covariance</a:t>
+            </a:r>
+            <a:endParaRPr lang="pt-BR" dirty="0"/>
+          </a:p>
+        </p:txBody>
+      </p:sp>
+    </p:spTree>
+    <p:extLst>
+      <p:ext uri="{BB962C8B-B14F-4D97-AF65-F5344CB8AC3E}">
+        <p14:creationId xmlns:p14="http://schemas.microsoft.com/office/powerpoint/2010/main" val="732517061"/>
+      </p:ext>
+    </p:extLst>
+  </p:cSld>
+  <p:clrMapOvr>
+    <a:masterClrMapping/>
+  </p:clrMapOvr>
+  <p:timing>
+    <p:tnLst>
+      <p:par>
+        <p:cTn xmlns:p14="http://schemas.microsoft.com/office/powerpoint/2010/main" id="1" dur="indefinite" restart="never" nodeType="tmRoot"/>
+      </p:par>
+    </p:tnLst>
+  </p:timing>
+</p:sld>
+</file>
+
+<file path=ppt/slides/slide11.xml><?xml version="1.0" encoding="utf-8"?>
+<p:sld xmlns:a="http://schemas.openxmlformats.org/drawingml/2006/main" xmlns:r="http://schemas.openxmlformats.org/officeDocument/2006/relationships" xmlns:p="http://schemas.openxmlformats.org/presentationml/2006/main">
+  <p:cSld>
+    <p:spTree>
+      <p:nvGrpSpPr>
+        <p:cNvPr id="1" name=""/>
+        <p:cNvGrpSpPr/>
+        <p:nvPr/>
+      </p:nvGrpSpPr>
+      <p:grpSpPr>
+        <a:xfrm>
+          <a:off x="0" y="0"/>
+          <a:ext cx="0" cy="0"/>
+          <a:chOff x="0" y="0"/>
+          <a:chExt cx="0" cy="0"/>
+        </a:xfrm>
+      </p:grpSpPr>
+      <p:sp>
+        <p:nvSpPr>
+          <p:cNvPr id="2" name="Title 1"/>
+          <p:cNvSpPr>
+            <a:spLocks noGrp="1"/>
+          </p:cNvSpPr>
+          <p:nvPr>
+            <p:ph type="title"/>
+          </p:nvPr>
+        </p:nvSpPr>
+        <p:spPr/>
+        <p:txBody>
+          <a:bodyPr>
+            <a:normAutofit/>
+          </a:bodyPr>
+          <a:lstStyle/>
+          <a:p>
+            <a:r>
+              <a:rPr lang="en-US" dirty="0" err="1" smtClean="0"/>
+              <a:t>kNN</a:t>
+            </a:r>
+            <a:r>
+              <a:rPr lang="en-US" dirty="0" smtClean="0"/>
+              <a:t> &amp; PCA vs. GMM &amp; PCA</a:t>
+            </a:r>
+            <a:endParaRPr lang="en-US" dirty="0"/>
+          </a:p>
+        </p:txBody>
+      </p:sp>
+      <p:sp>
+        <p:nvSpPr>
+          <p:cNvPr id="3" name="Content Placeholder 2"/>
+          <p:cNvSpPr>
+            <a:spLocks noGrp="1"/>
+          </p:cNvSpPr>
+          <p:nvPr>
+            <p:ph idx="1"/>
+          </p:nvPr>
+        </p:nvSpPr>
+        <p:spPr>
+          <a:xfrm>
+            <a:off x="457200" y="1417638"/>
+            <a:ext cx="8229600" cy="4525963"/>
+          </a:xfrm>
+        </p:spPr>
+        <p:txBody>
+          <a:bodyPr/>
+          <a:lstStyle/>
+          <a:p>
+            <a:r>
+              <a:rPr lang="en-US" sz="2400" dirty="0" smtClean="0"/>
+              <a:t>Aggregated level: CER</a:t>
+            </a:r>
+          </a:p>
+          <a:p>
+            <a:pPr lvl="1"/>
+            <a:r>
+              <a:rPr lang="pt-BR" sz="2000" dirty="0" smtClean="0"/>
+              <a:t>CER</a:t>
+            </a:r>
+            <a:r>
+              <a:rPr lang="pt-BR" sz="2000" baseline="-25000" dirty="0" smtClean="0"/>
+              <a:t>Devel </a:t>
+            </a:r>
+            <a:r>
+              <a:rPr lang="pt-BR" sz="2000" dirty="0"/>
+              <a:t>(</a:t>
+            </a:r>
+            <a:r>
+              <a:rPr lang="pt-BR" sz="2000" dirty="0" smtClean="0"/>
+              <a:t>kNN &amp; </a:t>
+            </a:r>
+            <a:r>
+              <a:rPr lang="pt-BR" sz="2000" dirty="0"/>
+              <a:t>PCA): 38.07%</a:t>
+            </a:r>
+          </a:p>
+          <a:p>
+            <a:pPr lvl="1"/>
+            <a:r>
+              <a:rPr lang="pt-BR" sz="2000" dirty="0" smtClean="0"/>
+              <a:t>CER</a:t>
+            </a:r>
+            <a:r>
+              <a:rPr lang="pt-BR" sz="2000" baseline="-25000" dirty="0" smtClean="0"/>
+              <a:t>Devel </a:t>
+            </a:r>
+            <a:r>
+              <a:rPr lang="pt-BR" sz="2000" dirty="0" smtClean="0"/>
+              <a:t>(GMM &amp; PCA): </a:t>
+            </a:r>
+            <a:r>
+              <a:rPr lang="pt-BR" sz="2000" dirty="0"/>
+              <a:t>66.68</a:t>
+            </a:r>
+            <a:r>
+              <a:rPr lang="pt-BR" sz="2000" dirty="0" smtClean="0"/>
+              <a:t>%</a:t>
+            </a:r>
+            <a:endParaRPr lang="en-US" sz="2000" dirty="0" smtClean="0"/>
+          </a:p>
+          <a:p>
+            <a:r>
+              <a:rPr lang="en-US" sz="2400" dirty="0" smtClean="0"/>
+              <a:t>Disaggregated level: Confusion matrices</a:t>
+            </a:r>
+          </a:p>
+          <a:p>
+            <a:endParaRPr lang="en-US" dirty="0"/>
+          </a:p>
+        </p:txBody>
+      </p:sp>
+      <p:pic>
+        <p:nvPicPr>
+          <p:cNvPr id="1028" name="Picture 4"/>
+          <p:cNvPicPr>
+            <a:picLocks noChangeAspect="1" noChangeArrowheads="1"/>
+          </p:cNvPicPr>
+          <p:nvPr/>
+        </p:nvPicPr>
+        <p:blipFill>
+          <a:blip r:embed="rId2">
+            <a:extLst>
+              <a:ext uri="{28A0092B-C50C-407E-A947-70E740481C1C}">
+                <a14:useLocalDpi xmlns:a14="http://schemas.microsoft.com/office/drawing/2010/main" val="0"/>
+              </a:ext>
+            </a:extLst>
+          </a:blip>
+          <a:srcRect/>
+          <a:stretch>
+            <a:fillRect/>
+          </a:stretch>
+        </p:blipFill>
+        <p:spPr bwMode="auto">
+          <a:xfrm>
+            <a:off x="1571625" y="3173749"/>
+            <a:ext cx="6000750" cy="3295650"/>
+          </a:xfrm>
+          <a:prstGeom prst="rect">
+            <a:avLst/>
+          </a:prstGeom>
+          <a:noFill/>
+          <a:ln>
+            <a:noFill/>
+          </a:ln>
+          <a:extLst>
+            <a:ext uri="{909E8E84-426E-40dd-AFC4-6F175D3DCCD1}">
+              <a14:hiddenFill xmlns:a14="http://schemas.microsoft.com/office/drawing/2010/main">
+                <a:solidFill>
+                  <a:schemeClr val="accent1"/>
+                </a:solidFill>
+              </a14:hiddenFill>
+            </a:ext>
+            <a:ext uri="{91240B29-F687-4f45-9708-019B960494DF}">
+              <a14:hiddenLine xmlns:a14="http://schemas.microsoft.com/office/drawing/2010/main" w="9525">
+                <a:solidFill>
+                  <a:schemeClr val="tx1"/>
+                </a:solidFill>
+                <a:miter lim="800000"/>
+                <a:headEnd/>
+                <a:tailEnd/>
+              </a14:hiddenLine>
+            </a:ext>
+          </a:extLst>
+        </p:spPr>
+      </p:pic>
+    </p:spTree>
+    <p:extLst>
+      <p:ext uri="{BB962C8B-B14F-4D97-AF65-F5344CB8AC3E}">
+        <p14:creationId xmlns:p14="http://schemas.microsoft.com/office/powerpoint/2010/main" val="4255481366"/>
+      </p:ext>
+    </p:extLst>
+  </p:cSld>
+  <p:clrMapOvr>
+    <a:masterClrMapping/>
+  </p:clrMapOvr>
+  <p:timing>
+    <p:tnLst>
+      <p:par>
+        <p:cTn xmlns:p14="http://schemas.microsoft.com/office/powerpoint/2010/main" id="1" dur="indefinite" restart="never" nodeType="tmRoot"/>
+      </p:par>
+    </p:tnLst>
+  </p:timing>
+</p:sld>
+</file>
+
+<file path=ppt/slides/slide12.xml><?xml version="1.0" encoding="utf-8"?>
+<p:sld xmlns:a="http://schemas.openxmlformats.org/drawingml/2006/main" xmlns:r="http://schemas.openxmlformats.org/officeDocument/2006/relationships" xmlns:p="http://schemas.openxmlformats.org/presentationml/2006/main">
+  <p:cSld>
+    <p:spTree>
+      <p:nvGrpSpPr>
+        <p:cNvPr id="1" name=""/>
+        <p:cNvGrpSpPr/>
+        <p:nvPr/>
+      </p:nvGrpSpPr>
+      <p:grpSpPr>
+        <a:xfrm>
+          <a:off x="0" y="0"/>
+          <a:ext cx="0" cy="0"/>
+          <a:chOff x="0" y="0"/>
+          <a:chExt cx="0" cy="0"/>
+        </a:xfrm>
+      </p:grpSpPr>
+      <p:sp>
+        <p:nvSpPr>
+          <p:cNvPr id="2" name="Title 1"/>
+          <p:cNvSpPr>
+            <a:spLocks noGrp="1"/>
+          </p:cNvSpPr>
+          <p:nvPr>
+            <p:ph type="title"/>
+          </p:nvPr>
+        </p:nvSpPr>
+        <p:spPr/>
+        <p:txBody>
+          <a:bodyPr/>
+          <a:lstStyle/>
+          <a:p>
+            <a:r>
+              <a:rPr lang="pt-BR" dirty="0" err="1" smtClean="0"/>
+              <a:t>Conclusion</a:t>
+            </a:r>
+            <a:r>
+              <a:rPr lang="pt-BR" dirty="0" smtClean="0"/>
+              <a:t>	</a:t>
+            </a:r>
+            <a:endParaRPr lang="pt-BR" dirty="0"/>
+          </a:p>
+        </p:txBody>
+      </p:sp>
+      <p:sp>
+        <p:nvSpPr>
+          <p:cNvPr id="3" name="Content Placeholder 2"/>
+          <p:cNvSpPr>
+            <a:spLocks noGrp="1"/>
+          </p:cNvSpPr>
+          <p:nvPr>
+            <p:ph idx="1"/>
+          </p:nvPr>
+        </p:nvSpPr>
+        <p:spPr/>
+        <p:txBody>
+          <a:bodyPr>
+            <a:normAutofit lnSpcReduction="10000"/>
+          </a:bodyPr>
+          <a:lstStyle/>
+          <a:p>
+            <a:r>
+              <a:rPr lang="pt-BR" sz="2800" dirty="0"/>
+              <a:t>Simple solution is better </a:t>
+            </a:r>
+            <a:r>
+              <a:rPr lang="pt-BR" sz="2800" dirty="0" smtClean="0"/>
+              <a:t>(</a:t>
+            </a:r>
+            <a:r>
+              <a:rPr lang="pt-BR" sz="2800" dirty="0"/>
+              <a:t>kNN </a:t>
+            </a:r>
+            <a:r>
+              <a:rPr lang="pt-BR" sz="2800" dirty="0" smtClean="0"/>
+              <a:t>&amp; </a:t>
+            </a:r>
+            <a:r>
+              <a:rPr lang="pt-BR" sz="2800" dirty="0"/>
+              <a:t>PCA)</a:t>
+            </a:r>
+            <a:br>
+              <a:rPr lang="pt-BR" sz="2800" dirty="0"/>
+            </a:br>
+            <a:endParaRPr lang="pt-BR" sz="2800" dirty="0"/>
+          </a:p>
+          <a:p>
+            <a:r>
+              <a:rPr lang="pt-BR" sz="2800" dirty="0"/>
+              <a:t>The results are reproducible</a:t>
+            </a:r>
+          </a:p>
+          <a:p>
+            <a:endParaRPr lang="pt-BR" sz="2800" dirty="0"/>
+          </a:p>
+          <a:p>
+            <a:r>
+              <a:rPr lang="pt-BR" sz="2800" dirty="0"/>
+              <a:t>Suggestion (GMM &amp; PCA): Model one GMM per digit</a:t>
+            </a:r>
+          </a:p>
+          <a:p>
+            <a:endParaRPr lang="pt-BR" dirty="0" smtClean="0"/>
+          </a:p>
+          <a:p>
+            <a:endParaRPr lang="pt-BR" dirty="0"/>
+          </a:p>
+          <a:p>
+            <a:pPr marL="0" indent="0">
+              <a:buNone/>
+            </a:pPr>
+            <a:r>
+              <a:rPr lang="pt-BR" dirty="0" smtClean="0"/>
+              <a:t/>
+            </a:r>
+            <a:br>
+              <a:rPr lang="pt-BR" dirty="0" smtClean="0"/>
+            </a:br>
+            <a:endParaRPr lang="pt-BR" dirty="0"/>
+          </a:p>
+        </p:txBody>
+      </p:sp>
+    </p:spTree>
+    <p:extLst>
+      <p:ext uri="{BB962C8B-B14F-4D97-AF65-F5344CB8AC3E}">
+        <p14:creationId xmlns:p14="http://schemas.microsoft.com/office/powerpoint/2010/main" val="181004707"/>
+      </p:ext>
+    </p:extLst>
+  </p:cSld>
+  <p:clrMapOvr>
+    <a:masterClrMapping/>
+  </p:clrMapOvr>
+  <p:timing>
+    <p:tnLst>
+      <p:par>
+        <p:cTn xmlns:p14="http://schemas.microsoft.com/office/powerpoint/2010/main" id="1" dur="indefinite" restart="never" nodeType="tmRoot"/>
+      </p:par>
+    </p:tnLst>
+  </p:timing>
+</p:sld>
+</file>
+
+<file path=ppt/slides/slide13.xml><?xml version="1.0" encoding="utf-8"?>
+<p:sld xmlns:a="http://schemas.openxmlformats.org/drawingml/2006/main" xmlns:r="http://schemas.openxmlformats.org/officeDocument/2006/relationships" xmlns:p="http://schemas.openxmlformats.org/presentationml/2006/main">
+  <p:cSld>
+    <p:spTree>
+      <p:nvGrpSpPr>
+        <p:cNvPr id="1" name=""/>
+        <p:cNvGrpSpPr/>
+        <p:nvPr/>
+      </p:nvGrpSpPr>
+      <p:grpSpPr>
+        <a:xfrm>
+          <a:off x="0" y="0"/>
+          <a:ext cx="0" cy="0"/>
+          <a:chOff x="0" y="0"/>
+          <a:chExt cx="0" cy="0"/>
+        </a:xfrm>
+      </p:grpSpPr>
+      <p:sp>
+        <p:nvSpPr>
+          <p:cNvPr id="2" name="Title 1"/>
+          <p:cNvSpPr>
+            <a:spLocks noGrp="1"/>
+          </p:cNvSpPr>
+          <p:nvPr>
+            <p:ph type="title"/>
+          </p:nvPr>
+        </p:nvSpPr>
+        <p:spPr/>
+        <p:txBody>
+          <a:bodyPr/>
+          <a:lstStyle/>
+          <a:p>
+            <a:r>
+              <a:rPr lang="pt-BR" dirty="0" smtClean="0"/>
+              <a:t>GMM &amp; PCA </a:t>
+            </a:r>
+            <a:r>
+              <a:rPr lang="pt-BR" dirty="0"/>
+              <a:t>- Remarks</a:t>
+            </a:r>
+          </a:p>
+        </p:txBody>
+      </p:sp>
+      <p:sp>
+        <p:nvSpPr>
+          <p:cNvPr id="3" name="Content Placeholder 2"/>
+          <p:cNvSpPr>
+            <a:spLocks noGrp="1"/>
+          </p:cNvSpPr>
+          <p:nvPr>
+            <p:ph idx="1"/>
+          </p:nvPr>
+        </p:nvSpPr>
+        <p:spPr/>
+        <p:txBody>
+          <a:bodyPr>
+            <a:normAutofit fontScale="92500" lnSpcReduction="10000"/>
+          </a:bodyPr>
+          <a:lstStyle/>
+          <a:p>
+            <a:pPr algn="just"/>
+            <a:r>
+              <a:rPr lang="pt-BR" sz="2400" dirty="0"/>
+              <a:t>Modelling with less gaussian components </a:t>
+            </a:r>
+            <a:r>
+              <a:rPr lang="pt-BR" sz="2400" dirty="0" smtClean="0"/>
+              <a:t>(#components=16, </a:t>
+            </a:r>
+            <a:r>
+              <a:rPr lang="pt-BR" sz="2400" dirty="0" err="1" smtClean="0"/>
+              <a:t>capacity</a:t>
+            </a:r>
+            <a:r>
+              <a:rPr lang="pt-BR" sz="2400" dirty="0" smtClean="0"/>
+              <a:t>=</a:t>
+            </a:r>
+            <a:r>
+              <a:rPr lang="pt-BR" sz="2400" dirty="0" smtClean="0"/>
+              <a:t>48</a:t>
+            </a:r>
+            <a:r>
+              <a:rPr lang="pt-BR" sz="2400" dirty="0" smtClean="0"/>
+              <a:t>)</a:t>
+            </a:r>
+            <a:r>
+              <a:rPr lang="pt-BR" sz="2400" dirty="0" smtClean="0"/>
+              <a:t>:</a:t>
+            </a:r>
+          </a:p>
+          <a:p>
+            <a:pPr marL="0" indent="0" algn="just">
+              <a:buNone/>
+            </a:pPr>
+            <a:r>
+              <a:rPr lang="pt-BR" sz="2000" dirty="0" smtClean="0"/>
+              <a:t>$ </a:t>
+            </a:r>
+            <a:r>
+              <a:rPr lang="en-US" sz="2000" dirty="0" smtClean="0"/>
+              <a:t>p</a:t>
+            </a:r>
+            <a:r>
+              <a:rPr lang="pt-BR" sz="2000" dirty="0" err="1"/>
+              <a:t>ython</a:t>
+            </a:r>
+            <a:r>
+              <a:rPr lang="pt-BR" sz="2000" dirty="0"/>
+              <a:t> </a:t>
+            </a:r>
+            <a:r>
+              <a:rPr lang="pt-BR" sz="2000" dirty="0" err="1"/>
+              <a:t>mini_project.py</a:t>
+            </a:r>
+            <a:r>
+              <a:rPr lang="pt-BR" sz="2000" dirty="0"/>
+              <a:t> -PCA -</a:t>
+            </a:r>
+            <a:r>
+              <a:rPr lang="pt-BR" sz="2000" dirty="0" err="1"/>
+              <a:t>c</a:t>
+            </a:r>
+            <a:r>
+              <a:rPr lang="pt-BR" sz="2000" dirty="0"/>
+              <a:t> 10 </a:t>
+            </a:r>
+            <a:r>
+              <a:rPr lang="en-US" sz="2000" dirty="0"/>
+              <a:t>–</a:t>
+            </a:r>
+            <a:r>
+              <a:rPr lang="pt-BR" sz="2000" dirty="0"/>
+              <a:t>GMM </a:t>
+            </a:r>
+            <a:r>
+              <a:rPr lang="en-US" sz="2000" dirty="0"/>
+              <a:t>–</a:t>
+            </a:r>
+            <a:r>
+              <a:rPr lang="pt-BR" sz="2000" dirty="0" err="1"/>
+              <a:t>nb_gaus</a:t>
+            </a:r>
+            <a:r>
+              <a:rPr lang="pt-BR" sz="2000" dirty="0"/>
+              <a:t> 16</a:t>
+            </a:r>
+          </a:p>
+          <a:p>
+            <a:pPr marL="0" indent="0" algn="ctr">
+              <a:buNone/>
+            </a:pPr>
+            <a:r>
+              <a:rPr lang="pt-BR" sz="2000" dirty="0"/>
+              <a:t>    </a:t>
+            </a:r>
+            <a:r>
+              <a:rPr lang="pt-BR" sz="2000" dirty="0" smtClean="0"/>
+              <a:t>CER</a:t>
+            </a:r>
+            <a:r>
+              <a:rPr lang="pt-BR" sz="2000" baseline="-25000" dirty="0" smtClean="0"/>
+              <a:t>Train</a:t>
+            </a:r>
+            <a:r>
+              <a:rPr lang="pt-BR" sz="2000" dirty="0"/>
+              <a:t>: 62.54%</a:t>
+            </a:r>
+          </a:p>
+          <a:p>
+            <a:pPr marL="0" indent="0" algn="ctr">
+              <a:buNone/>
+            </a:pPr>
+            <a:r>
+              <a:rPr lang="pt-BR" sz="2000" dirty="0"/>
+              <a:t>    </a:t>
+            </a:r>
+            <a:r>
+              <a:rPr lang="pt-BR" sz="2000" dirty="0" smtClean="0"/>
+              <a:t>CER</a:t>
+            </a:r>
+            <a:r>
+              <a:rPr lang="pt-BR" sz="2000" baseline="-25000" dirty="0" smtClean="0"/>
+              <a:t>Devel</a:t>
+            </a:r>
+            <a:r>
+              <a:rPr lang="pt-BR" sz="2000" dirty="0" smtClean="0"/>
+              <a:t>: </a:t>
+            </a:r>
+            <a:r>
+              <a:rPr lang="pt-BR" sz="2000" dirty="0"/>
+              <a:t>67.70%</a:t>
+            </a:r>
+          </a:p>
+          <a:p>
+            <a:pPr marL="0" indent="0" algn="ctr">
+              <a:buNone/>
+            </a:pPr>
+            <a:r>
+              <a:rPr lang="pt-BR" sz="2000" dirty="0"/>
+              <a:t>    CER</a:t>
+            </a:r>
+            <a:r>
+              <a:rPr lang="pt-BR" sz="2000" baseline="-25000" dirty="0"/>
+              <a:t>Test</a:t>
+            </a:r>
+            <a:r>
+              <a:rPr lang="pt-BR" sz="2000" dirty="0"/>
+              <a:t>: 65.46</a:t>
+            </a:r>
+            <a:r>
+              <a:rPr lang="pt-BR" sz="2000" dirty="0" smtClean="0"/>
+              <a:t>%</a:t>
+            </a:r>
+            <a:endParaRPr lang="pt-BR" sz="2400" dirty="0"/>
+          </a:p>
+          <a:p>
+            <a:r>
+              <a:rPr lang="en-US" sz="2400" dirty="0" smtClean="0"/>
+              <a:t>Correctness of the </a:t>
+            </a:r>
+            <a:r>
+              <a:rPr lang="en-US" sz="2400" dirty="0"/>
+              <a:t>adopted</a:t>
+            </a:r>
+            <a:r>
+              <a:rPr lang="en-US" sz="2400" dirty="0" smtClean="0"/>
+              <a:t> strategy</a:t>
+            </a:r>
+          </a:p>
+          <a:p>
+            <a:r>
+              <a:rPr lang="en-US" sz="2400" dirty="0" smtClean="0"/>
+              <a:t>Our suggestion:</a:t>
+            </a:r>
+          </a:p>
+          <a:p>
+            <a:pPr lvl="1"/>
+            <a:r>
+              <a:rPr lang="en-US" sz="1800" dirty="0" smtClean="0"/>
+              <a:t>Split the </a:t>
+            </a:r>
+            <a:r>
+              <a:rPr lang="en-US" sz="1800" dirty="0"/>
+              <a:t>training data </a:t>
+            </a:r>
+            <a:r>
+              <a:rPr lang="en-US" sz="1800" dirty="0" smtClean="0"/>
+              <a:t>into </a:t>
+            </a:r>
+            <a:r>
+              <a:rPr lang="en-US" sz="1800" dirty="0"/>
+              <a:t>classes according to their labels</a:t>
+            </a:r>
+          </a:p>
+          <a:p>
+            <a:pPr lvl="1"/>
+            <a:r>
+              <a:rPr lang="en-US" sz="1800" dirty="0" smtClean="0"/>
+              <a:t>Assume a </a:t>
+            </a:r>
+            <a:r>
+              <a:rPr lang="en-US" sz="1800" dirty="0"/>
+              <a:t>mixture of Gaussian distributions for each class</a:t>
+            </a:r>
+          </a:p>
+          <a:p>
+            <a:pPr lvl="2"/>
+            <a:r>
+              <a:rPr lang="en-US" sz="1800" dirty="0"/>
+              <a:t>Estimation of the model parameters using only training data without their labels</a:t>
+            </a:r>
+          </a:p>
+          <a:p>
+            <a:pPr lvl="1"/>
+            <a:r>
+              <a:rPr lang="en-US" sz="1800" dirty="0" smtClean="0"/>
+              <a:t>Assign </a:t>
+            </a:r>
+            <a:r>
+              <a:rPr lang="en-US" sz="1800" dirty="0"/>
+              <a:t>t</a:t>
+            </a:r>
+            <a:r>
+              <a:rPr lang="en-US" sz="1800" dirty="0" smtClean="0"/>
+              <a:t>he </a:t>
+            </a:r>
+            <a:r>
+              <a:rPr lang="en-US" sz="1800" dirty="0"/>
+              <a:t>class labels for test points </a:t>
+            </a:r>
+            <a:r>
+              <a:rPr lang="en-US" sz="1800" dirty="0" smtClean="0"/>
+              <a:t>by </a:t>
+            </a:r>
+            <a:r>
+              <a:rPr lang="en-US" sz="1800" dirty="0"/>
+              <a:t>comparing the posterior densities of all classes</a:t>
+            </a:r>
+          </a:p>
+          <a:p>
+            <a:pPr marL="0" indent="0">
+              <a:buNone/>
+            </a:pPr>
+            <a:endParaRPr lang="en-US" dirty="0" smtClean="0"/>
+          </a:p>
+          <a:p>
+            <a:endParaRPr lang="en-US" dirty="0"/>
+          </a:p>
+        </p:txBody>
+      </p:sp>
+    </p:spTree>
+    <p:extLst>
+      <p:ext uri="{BB962C8B-B14F-4D97-AF65-F5344CB8AC3E}">
+        <p14:creationId xmlns:p14="http://schemas.microsoft.com/office/powerpoint/2010/main" val="245128576"/>
+      </p:ext>
+    </p:extLst>
+  </p:cSld>
+  <p:clrMapOvr>
+    <a:masterClrMapping/>
+  </p:clrMapOvr>
+  <p:timing>
+    <p:tnLst>
+      <p:par>
+        <p:cTn xmlns:p14="http://schemas.microsoft.com/office/powerpoint/2010/main" id="1" dur="indefinite" restart="never" nodeType="tmRoot"/>
+      </p:par>
+    </p:tnLst>
+  </p:timing>
 </p:sld>
 </file>
 
@@ -3216,10 +4484,9 @@
           <a:lstStyle/>
           <a:p>
             <a:r>
-              <a:rPr lang="pt-BR" dirty="0" smtClean="0"/>
-              <a:t>KNN+PCA</a:t>
-            </a:r>
-            <a:endParaRPr lang="pt-BR" dirty="0"/>
+              <a:rPr lang="en-US" dirty="0"/>
+              <a:t>Pen Digit Recognition</a:t>
+            </a:r>
           </a:p>
         </p:txBody>
       </p:sp>
@@ -3233,367 +4500,112 @@
             <p:ph idx="1"/>
           </p:nvPr>
         </p:nvSpPr>
-        <p:spPr/>
+        <p:spPr>
+          <a:xfrm>
+            <a:off x="457200" y="1509917"/>
+            <a:ext cx="8229600" cy="4825869"/>
+          </a:xfrm>
+        </p:spPr>
         <p:txBody>
           <a:bodyPr>
-            <a:normAutofit lnSpcReduction="10000"/>
+            <a:noAutofit/>
           </a:bodyPr>
           <a:lstStyle/>
           <a:p>
-            <a:r>
-              <a:rPr lang="pt-BR" dirty="0" err="1" smtClean="0"/>
-              <a:t>Simple</a:t>
-            </a:r>
-            <a:r>
-              <a:rPr lang="pt-BR" dirty="0" smtClean="0"/>
-              <a:t> </a:t>
-            </a:r>
-            <a:r>
-              <a:rPr lang="pt-BR" dirty="0" err="1" smtClean="0"/>
-              <a:t>strategy</a:t>
-            </a:r>
-            <a:r>
-              <a:rPr lang="pt-BR" dirty="0" smtClean="0"/>
-              <a:t> (</a:t>
-            </a:r>
-            <a:r>
-              <a:rPr lang="pt-BR" dirty="0" err="1" smtClean="0"/>
-              <a:t>capacity</a:t>
-            </a:r>
-            <a:r>
-              <a:rPr lang="pt-BR" dirty="0" smtClean="0"/>
-              <a:t>=0)</a:t>
-            </a:r>
-            <a:endParaRPr lang="pt-BR" dirty="0"/>
-          </a:p>
-          <a:p>
-            <a:r>
-              <a:rPr lang="pt-BR" dirty="0" smtClean="0"/>
-              <a:t>PCA for </a:t>
-            </a:r>
-            <a:r>
-              <a:rPr lang="pt-BR" dirty="0" err="1" smtClean="0"/>
-              <a:t>dimensionality</a:t>
-            </a:r>
-            <a:r>
-              <a:rPr lang="pt-BR" dirty="0" smtClean="0"/>
-              <a:t> </a:t>
-            </a:r>
-            <a:r>
-              <a:rPr lang="pt-BR" dirty="0" err="1" smtClean="0"/>
-              <a:t>reduction</a:t>
-            </a:r>
-            <a:endParaRPr lang="pt-BR" dirty="0" smtClean="0"/>
-          </a:p>
-          <a:p>
-            <a:r>
-              <a:rPr lang="pt-BR" dirty="0" err="1" smtClean="0"/>
-              <a:t>Selected</a:t>
-            </a:r>
-            <a:r>
-              <a:rPr lang="pt-BR" dirty="0" smtClean="0"/>
-              <a:t> </a:t>
-            </a:r>
-            <a:r>
-              <a:rPr lang="pt-BR" dirty="0" err="1" smtClean="0"/>
-              <a:t>configuration</a:t>
-            </a:r>
-            <a:r>
-              <a:rPr lang="pt-BR" dirty="0" smtClean="0"/>
-              <a:t>: </a:t>
-            </a:r>
-            <a:r>
-              <a:rPr lang="pt-BR" dirty="0" err="1" smtClean="0"/>
-              <a:t>K</a:t>
-            </a:r>
-            <a:r>
-              <a:rPr lang="pt-BR" dirty="0" smtClean="0"/>
-              <a:t>=9 </a:t>
-            </a:r>
-            <a:r>
-              <a:rPr lang="pt-BR" dirty="0" err="1" smtClean="0"/>
-              <a:t>and</a:t>
-            </a:r>
-            <a:r>
-              <a:rPr lang="pt-BR" dirty="0" smtClean="0"/>
-              <a:t> PCA=10 (25.91% </a:t>
-            </a:r>
-            <a:r>
-              <a:rPr lang="pt-BR" dirty="0" err="1" smtClean="0"/>
-              <a:t>of</a:t>
-            </a:r>
-            <a:r>
-              <a:rPr lang="pt-BR" dirty="0" smtClean="0"/>
-              <a:t> </a:t>
-            </a:r>
-            <a:r>
-              <a:rPr lang="pt-BR" dirty="0" err="1" smtClean="0"/>
-              <a:t>the</a:t>
-            </a:r>
-            <a:r>
-              <a:rPr lang="pt-BR" dirty="0" smtClean="0"/>
-              <a:t> </a:t>
-            </a:r>
-            <a:r>
-              <a:rPr lang="pt-BR" dirty="0" err="1" smtClean="0"/>
-              <a:t>energy</a:t>
-            </a:r>
-            <a:r>
-              <a:rPr lang="pt-BR" dirty="0" smtClean="0"/>
-              <a:t>)</a:t>
-            </a:r>
-          </a:p>
-          <a:p>
-            <a:r>
-              <a:rPr lang="pt-BR" dirty="0" err="1" smtClean="0"/>
-              <a:t>Good</a:t>
-            </a:r>
-            <a:r>
-              <a:rPr lang="pt-BR" dirty="0" smtClean="0"/>
-              <a:t> </a:t>
-            </a:r>
-            <a:r>
-              <a:rPr lang="pt-BR" dirty="0" err="1" smtClean="0"/>
-              <a:t>tradeoff</a:t>
-            </a:r>
-            <a:r>
-              <a:rPr lang="pt-BR" dirty="0" smtClean="0"/>
-              <a:t> </a:t>
-            </a:r>
-            <a:r>
-              <a:rPr lang="pt-BR" dirty="0" err="1" smtClean="0"/>
-              <a:t>between</a:t>
-            </a:r>
-            <a:r>
-              <a:rPr lang="pt-BR" dirty="0" smtClean="0"/>
-              <a:t> </a:t>
-            </a:r>
-            <a:r>
-              <a:rPr lang="pt-BR" dirty="0" err="1" smtClean="0"/>
-              <a:t>dimensionality</a:t>
-            </a:r>
-            <a:r>
-              <a:rPr lang="pt-BR" dirty="0" smtClean="0"/>
-              <a:t> </a:t>
-            </a:r>
-            <a:r>
-              <a:rPr lang="pt-BR" dirty="0" err="1" smtClean="0"/>
-              <a:t>and</a:t>
-            </a:r>
-            <a:r>
-              <a:rPr lang="pt-BR" dirty="0" smtClean="0"/>
-              <a:t> CER </a:t>
-            </a:r>
-            <a:r>
-              <a:rPr lang="pt-BR" dirty="0" err="1" smtClean="0"/>
-              <a:t>with</a:t>
-            </a:r>
-            <a:r>
-              <a:rPr lang="pt-BR" dirty="0" smtClean="0"/>
-              <a:t> 10 PC</a:t>
-            </a:r>
-          </a:p>
-          <a:p>
-            <a:pPr marL="0" indent="0">
-              <a:buNone/>
-            </a:pPr>
-            <a:r>
-              <a:rPr lang="en-US" dirty="0" smtClean="0"/>
-              <a:t>      </a:t>
-            </a:r>
-            <a:r>
-              <a:rPr lang="en-US" sz="1900" dirty="0" smtClean="0">
-                <a:latin typeface="Courier"/>
-                <a:cs typeface="Courier"/>
-              </a:rPr>
-              <a:t>p</a:t>
-            </a:r>
-            <a:r>
-              <a:rPr lang="pt-BR" sz="1900" dirty="0" err="1" smtClean="0">
-                <a:latin typeface="Courier"/>
-                <a:cs typeface="Courier"/>
-              </a:rPr>
-              <a:t>ython</a:t>
-            </a:r>
-            <a:r>
-              <a:rPr lang="pt-BR" sz="1900" dirty="0" smtClean="0">
-                <a:latin typeface="Courier"/>
-                <a:cs typeface="Courier"/>
-              </a:rPr>
-              <a:t> </a:t>
-            </a:r>
-            <a:r>
-              <a:rPr lang="pt-BR" sz="1900" dirty="0" err="1" smtClean="0">
-                <a:latin typeface="Courier"/>
-                <a:cs typeface="Courier"/>
-              </a:rPr>
-              <a:t>mini_project.py</a:t>
-            </a:r>
-            <a:r>
-              <a:rPr lang="pt-BR" sz="1900" dirty="0" smtClean="0">
-                <a:latin typeface="Courier"/>
-                <a:cs typeface="Courier"/>
-              </a:rPr>
-              <a:t> -PCA -</a:t>
-            </a:r>
-            <a:r>
-              <a:rPr lang="pt-BR" sz="1900" dirty="0" err="1" smtClean="0">
-                <a:latin typeface="Courier"/>
-                <a:cs typeface="Courier"/>
-              </a:rPr>
-              <a:t>c</a:t>
-            </a:r>
-            <a:r>
-              <a:rPr lang="pt-BR" sz="1900" dirty="0" smtClean="0">
-                <a:latin typeface="Courier"/>
-                <a:cs typeface="Courier"/>
-              </a:rPr>
-              <a:t> 10 -</a:t>
-            </a:r>
-            <a:r>
-              <a:rPr lang="pt-BR" sz="1900" dirty="0" err="1" smtClean="0">
-                <a:latin typeface="Courier"/>
-                <a:cs typeface="Courier"/>
-              </a:rPr>
-              <a:t>kNN</a:t>
-            </a:r>
-            <a:r>
-              <a:rPr lang="pt-BR" sz="1900" dirty="0" smtClean="0">
-                <a:latin typeface="Courier"/>
-                <a:cs typeface="Courier"/>
-              </a:rPr>
-              <a:t> -</a:t>
-            </a:r>
-            <a:r>
-              <a:rPr lang="pt-BR" sz="1900" dirty="0" err="1" smtClean="0">
-                <a:latin typeface="Courier"/>
-                <a:cs typeface="Courier"/>
-              </a:rPr>
-              <a:t>nn</a:t>
-            </a:r>
-            <a:r>
-              <a:rPr lang="pt-BR" sz="1900" dirty="0" smtClean="0">
-                <a:latin typeface="Courier"/>
-                <a:cs typeface="Courier"/>
-              </a:rPr>
-              <a:t> 9</a:t>
-            </a:r>
-          </a:p>
-          <a:p>
-            <a:pPr marL="0" indent="0">
-              <a:buNone/>
-            </a:pPr>
-            <a:r>
-              <a:rPr lang="pt-BR" sz="1900" dirty="0">
-                <a:latin typeface="Courier"/>
-                <a:cs typeface="Courier"/>
-              </a:rPr>
-              <a:t> </a:t>
-            </a:r>
-            <a:r>
-              <a:rPr lang="pt-BR" sz="1900" dirty="0" smtClean="0">
-                <a:latin typeface="Courier"/>
-                <a:cs typeface="Courier"/>
-              </a:rPr>
-              <a:t>   CER </a:t>
-            </a:r>
-            <a:r>
-              <a:rPr lang="pt-BR" sz="1900" dirty="0" err="1" smtClean="0">
-                <a:latin typeface="Courier"/>
-                <a:cs typeface="Courier"/>
-              </a:rPr>
-              <a:t>Train</a:t>
-            </a:r>
-            <a:r>
-              <a:rPr lang="pt-BR" sz="1900" dirty="0" smtClean="0">
-                <a:latin typeface="Courier"/>
-                <a:cs typeface="Courier"/>
-              </a:rPr>
-              <a:t>: 28.50%</a:t>
-            </a:r>
-          </a:p>
-          <a:p>
-            <a:pPr marL="0" indent="0">
-              <a:buNone/>
-            </a:pPr>
-            <a:r>
-              <a:rPr lang="pt-BR" sz="1900" dirty="0">
-                <a:latin typeface="Courier"/>
-                <a:cs typeface="Courier"/>
-              </a:rPr>
-              <a:t> </a:t>
-            </a:r>
-            <a:r>
-              <a:rPr lang="pt-BR" sz="1900" dirty="0" smtClean="0">
-                <a:latin typeface="Courier"/>
-                <a:cs typeface="Courier"/>
-              </a:rPr>
-              <a:t>   CER </a:t>
-            </a:r>
-            <a:r>
-              <a:rPr lang="pt-BR" sz="1900" dirty="0" err="1" smtClean="0">
-                <a:latin typeface="Courier"/>
-                <a:cs typeface="Courier"/>
-              </a:rPr>
-              <a:t>Dev</a:t>
-            </a:r>
-            <a:r>
-              <a:rPr lang="pt-BR" sz="1900" dirty="0" smtClean="0">
-                <a:latin typeface="Courier"/>
-                <a:cs typeface="Courier"/>
-              </a:rPr>
-              <a:t>: 38.07%</a:t>
-            </a:r>
-          </a:p>
-          <a:p>
-            <a:pPr marL="0" indent="0">
-              <a:buNone/>
-            </a:pPr>
-            <a:r>
-              <a:rPr lang="pt-BR" sz="1900" dirty="0">
-                <a:latin typeface="Courier"/>
-                <a:cs typeface="Courier"/>
-              </a:rPr>
-              <a:t> </a:t>
-            </a:r>
-            <a:r>
-              <a:rPr lang="pt-BR" sz="1900" dirty="0" smtClean="0">
-                <a:latin typeface="Courier"/>
-                <a:cs typeface="Courier"/>
-              </a:rPr>
-              <a:t>   CER </a:t>
-            </a:r>
-            <a:r>
-              <a:rPr lang="pt-BR" sz="1900" dirty="0" err="1" smtClean="0">
-                <a:latin typeface="Courier"/>
-                <a:cs typeface="Courier"/>
-              </a:rPr>
-              <a:t>Eval</a:t>
-            </a:r>
-            <a:r>
-              <a:rPr lang="pt-BR" sz="1900" dirty="0" smtClean="0">
-                <a:latin typeface="Courier"/>
-                <a:cs typeface="Courier"/>
-              </a:rPr>
-              <a:t>: 37.91%</a:t>
-            </a:r>
-            <a:endParaRPr lang="pt-BR" sz="1900" dirty="0">
-              <a:latin typeface="Courier"/>
-              <a:cs typeface="Courier"/>
-            </a:endParaRPr>
+            <a:pPr algn="just"/>
+            <a:r>
+              <a:rPr lang="en-US" sz="2400" dirty="0"/>
+              <a:t>Objective: </a:t>
+            </a:r>
+            <a:r>
+              <a:rPr lang="en-US" sz="2400" dirty="0" smtClean="0"/>
+              <a:t>development of a </a:t>
+            </a:r>
+            <a:r>
+              <a:rPr lang="en-US" sz="2400" dirty="0"/>
+              <a:t>system for recognizing hand-written digits using SPR </a:t>
+            </a:r>
+            <a:r>
+              <a:rPr lang="en-US" sz="2400" dirty="0" smtClean="0"/>
+              <a:t>techniques</a:t>
+            </a:r>
+            <a:endParaRPr lang="en-US" sz="2400" dirty="0"/>
+          </a:p>
+          <a:p>
+            <a:pPr algn="just"/>
+            <a:r>
+              <a:rPr lang="en-US" sz="2400" dirty="0"/>
+              <a:t>Data: collected using a track-pad and a stylus</a:t>
+            </a:r>
+          </a:p>
+          <a:p>
+            <a:pPr lvl="1" algn="just"/>
+            <a:r>
+              <a:rPr lang="en-US" sz="2400" dirty="0"/>
+              <a:t>3748 examples for training, 1873 examples for development, 1873 examples for </a:t>
+            </a:r>
+            <a:r>
+              <a:rPr lang="en-US" sz="2400" dirty="0" smtClean="0"/>
+              <a:t>testing</a:t>
+            </a:r>
+            <a:endParaRPr lang="en-US" sz="2400" dirty="0"/>
+          </a:p>
+          <a:p>
+            <a:pPr algn="just"/>
+            <a:r>
+              <a:rPr lang="en-US" sz="2400" dirty="0"/>
+              <a:t>Methodology:</a:t>
+            </a:r>
+          </a:p>
+          <a:p>
+            <a:pPr lvl="1" algn="just"/>
+            <a:r>
+              <a:rPr lang="pt-BR" sz="2400" dirty="0"/>
+              <a:t> k-Nearest Neighbors &amp; Principal Component Analysis</a:t>
+            </a:r>
+          </a:p>
+          <a:p>
+            <a:pPr lvl="1" algn="just"/>
+            <a:r>
+              <a:rPr lang="pt-BR" sz="2400" dirty="0"/>
+              <a:t>Gaussian mixture model &amp; Principal Component </a:t>
+            </a:r>
+            <a:r>
+              <a:rPr lang="pt-BR" sz="2400" dirty="0" smtClean="0"/>
+              <a:t>Analysis</a:t>
+            </a:r>
+            <a:endParaRPr lang="pt-BR" sz="2400" dirty="0"/>
+          </a:p>
+          <a:p>
+            <a:pPr algn="just"/>
+            <a:r>
+              <a:rPr lang="en-US" sz="2400" dirty="0"/>
+              <a:t>Open source m</a:t>
+            </a:r>
+            <a:r>
+              <a:rPr lang="pt-BR" sz="2400" dirty="0"/>
+              <a:t>achine learning package: scikit-learn</a:t>
+            </a:r>
           </a:p>
         </p:txBody>
       </p:sp>
     </p:spTree>
     <p:extLst>
       <p:ext uri="{BB962C8B-B14F-4D97-AF65-F5344CB8AC3E}">
-        <p14:creationId xmlns:p14="http://schemas.microsoft.com/office/powerpoint/2010/main" val="2750758058"/>
+        <p14:creationId xmlns:p14="http://schemas.microsoft.com/office/powerpoint/2010/main" val="348757746"/>
       </p:ext>
     </p:extLst>
   </p:cSld>
   <p:clrMapOvr>
     <a:masterClrMapping/>
   </p:clrMapOvr>
+  <p:timing>
+    <p:tnLst>
+      <p:par>
+        <p:cTn xmlns:p14="http://schemas.microsoft.com/office/powerpoint/2010/main" id="1" dur="indefinite" restart="never" nodeType="tmRoot"/>
+      </p:par>
+    </p:tnLst>
+  </p:timing>
 </p:sld>
 </file>
 
@@ -3626,12 +4638,180 @@
         </p:nvSpPr>
         <p:spPr/>
         <p:txBody>
+          <a:bodyPr>
+            <a:normAutofit fontScale="90000"/>
+          </a:bodyPr>
+          <a:lstStyle/>
+          <a:p>
+            <a:r>
+              <a:rPr lang="pt-BR" dirty="0"/>
+              <a:t>Principal Component Analysis </a:t>
+            </a:r>
+            <a:r>
+              <a:rPr lang="pt-BR" dirty="0" smtClean="0"/>
+              <a:t>(</a:t>
+            </a:r>
+            <a:r>
+              <a:rPr lang="en-US" dirty="0" smtClean="0"/>
+              <a:t>PCA)</a:t>
+            </a:r>
+            <a:endParaRPr lang="en-US" dirty="0"/>
+          </a:p>
+        </p:txBody>
+      </p:sp>
+      <p:sp>
+        <p:nvSpPr>
+          <p:cNvPr id="4" name="Content Placeholder 3"/>
+          <p:cNvSpPr>
+            <a:spLocks noGrp="1"/>
+          </p:cNvSpPr>
+          <p:nvPr>
+            <p:ph idx="1"/>
+          </p:nvPr>
+        </p:nvSpPr>
+        <p:spPr>
+          <a:xfrm>
+            <a:off x="457200" y="1314975"/>
+            <a:ext cx="8229600" cy="4525963"/>
+          </a:xfrm>
+        </p:spPr>
+        <p:txBody>
+          <a:bodyPr>
+            <a:normAutofit/>
+          </a:bodyPr>
+          <a:lstStyle/>
+          <a:p>
+            <a:pPr algn="just"/>
+            <a:r>
+              <a:rPr lang="pt-BR" sz="2400" dirty="0"/>
+              <a:t>PCA for dimensionality reduction</a:t>
+            </a:r>
+          </a:p>
+          <a:p>
+            <a:pPr algn="just"/>
+            <a:r>
+              <a:rPr lang="pt-BR" sz="2400" dirty="0"/>
+              <a:t>Selected configuration: PCA=10 (25.91% of the energy)</a:t>
+            </a:r>
+          </a:p>
+          <a:p>
+            <a:pPr lvl="1" algn="just"/>
+            <a:r>
+              <a:rPr lang="en-US" sz="2400" dirty="0"/>
+              <a:t>Is sufficient information preserved?</a:t>
+            </a:r>
+          </a:p>
+          <a:p>
+            <a:pPr algn="just"/>
+            <a:r>
+              <a:rPr lang="en-US" sz="2400" dirty="0"/>
+              <a:t>Projection matrix: 10 x 784</a:t>
+            </a:r>
+          </a:p>
+        </p:txBody>
+      </p:sp>
+      <p:pic>
+        <p:nvPicPr>
+          <p:cNvPr id="7" name="Picture 2" descr="D:\TRANSP-OR\Statistical pattern recognition\Mini Project - Report\Figures\energy_load_curve.png"/>
+          <p:cNvPicPr>
+            <a:picLocks noGrp="1" noChangeAspect="1" noChangeArrowheads="1"/>
+          </p:cNvPicPr>
+          <p:nvPr>
+            <p:ph sz="half" idx="4294967295"/>
+          </p:nvPr>
+        </p:nvPicPr>
+        <p:blipFill>
+          <a:blip r:embed="rId2">
+            <a:extLst>
+              <a:ext uri="{28A0092B-C50C-407E-A947-70E740481C1C}">
+                <a14:useLocalDpi xmlns:a14="http://schemas.microsoft.com/office/drawing/2010/main" val="0"/>
+              </a:ext>
+            </a:extLst>
+          </a:blip>
+          <a:srcRect/>
+          <a:stretch>
+            <a:fillRect/>
+          </a:stretch>
+        </p:blipFill>
+        <p:spPr bwMode="auto">
+          <a:xfrm>
+            <a:off x="2295087" y="3004295"/>
+            <a:ext cx="4641007" cy="3497173"/>
+          </a:xfrm>
+          <a:prstGeom prst="rect">
+            <a:avLst/>
+          </a:prstGeom>
+          <a:noFill/>
+          <a:extLst>
+            <a:ext uri="{909E8E84-426E-40dd-AFC4-6F175D3DCCD1}">
+              <a14:hiddenFill xmlns:a14="http://schemas.microsoft.com/office/drawing/2010/main">
+                <a:solidFill>
+                  <a:srgbClr val="FFFFFF"/>
+                </a:solidFill>
+              </a14:hiddenFill>
+            </a:ext>
+          </a:extLst>
+        </p:spPr>
+      </p:pic>
+    </p:spTree>
+    <p:extLst>
+      <p:ext uri="{BB962C8B-B14F-4D97-AF65-F5344CB8AC3E}">
+        <p14:creationId xmlns:p14="http://schemas.microsoft.com/office/powerpoint/2010/main" val="619227323"/>
+      </p:ext>
+    </p:extLst>
+  </p:cSld>
+  <p:clrMapOvr>
+    <a:masterClrMapping/>
+  </p:clrMapOvr>
+  <p:timing>
+    <p:tnLst>
+      <p:par>
+        <p:cTn xmlns:p14="http://schemas.microsoft.com/office/powerpoint/2010/main" id="1" dur="indefinite" restart="never" nodeType="tmRoot"/>
+      </p:par>
+    </p:tnLst>
+  </p:timing>
+</p:sld>
+</file>
+
+<file path=ppt/slides/slide4.xml><?xml version="1.0" encoding="utf-8"?>
+<p:sld xmlns:a="http://schemas.openxmlformats.org/drawingml/2006/main" xmlns:r="http://schemas.openxmlformats.org/officeDocument/2006/relationships" xmlns:p="http://schemas.openxmlformats.org/presentationml/2006/main">
+  <p:cSld>
+    <p:spTree>
+      <p:nvGrpSpPr>
+        <p:cNvPr id="1" name=""/>
+        <p:cNvGrpSpPr/>
+        <p:nvPr/>
+      </p:nvGrpSpPr>
+      <p:grpSpPr>
+        <a:xfrm>
+          <a:off x="0" y="0"/>
+          <a:ext cx="0" cy="0"/>
+          <a:chOff x="0" y="0"/>
+          <a:chExt cx="0" cy="0"/>
+        </a:xfrm>
+      </p:grpSpPr>
+      <p:sp>
+        <p:nvSpPr>
+          <p:cNvPr id="2" name="Title 1"/>
+          <p:cNvSpPr>
+            <a:spLocks noGrp="1"/>
+          </p:cNvSpPr>
+          <p:nvPr>
+            <p:ph type="title"/>
+          </p:nvPr>
+        </p:nvSpPr>
+        <p:spPr/>
+        <p:txBody>
           <a:bodyPr/>
           <a:lstStyle/>
           <a:p>
             <a:r>
+              <a:rPr lang="pt-BR" dirty="0"/>
+              <a:t>k</a:t>
+            </a:r>
+            <a:r>
               <a:rPr lang="pt-BR" dirty="0" smtClean="0"/>
-              <a:t>KNN+PCA</a:t>
+              <a:t>NN &amp; PCA</a:t>
             </a:r>
             <a:endParaRPr lang="pt-BR" dirty="0"/>
           </a:p>
@@ -3649,22 +4829,251 @@
         </p:nvSpPr>
         <p:spPr/>
         <p:txBody>
+          <a:bodyPr>
+            <a:normAutofit/>
+          </a:bodyPr>
+          <a:lstStyle/>
+          <a:p>
+            <a:pPr algn="just"/>
+            <a:r>
+              <a:rPr lang="pt-BR" sz="2400" dirty="0"/>
+              <a:t>Simple strategy </a:t>
+            </a:r>
+          </a:p>
+          <a:p>
+            <a:pPr lvl="1" algn="just"/>
+            <a:r>
+              <a:rPr lang="pt-BR" sz="2400" dirty="0"/>
+              <a:t>Training phase: storing the feature vectors and class labels of the training samples (capacity=0)</a:t>
+            </a:r>
+          </a:p>
+          <a:p>
+            <a:pPr lvl="1" algn="just"/>
+            <a:r>
+              <a:rPr lang="pt-BR" sz="2400" dirty="0"/>
+              <a:t>Classification phase: a test point is </a:t>
+            </a:r>
+            <a:r>
+              <a:rPr lang="en-US" sz="2400" dirty="0"/>
+              <a:t>assigned to the class most common amongst its </a:t>
+            </a:r>
+            <a:r>
+              <a:rPr lang="en-US" sz="2400" i="1" dirty="0" smtClean="0"/>
+              <a:t>k</a:t>
+            </a:r>
+            <a:r>
+              <a:rPr lang="en-US" sz="2400" dirty="0" smtClean="0"/>
+              <a:t> </a:t>
+            </a:r>
+            <a:r>
+              <a:rPr lang="en-US" sz="2400" dirty="0"/>
+              <a:t>nearest neighbors measured by a distance </a:t>
+            </a:r>
+            <a:r>
+              <a:rPr lang="en-US" sz="2400" dirty="0" smtClean="0"/>
+              <a:t>function</a:t>
+            </a:r>
+          </a:p>
+          <a:p>
+            <a:pPr algn="just"/>
+            <a:r>
+              <a:rPr lang="en-US" sz="2400" dirty="0"/>
+              <a:t>PCA for dimensionality </a:t>
+            </a:r>
+            <a:r>
+              <a:rPr lang="en-US" sz="2400" dirty="0" smtClean="0"/>
+              <a:t>reduction</a:t>
+            </a:r>
+            <a:endParaRPr lang="pt-BR" sz="2400" dirty="0"/>
+          </a:p>
+          <a:p>
+            <a:r>
+              <a:rPr lang="pt-BR" sz="2400" dirty="0"/>
+              <a:t>Selected configuration: </a:t>
+            </a:r>
+            <a:r>
+              <a:rPr lang="pt-BR" sz="2400" dirty="0" smtClean="0"/>
+              <a:t>k=9 </a:t>
+            </a:r>
+            <a:r>
+              <a:rPr lang="pt-BR" sz="2400" dirty="0"/>
+              <a:t>and PCA=10 </a:t>
+            </a:r>
+            <a:r>
+              <a:rPr lang="pt-BR" sz="2400" dirty="0" smtClean="0"/>
+              <a:t>(</a:t>
+            </a:r>
+            <a:r>
+              <a:rPr lang="pt-BR" sz="2400" dirty="0"/>
+              <a:t>25.91% of the energy)</a:t>
+            </a:r>
+          </a:p>
+        </p:txBody>
+      </p:sp>
+    </p:spTree>
+    <p:extLst>
+      <p:ext uri="{BB962C8B-B14F-4D97-AF65-F5344CB8AC3E}">
+        <p14:creationId xmlns:p14="http://schemas.microsoft.com/office/powerpoint/2010/main" val="2750758058"/>
+      </p:ext>
+    </p:extLst>
+  </p:cSld>
+  <p:clrMapOvr>
+    <a:masterClrMapping/>
+  </p:clrMapOvr>
+  <p:timing>
+    <p:tnLst>
+      <p:par>
+        <p:cTn xmlns:p14="http://schemas.microsoft.com/office/powerpoint/2010/main" id="1" dur="indefinite" restart="never" nodeType="tmRoot"/>
+      </p:par>
+    </p:tnLst>
+  </p:timing>
+</p:sld>
+</file>
+
+<file path=ppt/slides/slide5.xml><?xml version="1.0" encoding="utf-8"?>
+<p:sld xmlns:a="http://schemas.openxmlformats.org/drawingml/2006/main" xmlns:r="http://schemas.openxmlformats.org/officeDocument/2006/relationships" xmlns:p="http://schemas.openxmlformats.org/presentationml/2006/main">
+  <p:cSld>
+    <p:spTree>
+      <p:nvGrpSpPr>
+        <p:cNvPr id="1" name=""/>
+        <p:cNvGrpSpPr/>
+        <p:nvPr/>
+      </p:nvGrpSpPr>
+      <p:grpSpPr>
+        <a:xfrm>
+          <a:off x="0" y="0"/>
+          <a:ext cx="0" cy="0"/>
+          <a:chOff x="0" y="0"/>
+          <a:chExt cx="0" cy="0"/>
+        </a:xfrm>
+      </p:grpSpPr>
+      <p:sp>
+        <p:nvSpPr>
+          <p:cNvPr id="2" name="Title 1"/>
+          <p:cNvSpPr>
+            <a:spLocks noGrp="1"/>
+          </p:cNvSpPr>
+          <p:nvPr>
+            <p:ph type="title"/>
+          </p:nvPr>
+        </p:nvSpPr>
+        <p:spPr/>
+        <p:txBody>
           <a:bodyPr/>
           <a:lstStyle/>
           <a:p>
             <a:r>
-              <a:rPr lang="pt-BR" dirty="0" err="1" smtClean="0"/>
-              <a:t>Confusion</a:t>
+              <a:rPr lang="pt-BR" dirty="0"/>
+              <a:t>kNN &amp; </a:t>
             </a:r>
             <a:r>
               <a:rPr lang="pt-BR" dirty="0" smtClean="0"/>
-              <a:t> </a:t>
-            </a:r>
-            <a:r>
-              <a:rPr lang="pt-BR" dirty="0" err="1" smtClean="0"/>
-              <a:t>matrix</a:t>
+              <a:t>PCA - Results</a:t>
             </a:r>
             <a:endParaRPr lang="pt-BR" dirty="0"/>
+          </a:p>
+        </p:txBody>
+      </p:sp>
+      <p:sp>
+        <p:nvSpPr>
+          <p:cNvPr id="3" name="Content Placeholder 2"/>
+          <p:cNvSpPr>
+            <a:spLocks noGrp="1"/>
+          </p:cNvSpPr>
+          <p:nvPr>
+            <p:ph idx="1"/>
+          </p:nvPr>
+        </p:nvSpPr>
+        <p:spPr>
+          <a:xfrm>
+            <a:off x="457200" y="1214307"/>
+            <a:ext cx="8229600" cy="4525963"/>
+          </a:xfrm>
+        </p:spPr>
+        <p:txBody>
+          <a:bodyPr>
+            <a:normAutofit/>
+          </a:bodyPr>
+          <a:lstStyle/>
+          <a:p>
+            <a:pPr algn="just"/>
+            <a:r>
+              <a:rPr lang="pt-BR" sz="2400" dirty="0"/>
+              <a:t>Good tradeoff between dimensionality and CER with 10 PC</a:t>
+            </a:r>
+          </a:p>
+          <a:p>
+            <a:pPr marL="0" indent="0" algn="just">
+              <a:buNone/>
+            </a:pPr>
+            <a:r>
+              <a:rPr lang="en-US" sz="2000" dirty="0" smtClean="0"/>
+              <a:t>$ p</a:t>
+            </a:r>
+            <a:r>
+              <a:rPr lang="pt-BR" sz="2000" dirty="0"/>
+              <a:t>ython mini_project.py -PCA -c 10 -kNN -nn 9</a:t>
+            </a:r>
+          </a:p>
+          <a:p>
+            <a:pPr marL="0" indent="0" algn="ctr">
+              <a:buNone/>
+            </a:pPr>
+            <a:r>
+              <a:rPr lang="pt-BR" sz="2000" dirty="0"/>
+              <a:t>    CER</a:t>
+            </a:r>
+            <a:r>
+              <a:rPr lang="pt-BR" sz="2000" baseline="-25000" dirty="0"/>
+              <a:t>Train</a:t>
+            </a:r>
+            <a:r>
+              <a:rPr lang="pt-BR" sz="2000" dirty="0"/>
+              <a:t>: 28.50%</a:t>
+            </a:r>
+          </a:p>
+          <a:p>
+            <a:pPr marL="0" indent="0" algn="ctr">
+              <a:buNone/>
+            </a:pPr>
+            <a:r>
+              <a:rPr lang="pt-BR" sz="2000" dirty="0"/>
+              <a:t>    CER</a:t>
+            </a:r>
+            <a:r>
+              <a:rPr lang="pt-BR" sz="2000" baseline="-25000" dirty="0"/>
+              <a:t>Devel</a:t>
+            </a:r>
+            <a:r>
+              <a:rPr lang="pt-BR" sz="2000" dirty="0"/>
+              <a:t>: 38.07%</a:t>
+            </a:r>
+          </a:p>
+          <a:p>
+            <a:pPr marL="0" indent="0" algn="ctr">
+              <a:buNone/>
+            </a:pPr>
+            <a:r>
+              <a:rPr lang="pt-BR" sz="2000" dirty="0"/>
+              <a:t>    CER</a:t>
+            </a:r>
+            <a:r>
+              <a:rPr lang="pt-BR" sz="2000" baseline="-25000" dirty="0"/>
+              <a:t>Test</a:t>
+            </a:r>
+            <a:r>
+              <a:rPr lang="pt-BR" sz="2000" dirty="0"/>
+              <a:t>: 37.91%</a:t>
+            </a:r>
+          </a:p>
+          <a:p>
+            <a:pPr marL="0" indent="0">
+              <a:buNone/>
+            </a:pPr>
+            <a:endParaRPr lang="pt-BR" sz="2000" dirty="0">
+              <a:latin typeface="Courier"/>
+              <a:cs typeface="Courier"/>
+            </a:endParaRPr>
           </a:p>
         </p:txBody>
       </p:sp>
@@ -3690,7 +5099,7 @@
         </p:blipFill>
         <p:spPr>
           <a:xfrm>
-            <a:off x="-755088" y="2402803"/>
+            <a:off x="-612475" y="3199757"/>
             <a:ext cx="10396650" cy="3465550"/>
           </a:xfrm>
           <a:prstGeom prst="rect">
@@ -3701,17 +5110,24 @@
     </p:spTree>
     <p:extLst>
       <p:ext uri="{BB962C8B-B14F-4D97-AF65-F5344CB8AC3E}">
-        <p14:creationId xmlns:p14="http://schemas.microsoft.com/office/powerpoint/2010/main" val="3267157573"/>
+        <p14:creationId xmlns:p14="http://schemas.microsoft.com/office/powerpoint/2010/main" val="543802851"/>
       </p:ext>
     </p:extLst>
   </p:cSld>
   <p:clrMapOvr>
     <a:masterClrMapping/>
   </p:clrMapOvr>
+  <p:timing>
+    <p:tnLst>
+      <p:par>
+        <p:cTn xmlns:p14="http://schemas.microsoft.com/office/powerpoint/2010/main" id="1" dur="indefinite" restart="never" nodeType="tmRoot"/>
+      </p:par>
+    </p:tnLst>
+  </p:timing>
 </p:sld>
 </file>
 
-<file path=ppt/slides/slide4.xml><?xml version="1.0" encoding="utf-8"?>
+<file path=ppt/slides/slide6.xml><?xml version="1.0" encoding="utf-8"?>
 <p:sld xmlns:a="http://schemas.openxmlformats.org/drawingml/2006/main" xmlns:r="http://schemas.openxmlformats.org/officeDocument/2006/relationships" xmlns:p="http://schemas.openxmlformats.org/presentationml/2006/main">
   <p:cSld>
     <p:spTree>
@@ -3744,8 +5160,12 @@
           <a:lstStyle/>
           <a:p>
             <a:r>
+              <a:rPr lang="pt-BR" dirty="0"/>
+              <a:t>kNN &amp; </a:t>
+            </a:r>
+            <a:r>
               <a:rPr lang="pt-BR" dirty="0" smtClean="0"/>
-              <a:t>GMM+PCA</a:t>
+              <a:t>PCA - Remarks</a:t>
             </a:r>
             <a:endParaRPr lang="pt-BR" dirty="0"/>
           </a:p>
@@ -3764,360 +5184,152 @@
         <p:spPr/>
         <p:txBody>
           <a:bodyPr>
-            <a:normAutofit lnSpcReduction="10000"/>
+            <a:normAutofit/>
           </a:bodyPr>
           <a:lstStyle/>
           <a:p>
-            <a:r>
-              <a:rPr lang="pt-BR" dirty="0" err="1" smtClean="0"/>
-              <a:t>Generative</a:t>
-            </a:r>
-            <a:r>
-              <a:rPr lang="pt-BR" dirty="0" smtClean="0"/>
-              <a:t> approach </a:t>
-            </a:r>
-            <a:r>
-              <a:rPr lang="pt-BR" dirty="0" err="1" smtClean="0"/>
-              <a:t>to</a:t>
-            </a:r>
-            <a:r>
-              <a:rPr lang="pt-BR" dirty="0" smtClean="0"/>
-              <a:t> </a:t>
-            </a:r>
-            <a:r>
-              <a:rPr lang="pt-BR" dirty="0" err="1" smtClean="0"/>
-              <a:t>model</a:t>
-            </a:r>
-            <a:r>
-              <a:rPr lang="pt-BR" dirty="0" smtClean="0"/>
-              <a:t> </a:t>
-            </a:r>
-            <a:r>
-              <a:rPr lang="pt-BR" dirty="0" err="1" smtClean="0"/>
-              <a:t>the</a:t>
-            </a:r>
-            <a:r>
-              <a:rPr lang="pt-BR" dirty="0" smtClean="0"/>
-              <a:t> </a:t>
-            </a:r>
-            <a:r>
-              <a:rPr lang="pt-BR" dirty="0" err="1" smtClean="0"/>
-              <a:t>digits</a:t>
-            </a:r>
-            <a:endParaRPr lang="pt-BR" dirty="0" smtClean="0"/>
-          </a:p>
-          <a:p>
-            <a:r>
-              <a:rPr lang="pt-BR" dirty="0"/>
-              <a:t>PCA for </a:t>
-            </a:r>
-            <a:r>
-              <a:rPr lang="pt-BR" dirty="0" err="1"/>
-              <a:t>dimensionality</a:t>
-            </a:r>
-            <a:r>
-              <a:rPr lang="pt-BR" dirty="0"/>
-              <a:t> </a:t>
-            </a:r>
-            <a:r>
-              <a:rPr lang="pt-BR" dirty="0" err="1" smtClean="0"/>
-              <a:t>reduction</a:t>
-            </a:r>
-            <a:endParaRPr lang="pt-BR" dirty="0" smtClean="0"/>
-          </a:p>
-          <a:p>
-            <a:r>
-              <a:rPr lang="pt-BR" dirty="0" err="1" smtClean="0"/>
-              <a:t>Number</a:t>
-            </a:r>
-            <a:r>
-              <a:rPr lang="pt-BR" dirty="0" smtClean="0"/>
-              <a:t> </a:t>
-            </a:r>
-            <a:r>
-              <a:rPr lang="pt-BR" dirty="0" err="1" smtClean="0"/>
-              <a:t>of</a:t>
-            </a:r>
-            <a:r>
-              <a:rPr lang="pt-BR" dirty="0" smtClean="0"/>
-              <a:t> </a:t>
-            </a:r>
-            <a:r>
-              <a:rPr lang="pt-BR" dirty="0" err="1" smtClean="0"/>
-              <a:t>gaussian</a:t>
-            </a:r>
-            <a:r>
-              <a:rPr lang="pt-BR" dirty="0" smtClean="0"/>
-              <a:t> </a:t>
-            </a:r>
-            <a:r>
-              <a:rPr lang="pt-BR" dirty="0" err="1" smtClean="0"/>
-              <a:t>components</a:t>
-            </a:r>
-            <a:r>
-              <a:rPr lang="pt-BR" dirty="0" smtClean="0"/>
-              <a:t> </a:t>
-            </a:r>
-            <a:r>
-              <a:rPr lang="pt-BR" dirty="0" smtClean="0"/>
-              <a:t>150 (</a:t>
-            </a:r>
-            <a:r>
-              <a:rPr lang="pt-BR" dirty="0" err="1" smtClean="0"/>
-              <a:t>capacity</a:t>
-            </a:r>
-            <a:r>
-              <a:rPr lang="pt-BR" dirty="0" smtClean="0"/>
-              <a:t>=450)</a:t>
-            </a:r>
-          </a:p>
-          <a:p>
-            <a:r>
-              <a:rPr lang="pt-BR" dirty="0" err="1" smtClean="0"/>
-              <a:t>Clear</a:t>
-            </a:r>
-            <a:r>
-              <a:rPr lang="pt-BR" dirty="0" smtClean="0"/>
-              <a:t> </a:t>
-            </a:r>
-            <a:r>
-              <a:rPr lang="pt-BR" dirty="0" err="1" smtClean="0"/>
-              <a:t>overfitting</a:t>
-            </a:r>
-            <a:endParaRPr lang="pt-BR" dirty="0" smtClean="0"/>
-          </a:p>
-          <a:p>
-            <a:pPr marL="0" indent="0">
-              <a:buNone/>
-            </a:pPr>
-            <a:r>
-              <a:rPr lang="en-US" dirty="0"/>
-              <a:t> </a:t>
-            </a:r>
-            <a:r>
-              <a:rPr lang="en-US" sz="2100" dirty="0">
-                <a:latin typeface="Courier"/>
-                <a:cs typeface="Courier"/>
-              </a:rPr>
-              <a:t>p</a:t>
-            </a:r>
-            <a:r>
-              <a:rPr lang="pt-BR" sz="2100" dirty="0" err="1">
-                <a:latin typeface="Courier"/>
-                <a:cs typeface="Courier"/>
-              </a:rPr>
-              <a:t>ython</a:t>
-            </a:r>
-            <a:r>
-              <a:rPr lang="pt-BR" sz="2100" dirty="0">
-                <a:latin typeface="Courier"/>
-                <a:cs typeface="Courier"/>
-              </a:rPr>
-              <a:t> </a:t>
-            </a:r>
-            <a:r>
-              <a:rPr lang="pt-BR" sz="2100" dirty="0" err="1">
-                <a:latin typeface="Courier"/>
-                <a:cs typeface="Courier"/>
-              </a:rPr>
-              <a:t>mini_project.py</a:t>
-            </a:r>
-            <a:r>
-              <a:rPr lang="pt-BR" sz="2100" dirty="0">
-                <a:latin typeface="Courier"/>
-                <a:cs typeface="Courier"/>
-              </a:rPr>
-              <a:t> -PCA -</a:t>
-            </a:r>
-            <a:r>
-              <a:rPr lang="pt-BR" sz="2100" dirty="0" err="1">
-                <a:latin typeface="Courier"/>
-                <a:cs typeface="Courier"/>
-              </a:rPr>
-              <a:t>c</a:t>
-            </a:r>
-            <a:r>
-              <a:rPr lang="pt-BR" sz="2100" dirty="0">
-                <a:latin typeface="Courier"/>
-                <a:cs typeface="Courier"/>
-              </a:rPr>
-              <a:t> 10 </a:t>
-            </a:r>
-            <a:r>
-              <a:rPr lang="en-US" sz="2100" dirty="0" smtClean="0">
-                <a:latin typeface="Courier"/>
-                <a:cs typeface="Courier"/>
-              </a:rPr>
-              <a:t>–</a:t>
-            </a:r>
-            <a:r>
-              <a:rPr lang="pt-BR" sz="2100" dirty="0" smtClean="0">
-                <a:latin typeface="Courier"/>
-                <a:cs typeface="Courier"/>
-              </a:rPr>
-              <a:t>GMM </a:t>
-            </a:r>
-            <a:r>
-              <a:rPr lang="en-US" sz="2100" dirty="0" smtClean="0">
-                <a:latin typeface="Courier"/>
-                <a:cs typeface="Courier"/>
-              </a:rPr>
-              <a:t>–</a:t>
-            </a:r>
-            <a:r>
-              <a:rPr lang="pt-BR" sz="2100" dirty="0" err="1" smtClean="0">
-                <a:latin typeface="Courier"/>
-                <a:cs typeface="Courier"/>
-              </a:rPr>
-              <a:t>nb_gaus</a:t>
-            </a:r>
-            <a:r>
-              <a:rPr lang="pt-BR" sz="2100" dirty="0" smtClean="0">
-                <a:latin typeface="Courier"/>
-                <a:cs typeface="Courier"/>
-              </a:rPr>
-              <a:t> 150</a:t>
-            </a:r>
-            <a:endParaRPr lang="pt-BR" sz="2100" dirty="0">
-              <a:latin typeface="Courier"/>
-              <a:cs typeface="Courier"/>
-            </a:endParaRPr>
-          </a:p>
-          <a:p>
-            <a:pPr marL="0" indent="0">
-              <a:buNone/>
-            </a:pPr>
-            <a:r>
-              <a:rPr lang="pt-BR" sz="2100" dirty="0">
-                <a:latin typeface="Courier"/>
-                <a:cs typeface="Courier"/>
-              </a:rPr>
-              <a:t>    CER </a:t>
-            </a:r>
-            <a:r>
-              <a:rPr lang="pt-BR" sz="2100" dirty="0" err="1">
-                <a:latin typeface="Courier"/>
-                <a:cs typeface="Courier"/>
-              </a:rPr>
-              <a:t>Train</a:t>
-            </a:r>
-            <a:r>
-              <a:rPr lang="pt-BR" sz="2100" dirty="0">
-                <a:latin typeface="Courier"/>
-                <a:cs typeface="Courier"/>
-              </a:rPr>
-              <a:t>: </a:t>
-            </a:r>
-            <a:r>
-              <a:rPr lang="pt-BR" sz="2100" dirty="0" smtClean="0">
-                <a:latin typeface="Courier"/>
-                <a:cs typeface="Courier"/>
-              </a:rPr>
-              <a:t>36.45%</a:t>
-            </a:r>
-            <a:endParaRPr lang="pt-BR" sz="2100" dirty="0">
-              <a:latin typeface="Courier"/>
-              <a:cs typeface="Courier"/>
-            </a:endParaRPr>
-          </a:p>
-          <a:p>
-            <a:pPr marL="0" indent="0">
-              <a:buNone/>
-            </a:pPr>
-            <a:r>
-              <a:rPr lang="pt-BR" sz="2100" dirty="0">
-                <a:latin typeface="Courier"/>
-                <a:cs typeface="Courier"/>
-              </a:rPr>
-              <a:t>    CER </a:t>
-            </a:r>
-            <a:r>
-              <a:rPr lang="pt-BR" sz="2100" dirty="0" err="1">
-                <a:latin typeface="Courier"/>
-                <a:cs typeface="Courier"/>
-              </a:rPr>
-              <a:t>Dev</a:t>
-            </a:r>
-            <a:r>
-              <a:rPr lang="pt-BR" sz="2100" dirty="0">
-                <a:latin typeface="Courier"/>
-                <a:cs typeface="Courier"/>
-              </a:rPr>
-              <a:t>: </a:t>
-            </a:r>
-            <a:r>
-              <a:rPr lang="pt-BR" sz="2100" dirty="0" smtClean="0">
-                <a:latin typeface="Courier"/>
-                <a:cs typeface="Courier"/>
-              </a:rPr>
-              <a:t>66.68%</a:t>
-            </a:r>
-            <a:endParaRPr lang="pt-BR" sz="2100" dirty="0">
-              <a:latin typeface="Courier"/>
-              <a:cs typeface="Courier"/>
-            </a:endParaRPr>
-          </a:p>
-          <a:p>
-            <a:pPr marL="0" indent="0">
-              <a:buNone/>
-            </a:pPr>
-            <a:r>
-              <a:rPr lang="pt-BR" sz="2100" dirty="0">
-                <a:latin typeface="Courier"/>
-                <a:cs typeface="Courier"/>
-              </a:rPr>
-              <a:t>    CER </a:t>
-            </a:r>
-            <a:r>
-              <a:rPr lang="pt-BR" sz="2100" dirty="0" err="1">
-                <a:latin typeface="Courier"/>
-                <a:cs typeface="Courier"/>
-              </a:rPr>
-              <a:t>Eval</a:t>
-            </a:r>
-            <a:r>
-              <a:rPr lang="pt-BR" sz="2100" dirty="0">
-                <a:latin typeface="Courier"/>
-                <a:cs typeface="Courier"/>
-              </a:rPr>
-              <a:t>: </a:t>
-            </a:r>
-            <a:r>
-              <a:rPr lang="pt-BR" sz="2100" dirty="0" smtClean="0">
-                <a:latin typeface="Courier"/>
-                <a:cs typeface="Courier"/>
-              </a:rPr>
-              <a:t>65.62%</a:t>
-            </a:r>
-          </a:p>
-          <a:p>
-            <a:endParaRPr lang="pt-BR" dirty="0"/>
-          </a:p>
-          <a:p>
-            <a:endParaRPr lang="pt-BR" dirty="0" smtClean="0"/>
-          </a:p>
-          <a:p>
-            <a:endParaRPr lang="pt-BR" dirty="0" smtClean="0"/>
-          </a:p>
-          <a:p>
-            <a:endParaRPr lang="pt-BR" dirty="0"/>
+            <a:pPr algn="just"/>
+            <a:r>
+              <a:rPr lang="en-US" sz="2400" dirty="0" smtClean="0"/>
+              <a:t>Choice of the number of principal components (PC) to keep</a:t>
+            </a:r>
+          </a:p>
+          <a:p>
+            <a:pPr algn="just"/>
+            <a:r>
+              <a:rPr lang="en-US" sz="2400" dirty="0" smtClean="0"/>
+              <a:t>kNN - parameter </a:t>
+            </a:r>
+            <a:r>
+              <a:rPr lang="en-US" sz="2400" i="1" dirty="0" smtClean="0"/>
+              <a:t>k</a:t>
+            </a:r>
+            <a:r>
+              <a:rPr lang="en-US" sz="2400" dirty="0" smtClean="0"/>
+              <a:t> selection</a:t>
+            </a:r>
+          </a:p>
+          <a:p>
+            <a:pPr lvl="1" algn="just"/>
+            <a:r>
+              <a:rPr lang="en-US" sz="2000" dirty="0" smtClean="0"/>
+              <a:t>Sensitivity analysis</a:t>
+            </a:r>
+          </a:p>
+          <a:p>
+            <a:pPr algn="just"/>
+            <a:r>
+              <a:rPr lang="en-US" sz="2400" dirty="0" smtClean="0"/>
+              <a:t>kNN advantages</a:t>
+            </a:r>
+          </a:p>
+          <a:p>
+            <a:pPr lvl="1" algn="just"/>
+            <a:r>
+              <a:rPr lang="en-US" sz="2000" dirty="0"/>
+              <a:t>The cost of the learning process is zero</a:t>
+            </a:r>
+          </a:p>
+          <a:p>
+            <a:pPr lvl="1" algn="just"/>
+            <a:r>
+              <a:rPr lang="en-US" sz="2000" dirty="0"/>
+              <a:t>No assumptions </a:t>
+            </a:r>
+            <a:r>
+              <a:rPr lang="en-US" sz="2000" dirty="0" smtClean="0"/>
+              <a:t>have </a:t>
+            </a:r>
+            <a:r>
+              <a:rPr lang="en-US" sz="2000" dirty="0"/>
+              <a:t>to be </a:t>
+            </a:r>
+            <a:r>
+              <a:rPr lang="en-US" sz="2000" dirty="0" smtClean="0"/>
+              <a:t>done</a:t>
+            </a:r>
+          </a:p>
+          <a:p>
+            <a:pPr algn="just"/>
+            <a:r>
+              <a:rPr lang="en-US" sz="2400" dirty="0"/>
+              <a:t>kNN </a:t>
+            </a:r>
+            <a:r>
+              <a:rPr lang="en-US" sz="2400" dirty="0" smtClean="0"/>
+              <a:t>drawbacks </a:t>
+            </a:r>
+          </a:p>
+          <a:p>
+            <a:pPr lvl="1" algn="just"/>
+            <a:r>
+              <a:rPr lang="en-US" sz="2000" dirty="0" smtClean="0"/>
+              <a:t>May be computationally </a:t>
+            </a:r>
+            <a:r>
+              <a:rPr lang="en-US" sz="2000" dirty="0"/>
+              <a:t>expensive to </a:t>
+            </a:r>
+            <a:r>
+              <a:rPr lang="en-US" sz="2000" dirty="0" smtClean="0"/>
+              <a:t>find </a:t>
+            </a:r>
+            <a:r>
+              <a:rPr lang="en-US" sz="2000" dirty="0"/>
+              <a:t>the </a:t>
+            </a:r>
+            <a:r>
+              <a:rPr lang="en-US" sz="2000" i="1" dirty="0"/>
+              <a:t>k </a:t>
+            </a:r>
+            <a:r>
+              <a:rPr lang="en-US" sz="2000" dirty="0"/>
+              <a:t>nearest </a:t>
+            </a:r>
+            <a:r>
+              <a:rPr lang="en-US" sz="2000" dirty="0" smtClean="0"/>
+              <a:t>neighbors and to calculate the corresponding distances when the </a:t>
+            </a:r>
+            <a:r>
+              <a:rPr lang="en-US" sz="2000" dirty="0"/>
+              <a:t>dataset is very </a:t>
+            </a:r>
+            <a:r>
+              <a:rPr lang="en-US" sz="2000" dirty="0" smtClean="0"/>
+              <a:t>large</a:t>
+            </a:r>
+          </a:p>
+          <a:p>
+            <a:pPr lvl="1" algn="just"/>
+            <a:r>
+              <a:rPr lang="en-US" sz="2000" dirty="0"/>
+              <a:t>The model can not be interpreted</a:t>
+            </a:r>
+            <a:endParaRPr lang="pt-BR" sz="2000" dirty="0"/>
           </a:p>
         </p:txBody>
       </p:sp>
     </p:spTree>
     <p:extLst>
       <p:ext uri="{BB962C8B-B14F-4D97-AF65-F5344CB8AC3E}">
-        <p14:creationId xmlns:p14="http://schemas.microsoft.com/office/powerpoint/2010/main" val="1571138945"/>
+        <p14:creationId xmlns:p14="http://schemas.microsoft.com/office/powerpoint/2010/main" val="1849532991"/>
       </p:ext>
     </p:extLst>
   </p:cSld>
   <p:clrMapOvr>
     <a:masterClrMapping/>
   </p:clrMapOvr>
+  <p:timing>
+    <p:tnLst>
+      <p:par>
+        <p:cTn xmlns:p14="http://schemas.microsoft.com/office/powerpoint/2010/main" id="1" dur="indefinite" restart="never" nodeType="tmRoot"/>
+      </p:par>
+    </p:tnLst>
+  </p:timing>
 </p:sld>
 </file>
 
-<file path=ppt/slides/slide5.xml><?xml version="1.0" encoding="utf-8"?>
+<file path=ppt/slides/slide7.xml><?xml version="1.0" encoding="utf-8"?>
 <p:sld xmlns:a="http://schemas.openxmlformats.org/drawingml/2006/main" xmlns:r="http://schemas.openxmlformats.org/officeDocument/2006/relationships" xmlns:p="http://schemas.openxmlformats.org/presentationml/2006/main">
   <p:cSld>
     <p:spTree>
@@ -4150,8 +5362,12 @@
           <a:lstStyle/>
           <a:p>
             <a:r>
+              <a:rPr lang="pt-BR" dirty="0"/>
+              <a:t>GMM &amp; </a:t>
+            </a:r>
+            <a:r>
               <a:rPr lang="pt-BR" dirty="0" smtClean="0"/>
-              <a:t>GMM+PCA</a:t>
+              <a:t>PCA</a:t>
             </a:r>
             <a:endParaRPr lang="pt-BR" dirty="0"/>
           </a:p>
@@ -4169,28 +5385,244 @@
         </p:nvSpPr>
         <p:spPr/>
         <p:txBody>
+          <a:bodyPr>
+            <a:normAutofit/>
+          </a:bodyPr>
+          <a:lstStyle/>
+          <a:p>
+            <a:pPr algn="just"/>
+            <a:r>
+              <a:rPr lang="pt-BR" sz="2400" dirty="0"/>
+              <a:t>Generative approach to model the digits</a:t>
+            </a:r>
+          </a:p>
+          <a:p>
+            <a:pPr algn="just"/>
+            <a:r>
+              <a:rPr lang="pt-BR" sz="2400" dirty="0"/>
+              <a:t>PCA for dimensionality reduction</a:t>
+            </a:r>
+          </a:p>
+          <a:p>
+            <a:pPr algn="just"/>
+            <a:r>
+              <a:rPr lang="pt-BR" sz="2400" dirty="0" smtClean="0"/>
+              <a:t>Data points and their labels are used for training</a:t>
+            </a:r>
+          </a:p>
+          <a:p>
+            <a:pPr algn="just"/>
+            <a:r>
+              <a:rPr lang="en-US" sz="2400" dirty="0" smtClean="0"/>
+              <a:t>One </a:t>
+            </a:r>
+            <a:r>
+              <a:rPr lang="en-US" sz="2400" dirty="0"/>
+              <a:t>GMM to model all digits (the means automatically “move” to the digits</a:t>
+            </a:r>
+            <a:r>
+              <a:rPr lang="en-US" sz="2400" dirty="0" smtClean="0"/>
+              <a:t>)</a:t>
+            </a:r>
+          </a:p>
+          <a:p>
+            <a:pPr algn="just"/>
+            <a:r>
+              <a:rPr lang="pt-BR" sz="2400" dirty="0"/>
+              <a:t>The </a:t>
+            </a:r>
+            <a:r>
+              <a:rPr lang="pt-BR" sz="2400" dirty="0" err="1"/>
+              <a:t>whole</a:t>
+            </a:r>
+            <a:r>
+              <a:rPr lang="pt-BR" sz="2400" dirty="0"/>
+              <a:t> </a:t>
+            </a:r>
+            <a:r>
+              <a:rPr lang="pt-BR" sz="2400" dirty="0" smtClean="0"/>
+              <a:t>training set </a:t>
+            </a:r>
+            <a:r>
+              <a:rPr lang="pt-BR" sz="2400" dirty="0" err="1"/>
+              <a:t>is</a:t>
+            </a:r>
+            <a:r>
+              <a:rPr lang="pt-BR" sz="2400" dirty="0"/>
+              <a:t> </a:t>
+            </a:r>
+            <a:r>
+              <a:rPr lang="pt-BR" sz="2400" dirty="0" err="1"/>
+              <a:t>modeled</a:t>
+            </a:r>
+            <a:r>
+              <a:rPr lang="pt-BR" sz="2400" dirty="0"/>
+              <a:t> </a:t>
+            </a:r>
+            <a:r>
+              <a:rPr lang="pt-BR" sz="2400" dirty="0" err="1"/>
+              <a:t>using</a:t>
+            </a:r>
+            <a:r>
+              <a:rPr lang="pt-BR" sz="2400" dirty="0"/>
+              <a:t> 150 </a:t>
+            </a:r>
+            <a:r>
+              <a:rPr lang="pt-BR" sz="2400" dirty="0" err="1"/>
+              <a:t>gaussian</a:t>
+            </a:r>
+            <a:r>
+              <a:rPr lang="pt-BR" sz="2400" dirty="0"/>
+              <a:t> </a:t>
+            </a:r>
+            <a:r>
+              <a:rPr lang="pt-BR" sz="2400" dirty="0" err="1"/>
+              <a:t>components</a:t>
+            </a:r>
+            <a:r>
+              <a:rPr lang="pt-BR" sz="2400" dirty="0"/>
+              <a:t> (</a:t>
+            </a:r>
+            <a:r>
+              <a:rPr lang="pt-BR" sz="2400" dirty="0" err="1"/>
+              <a:t>capacity</a:t>
+            </a:r>
+            <a:r>
+              <a:rPr lang="pt-BR" sz="2400" dirty="0"/>
+              <a:t>=450</a:t>
+            </a:r>
+            <a:r>
+              <a:rPr lang="pt-BR" sz="2400" dirty="0" smtClean="0"/>
+              <a:t>)</a:t>
+            </a:r>
+            <a:endParaRPr lang="en-US" sz="2400" dirty="0" smtClean="0"/>
+          </a:p>
+          <a:p>
+            <a:pPr algn="just"/>
+            <a:r>
+              <a:rPr lang="pt-BR" sz="2400" dirty="0" err="1" smtClean="0"/>
+              <a:t>Classification</a:t>
+            </a:r>
+            <a:r>
+              <a:rPr lang="pt-BR" sz="2400" dirty="0" smtClean="0"/>
+              <a:t>: </a:t>
+            </a:r>
+          </a:p>
+          <a:p>
+            <a:pPr marL="914400" lvl="1" indent="-457200" algn="just">
+              <a:buFont typeface="+mj-lt"/>
+              <a:buAutoNum type="arabicPeriod"/>
+            </a:pPr>
+            <a:r>
+              <a:rPr lang="pt-BR" sz="2000" dirty="0" smtClean="0"/>
+              <a:t>Calculate the probability for a </a:t>
+            </a:r>
+            <a:r>
+              <a:rPr lang="pt-BR" sz="2000" dirty="0"/>
+              <a:t>given </a:t>
+            </a:r>
+            <a:r>
+              <a:rPr lang="pt-BR" sz="2000" dirty="0" smtClean="0"/>
+              <a:t>point and for all labels based </a:t>
+            </a:r>
+            <a:r>
+              <a:rPr lang="pt-BR" sz="2000" dirty="0"/>
+              <a:t>on the estimated GMM </a:t>
+            </a:r>
+            <a:endParaRPr lang="pt-BR" sz="2000" dirty="0" smtClean="0"/>
+          </a:p>
+          <a:p>
+            <a:pPr marL="914400" lvl="1" indent="-457200" algn="just">
+              <a:buFont typeface="+mj-lt"/>
+              <a:buAutoNum type="arabicPeriod"/>
+            </a:pPr>
+            <a:r>
+              <a:rPr lang="pt-BR" sz="2000" dirty="0" smtClean="0"/>
+              <a:t>Select the class/label corresponding to the highest probabilility</a:t>
+            </a:r>
+          </a:p>
+          <a:p>
+            <a:endParaRPr lang="pt-BR" dirty="0"/>
+          </a:p>
+          <a:p>
+            <a:endParaRPr lang="pt-BR" dirty="0" smtClean="0"/>
+          </a:p>
+          <a:p>
+            <a:endParaRPr lang="pt-BR" dirty="0" smtClean="0"/>
+          </a:p>
+          <a:p>
+            <a:endParaRPr lang="pt-BR" dirty="0"/>
+          </a:p>
+        </p:txBody>
+      </p:sp>
+    </p:spTree>
+    <p:extLst>
+      <p:ext uri="{BB962C8B-B14F-4D97-AF65-F5344CB8AC3E}">
+        <p14:creationId xmlns:p14="http://schemas.microsoft.com/office/powerpoint/2010/main" val="1571138945"/>
+      </p:ext>
+    </p:extLst>
+  </p:cSld>
+  <p:clrMapOvr>
+    <a:masterClrMapping/>
+  </p:clrMapOvr>
+  <p:timing>
+    <p:tnLst>
+      <p:par>
+        <p:cTn xmlns:p14="http://schemas.microsoft.com/office/powerpoint/2010/main" id="1" dur="indefinite" restart="never" nodeType="tmRoot"/>
+      </p:par>
+    </p:tnLst>
+  </p:timing>
+</p:sld>
+</file>
+
+<file path=ppt/slides/slide8.xml><?xml version="1.0" encoding="utf-8"?>
+<p:sld xmlns:a="http://schemas.openxmlformats.org/drawingml/2006/main" xmlns:r="http://schemas.openxmlformats.org/officeDocument/2006/relationships" xmlns:p="http://schemas.openxmlformats.org/presentationml/2006/main">
+  <p:cSld>
+    <p:spTree>
+      <p:nvGrpSpPr>
+        <p:cNvPr id="1" name=""/>
+        <p:cNvGrpSpPr/>
+        <p:nvPr/>
+      </p:nvGrpSpPr>
+      <p:grpSpPr>
+        <a:xfrm>
+          <a:off x="0" y="0"/>
+          <a:ext cx="0" cy="0"/>
+          <a:chOff x="0" y="0"/>
+          <a:chExt cx="0" cy="0"/>
+        </a:xfrm>
+      </p:grpSpPr>
+      <p:sp>
+        <p:nvSpPr>
+          <p:cNvPr id="2" name="Title 1"/>
+          <p:cNvSpPr>
+            <a:spLocks noGrp="1"/>
+          </p:cNvSpPr>
+          <p:nvPr>
+            <p:ph type="title"/>
+          </p:nvPr>
+        </p:nvSpPr>
+        <p:spPr/>
+        <p:txBody>
           <a:bodyPr/>
           <a:lstStyle/>
           <a:p>
             <a:r>
-              <a:rPr lang="pt-BR" dirty="0" err="1" smtClean="0"/>
-              <a:t>Confusion</a:t>
-            </a:r>
-            <a:r>
               <a:rPr lang="pt-BR" dirty="0" smtClean="0"/>
-              <a:t> </a:t>
-            </a:r>
-            <a:r>
-              <a:rPr lang="pt-BR" dirty="0" err="1" smtClean="0"/>
-              <a:t>matrix</a:t>
-            </a:r>
-            <a:endParaRPr lang="pt-BR" dirty="0" smtClean="0"/>
-          </a:p>
-          <a:p>
-            <a:endParaRPr lang="pt-BR" dirty="0" smtClean="0"/>
-          </a:p>
-          <a:p>
-            <a:endParaRPr lang="pt-BR" dirty="0"/>
+              <a:t>GMM </a:t>
+            </a:r>
+            <a:r>
+              <a:rPr lang="pt-BR" dirty="0"/>
+              <a:t>&amp; </a:t>
+            </a:r>
+            <a:r>
+              <a:rPr lang="pt-BR" dirty="0" smtClean="0"/>
+              <a:t>PCA </a:t>
+            </a:r>
+            <a:r>
+              <a:rPr lang="pt-BR" dirty="0"/>
+              <a:t>- Results </a:t>
+            </a:r>
           </a:p>
         </p:txBody>
       </p:sp>
@@ -4216,7 +5648,7 @@
         </p:blipFill>
         <p:spPr>
           <a:xfrm>
-            <a:off x="-880936" y="2575724"/>
+            <a:off x="-687989" y="3137787"/>
             <a:ext cx="10651316" cy="3550439"/>
           </a:xfrm>
           <a:prstGeom prst="rect">
@@ -4224,6 +5656,117 @@
           </a:prstGeom>
         </p:spPr>
       </p:pic>
+      <p:sp>
+        <p:nvSpPr>
+          <p:cNvPr id="6" name="Content Placeholder 5"/>
+          <p:cNvSpPr>
+            <a:spLocks noGrp="1"/>
+          </p:cNvSpPr>
+          <p:nvPr>
+            <p:ph idx="1"/>
+          </p:nvPr>
+        </p:nvSpPr>
+        <p:spPr>
+          <a:xfrm>
+            <a:off x="398477" y="1231085"/>
+            <a:ext cx="8229600" cy="4525963"/>
+          </a:xfrm>
+        </p:spPr>
+        <p:txBody>
+          <a:bodyPr/>
+          <a:lstStyle/>
+          <a:p>
+            <a:pPr algn="just"/>
+            <a:r>
+              <a:rPr lang="pt-BR" sz="2400" dirty="0"/>
+              <a:t>Clear overfitting</a:t>
+            </a:r>
+          </a:p>
+          <a:p>
+            <a:pPr marL="0" indent="0">
+              <a:buNone/>
+            </a:pPr>
+            <a:r>
+              <a:rPr lang="en-US" sz="2000" dirty="0"/>
+              <a:t>$ p</a:t>
+            </a:r>
+            <a:r>
+              <a:rPr lang="pt-BR" sz="2000" dirty="0"/>
+              <a:t>ython mini_project.py -PCA -c 10 </a:t>
+            </a:r>
+            <a:r>
+              <a:rPr lang="en-US" sz="2000" dirty="0"/>
+              <a:t>–</a:t>
+            </a:r>
+            <a:r>
+              <a:rPr lang="pt-BR" sz="2000" dirty="0"/>
+              <a:t>GMM </a:t>
+            </a:r>
+            <a:r>
+              <a:rPr lang="en-US" sz="2000" dirty="0"/>
+              <a:t>–</a:t>
+            </a:r>
+            <a:r>
+              <a:rPr lang="pt-BR" sz="2000" dirty="0"/>
+              <a:t>nb_gaus 150</a:t>
+            </a:r>
+          </a:p>
+          <a:p>
+            <a:pPr marL="0" indent="0" algn="ctr">
+              <a:buNone/>
+            </a:pPr>
+            <a:r>
+              <a:rPr lang="pt-BR" sz="2000" dirty="0"/>
+              <a:t>    CER</a:t>
+            </a:r>
+            <a:r>
+              <a:rPr lang="pt-BR" sz="2000" baseline="-25000" dirty="0"/>
+              <a:t>Train</a:t>
+            </a:r>
+            <a:r>
+              <a:rPr lang="pt-BR" sz="2000" dirty="0"/>
+              <a:t>: 36.45%</a:t>
+            </a:r>
+          </a:p>
+          <a:p>
+            <a:pPr marL="0" indent="0" algn="ctr">
+              <a:buNone/>
+            </a:pPr>
+            <a:r>
+              <a:rPr lang="pt-BR" sz="2000" dirty="0"/>
+              <a:t>    CER</a:t>
+            </a:r>
+            <a:r>
+              <a:rPr lang="pt-BR" sz="2000" baseline="-25000" dirty="0"/>
+              <a:t>Devel</a:t>
+            </a:r>
+            <a:r>
+              <a:rPr lang="pt-BR" sz="2000" dirty="0"/>
+              <a:t>: 66.68%</a:t>
+            </a:r>
+          </a:p>
+          <a:p>
+            <a:pPr marL="0" indent="0" algn="ctr">
+              <a:buNone/>
+            </a:pPr>
+            <a:r>
+              <a:rPr lang="pt-BR" sz="2000" dirty="0"/>
+              <a:t>    CER</a:t>
+            </a:r>
+            <a:r>
+              <a:rPr lang="pt-BR" sz="2000" baseline="-25000" dirty="0"/>
+              <a:t>Test</a:t>
+            </a:r>
+            <a:r>
+              <a:rPr lang="pt-BR" sz="2000" dirty="0"/>
+              <a:t>: 65.62%</a:t>
+            </a:r>
+          </a:p>
+          <a:p>
+            <a:endParaRPr lang="en-US" dirty="0"/>
+          </a:p>
+        </p:txBody>
+      </p:sp>
     </p:spTree>
     <p:extLst>
       <p:ext uri="{BB962C8B-B14F-4D97-AF65-F5344CB8AC3E}">
@@ -4234,10 +5777,17 @@
   <p:clrMapOvr>
     <a:masterClrMapping/>
   </p:clrMapOvr>
+  <p:timing>
+    <p:tnLst>
+      <p:par>
+        <p:cTn xmlns:p14="http://schemas.microsoft.com/office/powerpoint/2010/main" id="1" dur="indefinite" restart="never" nodeType="tmRoot"/>
+      </p:par>
+    </p:tnLst>
+  </p:timing>
 </p:sld>
 </file>
 
-<file path=ppt/slides/slide6.xml><?xml version="1.0" encoding="utf-8"?>
+<file path=ppt/slides/slide9.xml><?xml version="1.0" encoding="utf-8"?>
 <p:sld xmlns:a="http://schemas.openxmlformats.org/drawingml/2006/main" xmlns:r="http://schemas.openxmlformats.org/officeDocument/2006/relationships" xmlns:p="http://schemas.openxmlformats.org/presentationml/2006/main">
   <p:cSld>
     <p:spTree>
@@ -4271,12 +5821,45 @@
           <a:p>
             <a:r>
               <a:rPr lang="pt-BR" dirty="0" smtClean="0"/>
-              <a:t>GMM+PCA</a:t>
-            </a:r>
-            <a:endParaRPr lang="pt-BR" dirty="0"/>
-          </a:p>
-        </p:txBody>
-      </p:sp>
+              <a:t>GMM &amp; PCA </a:t>
+            </a:r>
+            <a:r>
+              <a:rPr lang="pt-BR" dirty="0"/>
+              <a:t>- Remarks</a:t>
+            </a:r>
+          </a:p>
+        </p:txBody>
+      </p:sp>
+      <p:pic>
+        <p:nvPicPr>
+          <p:cNvPr id="4" name="Picture 3" descr="150_gaussians.png"/>
+          <p:cNvPicPr>
+            <a:picLocks noChangeAspect="1"/>
+          </p:cNvPicPr>
+          <p:nvPr/>
+        </p:nvPicPr>
+        <p:blipFill>
+          <a:blip r:embed="rId2">
+            <a:extLst>
+              <a:ext uri="{28A0092B-C50C-407E-A947-70E740481C1C}">
+                <a14:useLocalDpi xmlns:a14="http://schemas.microsoft.com/office/drawing/2010/main" val="0"/>
+              </a:ext>
+            </a:extLst>
+          </a:blip>
+          <a:stretch>
+            <a:fillRect/>
+          </a:stretch>
+        </p:blipFill>
+        <p:spPr>
+          <a:xfrm>
+            <a:off x="-495056" y="1607515"/>
+            <a:ext cx="6998073" cy="5248555"/>
+          </a:xfrm>
+          <a:prstGeom prst="rect">
+            <a:avLst/>
+          </a:prstGeom>
+        </p:spPr>
+      </p:pic>
       <p:sp>
         <p:nvSpPr>
           <p:cNvPr id="3" name="Content Placeholder 2"/>
@@ -4287,290 +5870,92 @@
             <p:ph idx="1"/>
           </p:nvPr>
         </p:nvSpPr>
-        <p:spPr/>
+        <p:spPr>
+          <a:xfrm>
+            <a:off x="457200" y="1251275"/>
+            <a:ext cx="8229600" cy="4525963"/>
+          </a:xfrm>
+        </p:spPr>
         <p:txBody>
           <a:bodyPr>
             <a:normAutofit/>
           </a:bodyPr>
           <a:lstStyle/>
           <a:p>
-            <a:pPr marL="0" indent="0">
-              <a:buNone/>
-            </a:pPr>
-            <a:r>
-              <a:rPr lang="pt-BR" dirty="0" err="1" smtClean="0"/>
-              <a:t>Modelling</a:t>
-            </a:r>
-            <a:r>
-              <a:rPr lang="pt-BR" dirty="0" smtClean="0"/>
+            <a:pPr algn="just"/>
+            <a:r>
+              <a:rPr lang="pt-BR" sz="2400" dirty="0" err="1" smtClean="0"/>
+              <a:t>How</a:t>
+            </a:r>
+            <a:r>
+              <a:rPr lang="pt-BR" sz="2400" dirty="0" smtClean="0"/>
               <a:t> </a:t>
             </a:r>
             <a:r>
-              <a:rPr lang="pt-BR" dirty="0" err="1" smtClean="0"/>
+              <a:rPr lang="pt-BR" sz="2400" dirty="0" err="1" smtClean="0"/>
+              <a:t>the</a:t>
+            </a:r>
+            <a:r>
+              <a:rPr lang="pt-BR" sz="2400" dirty="0" smtClean="0"/>
+              <a:t> </a:t>
+            </a:r>
+            <a:r>
+              <a:rPr lang="pt-BR" sz="2400" dirty="0" err="1" smtClean="0"/>
+              <a:t>means</a:t>
+            </a:r>
+            <a:r>
+              <a:rPr lang="pt-BR" sz="2400" dirty="0" smtClean="0"/>
+              <a:t> move </a:t>
+            </a:r>
+            <a:r>
+              <a:rPr lang="pt-BR" sz="2400" dirty="0" err="1" smtClean="0"/>
+              <a:t>along</a:t>
+            </a:r>
+            <a:r>
+              <a:rPr lang="pt-BR" sz="2400" dirty="0" smtClean="0"/>
+              <a:t> </a:t>
+            </a:r>
+            <a:r>
+              <a:rPr lang="pt-BR" sz="2400" dirty="0" err="1" smtClean="0"/>
+              <a:t>the</a:t>
+            </a:r>
+            <a:r>
+              <a:rPr lang="pt-BR" sz="2400" dirty="0" smtClean="0"/>
+              <a:t> </a:t>
+            </a:r>
+            <a:r>
+              <a:rPr lang="pt-BR" sz="2400" dirty="0" err="1" smtClean="0"/>
+              <a:t>space</a:t>
+            </a:r>
+            <a:r>
+              <a:rPr lang="pt-BR" sz="2400" dirty="0" smtClean="0"/>
+              <a:t>? </a:t>
+            </a:r>
+            <a:r>
+              <a:rPr lang="pt-BR" sz="2400" dirty="0" err="1" smtClean="0"/>
+              <a:t>Example</a:t>
+            </a:r>
+            <a:r>
+              <a:rPr lang="pt-BR" sz="2400" dirty="0" smtClean="0"/>
+              <a:t> </a:t>
+            </a:r>
+            <a:r>
+              <a:rPr lang="pt-BR" sz="2400" dirty="0" err="1" smtClean="0"/>
               <a:t>with</a:t>
             </a:r>
             <a:r>
-              <a:rPr lang="pt-BR" dirty="0" smtClean="0"/>
-              <a:t> </a:t>
-            </a:r>
-            <a:r>
-              <a:rPr lang="pt-BR" dirty="0" err="1" smtClean="0"/>
-              <a:t>less</a:t>
-            </a:r>
-            <a:r>
-              <a:rPr lang="pt-BR" dirty="0" smtClean="0"/>
-              <a:t> </a:t>
-            </a:r>
-            <a:r>
-              <a:rPr lang="pt-BR" dirty="0" err="1" smtClean="0"/>
-              <a:t>gaussian</a:t>
-            </a:r>
-            <a:r>
-              <a:rPr lang="pt-BR" dirty="0" smtClean="0"/>
-              <a:t> </a:t>
-            </a:r>
-            <a:r>
-              <a:rPr lang="pt-BR" dirty="0" err="1" smtClean="0"/>
-              <a:t>components</a:t>
-            </a:r>
-            <a:r>
-              <a:rPr lang="pt-BR" dirty="0" smtClean="0"/>
-              <a:t> (</a:t>
-            </a:r>
-            <a:r>
-              <a:rPr lang="pt-BR" dirty="0" err="1" smtClean="0"/>
-              <a:t>capacity</a:t>
-            </a:r>
-            <a:r>
-              <a:rPr lang="pt-BR" dirty="0" smtClean="0"/>
-              <a:t>=30):</a:t>
-            </a:r>
-            <a:r>
-              <a:rPr lang="pt-BR" dirty="0" smtClean="0"/>
-              <a:t/>
-            </a:r>
-            <a:br>
-              <a:rPr lang="pt-BR" dirty="0" smtClean="0"/>
-            </a:br>
-            <a:r>
-              <a:rPr lang="pt-BR" sz="2100" dirty="0" smtClean="0"/>
-              <a:t>     </a:t>
-            </a:r>
-            <a:r>
-              <a:rPr lang="en-US" sz="2100" dirty="0" smtClean="0">
-                <a:latin typeface="Courier"/>
-                <a:cs typeface="Courier"/>
-              </a:rPr>
-              <a:t>p</a:t>
-            </a:r>
-            <a:r>
-              <a:rPr lang="pt-BR" sz="2100" dirty="0" err="1" smtClean="0">
-                <a:latin typeface="Courier"/>
-                <a:cs typeface="Courier"/>
-              </a:rPr>
-              <a:t>ython</a:t>
-            </a:r>
-            <a:r>
-              <a:rPr lang="pt-BR" sz="2100" dirty="0" smtClean="0">
-                <a:latin typeface="Courier"/>
-                <a:cs typeface="Courier"/>
-              </a:rPr>
-              <a:t> </a:t>
-            </a:r>
-            <a:r>
-              <a:rPr lang="pt-BR" sz="2100" dirty="0" err="1">
-                <a:latin typeface="Courier"/>
-                <a:cs typeface="Courier"/>
-              </a:rPr>
-              <a:t>mini_project.py</a:t>
-            </a:r>
-            <a:r>
-              <a:rPr lang="pt-BR" sz="2100" dirty="0">
-                <a:latin typeface="Courier"/>
-                <a:cs typeface="Courier"/>
-              </a:rPr>
-              <a:t> -PCA -</a:t>
-            </a:r>
-            <a:r>
-              <a:rPr lang="pt-BR" sz="2100" dirty="0" err="1">
-                <a:latin typeface="Courier"/>
-                <a:cs typeface="Courier"/>
-              </a:rPr>
-              <a:t>c</a:t>
-            </a:r>
-            <a:r>
-              <a:rPr lang="pt-BR" sz="2100" dirty="0">
-                <a:latin typeface="Courier"/>
-                <a:cs typeface="Courier"/>
-              </a:rPr>
-              <a:t> 10 </a:t>
-            </a:r>
-            <a:r>
-              <a:rPr lang="en-US" sz="2100" dirty="0">
-                <a:latin typeface="Courier"/>
-                <a:cs typeface="Courier"/>
-              </a:rPr>
-              <a:t>–</a:t>
-            </a:r>
-            <a:r>
-              <a:rPr lang="pt-BR" sz="2100" dirty="0">
-                <a:latin typeface="Courier"/>
-                <a:cs typeface="Courier"/>
-              </a:rPr>
-              <a:t>GMM </a:t>
-            </a:r>
-            <a:r>
-              <a:rPr lang="en-US" sz="2100" dirty="0">
-                <a:latin typeface="Courier"/>
-                <a:cs typeface="Courier"/>
-              </a:rPr>
-              <a:t>–</a:t>
-            </a:r>
-            <a:r>
-              <a:rPr lang="pt-BR" sz="2100" dirty="0" err="1">
-                <a:latin typeface="Courier"/>
-                <a:cs typeface="Courier"/>
-              </a:rPr>
-              <a:t>nb_gaus</a:t>
-            </a:r>
-            <a:r>
-              <a:rPr lang="pt-BR" sz="2100" dirty="0">
-                <a:latin typeface="Courier"/>
-                <a:cs typeface="Courier"/>
-              </a:rPr>
-              <a:t> </a:t>
-            </a:r>
-            <a:r>
-              <a:rPr lang="pt-BR" sz="2100" dirty="0" smtClean="0">
-                <a:latin typeface="Courier"/>
-                <a:cs typeface="Courier"/>
-              </a:rPr>
-              <a:t>16</a:t>
-            </a:r>
-            <a:endParaRPr lang="pt-BR" sz="2100" dirty="0">
-              <a:latin typeface="Courier"/>
-              <a:cs typeface="Courier"/>
-            </a:endParaRPr>
-          </a:p>
-          <a:p>
-            <a:pPr marL="0" indent="0">
-              <a:buNone/>
-            </a:pPr>
-            <a:r>
-              <a:rPr lang="pt-BR" sz="2100" dirty="0">
-                <a:latin typeface="Courier"/>
-                <a:cs typeface="Courier"/>
-              </a:rPr>
-              <a:t>    CER </a:t>
-            </a:r>
-            <a:r>
-              <a:rPr lang="pt-BR" sz="2100" dirty="0" err="1">
-                <a:latin typeface="Courier"/>
-                <a:cs typeface="Courier"/>
-              </a:rPr>
-              <a:t>Train</a:t>
-            </a:r>
-            <a:r>
-              <a:rPr lang="pt-BR" sz="2100" dirty="0">
-                <a:latin typeface="Courier"/>
-                <a:cs typeface="Courier"/>
-              </a:rPr>
-              <a:t>: </a:t>
-            </a:r>
-            <a:r>
-              <a:rPr lang="pt-BR" sz="2100" dirty="0" smtClean="0">
-                <a:latin typeface="Courier"/>
-                <a:cs typeface="Courier"/>
-              </a:rPr>
-              <a:t>62.54%</a:t>
-            </a:r>
-            <a:endParaRPr lang="pt-BR" sz="2100" dirty="0">
-              <a:latin typeface="Courier"/>
-              <a:cs typeface="Courier"/>
-            </a:endParaRPr>
-          </a:p>
-          <a:p>
-            <a:pPr marL="0" indent="0">
-              <a:buNone/>
-            </a:pPr>
-            <a:r>
-              <a:rPr lang="pt-BR" sz="2100" dirty="0">
-                <a:latin typeface="Courier"/>
-                <a:cs typeface="Courier"/>
-              </a:rPr>
-              <a:t>    CER </a:t>
-            </a:r>
-            <a:r>
-              <a:rPr lang="pt-BR" sz="2100" dirty="0" err="1">
-                <a:latin typeface="Courier"/>
-                <a:cs typeface="Courier"/>
-              </a:rPr>
-              <a:t>Dev</a:t>
-            </a:r>
-            <a:r>
-              <a:rPr lang="pt-BR" sz="2100" dirty="0">
-                <a:latin typeface="Courier"/>
-                <a:cs typeface="Courier"/>
-              </a:rPr>
-              <a:t>: </a:t>
-            </a:r>
-            <a:r>
-              <a:rPr lang="pt-BR" sz="2100" dirty="0" smtClean="0">
-                <a:latin typeface="Courier"/>
-                <a:cs typeface="Courier"/>
-              </a:rPr>
-              <a:t>67.70%</a:t>
-            </a:r>
-            <a:endParaRPr lang="pt-BR" sz="2100" dirty="0">
-              <a:latin typeface="Courier"/>
-              <a:cs typeface="Courier"/>
-            </a:endParaRPr>
-          </a:p>
-          <a:p>
-            <a:pPr marL="0" indent="0">
-              <a:buNone/>
-            </a:pPr>
-            <a:r>
-              <a:rPr lang="pt-BR" sz="2100" dirty="0">
-                <a:latin typeface="Courier"/>
-                <a:cs typeface="Courier"/>
-              </a:rPr>
-              <a:t>    CER </a:t>
-            </a:r>
-            <a:r>
-              <a:rPr lang="pt-BR" sz="2100" dirty="0" err="1">
-                <a:latin typeface="Courier"/>
-                <a:cs typeface="Courier"/>
-              </a:rPr>
-              <a:t>Eval</a:t>
-            </a:r>
-            <a:r>
-              <a:rPr lang="pt-BR" sz="2100" dirty="0">
-                <a:latin typeface="Courier"/>
-                <a:cs typeface="Courier"/>
-              </a:rPr>
-              <a:t>: </a:t>
-            </a:r>
-            <a:r>
-              <a:rPr lang="pt-BR" sz="2100" dirty="0" smtClean="0">
-                <a:latin typeface="Courier"/>
-                <a:cs typeface="Courier"/>
-              </a:rPr>
-              <a:t>65.46%</a:t>
-            </a:r>
-            <a:br>
-              <a:rPr lang="pt-BR" sz="2100" dirty="0" smtClean="0">
-                <a:latin typeface="Courier"/>
-                <a:cs typeface="Courier"/>
-              </a:rPr>
-            </a:br>
-            <a:endParaRPr lang="pt-BR" dirty="0" smtClean="0"/>
-          </a:p>
-          <a:p>
-            <a:r>
-              <a:rPr lang="en-US" dirty="0" smtClean="0"/>
-              <a:t>We have a question regarding the strategy adopted</a:t>
-            </a:r>
+              <a:rPr lang="pt-BR" sz="2400" dirty="0" smtClean="0"/>
+              <a:t> 150 </a:t>
+            </a:r>
+            <a:r>
+              <a:rPr lang="pt-BR" sz="2400" dirty="0" err="1" smtClean="0"/>
+              <a:t>gaussians</a:t>
+            </a:r>
+            <a:r>
+              <a:rPr lang="pt-BR" sz="2400" dirty="0" smtClean="0"/>
+              <a:t>.</a:t>
+            </a:r>
+            <a:endParaRPr lang="pt-BR" sz="2400" dirty="0" smtClean="0"/>
           </a:p>
           <a:p>
             <a:pPr marL="0" indent="0">
@@ -4580,232 +5965,160 @@
           </a:p>
           <a:p>
             <a:endParaRPr lang="en-US" dirty="0"/>
+          </a:p>
+        </p:txBody>
+      </p:sp>
+      <p:sp>
+        <p:nvSpPr>
+          <p:cNvPr id="5" name="TextBox 4"/>
+          <p:cNvSpPr txBox="1"/>
+          <p:nvPr/>
+        </p:nvSpPr>
+        <p:spPr>
+          <a:xfrm>
+            <a:off x="5847136" y="2212667"/>
+            <a:ext cx="3339376" cy="1631216"/>
+          </a:xfrm>
+          <a:prstGeom prst="rect">
+            <a:avLst/>
+          </a:prstGeom>
+          <a:noFill/>
+        </p:spPr>
+        <p:txBody>
+          <a:bodyPr wrap="none" rtlCol="0">
+            <a:spAutoFit/>
+          </a:bodyPr>
+          <a:lstStyle/>
+          <a:p>
+            <a:pPr marL="285750" indent="-285750">
+              <a:buFont typeface="Arial"/>
+              <a:buChar char="•"/>
+            </a:pPr>
+            <a:r>
+              <a:rPr lang="pt-BR" sz="2000" dirty="0" err="1" smtClean="0"/>
+              <a:t>Possible</a:t>
+            </a:r>
+            <a:r>
+              <a:rPr lang="pt-BR" sz="2000" dirty="0" smtClean="0"/>
+              <a:t> </a:t>
+            </a:r>
+            <a:r>
+              <a:rPr lang="pt-BR" sz="2000" dirty="0" err="1" smtClean="0"/>
+              <a:t>overfitting</a:t>
+            </a:r>
+            <a:r>
+              <a:rPr lang="pt-BR" sz="2000" dirty="0" smtClean="0"/>
+              <a:t> </a:t>
+            </a:r>
+            <a:r>
+              <a:rPr lang="pt-BR" sz="2000" dirty="0" err="1" smtClean="0"/>
+              <a:t>on</a:t>
+            </a:r>
+            <a:r>
+              <a:rPr lang="pt-BR" sz="2000" dirty="0" smtClean="0"/>
+              <a:t> </a:t>
+            </a:r>
+            <a:r>
+              <a:rPr lang="pt-BR" sz="2000" dirty="0" err="1" smtClean="0"/>
+              <a:t>the</a:t>
+            </a:r>
+            <a:r>
+              <a:rPr lang="pt-BR" sz="2000" dirty="0" smtClean="0"/>
+              <a:t> </a:t>
+            </a:r>
+            <a:br>
+              <a:rPr lang="pt-BR" sz="2000" dirty="0" smtClean="0"/>
+            </a:br>
+            <a:r>
+              <a:rPr lang="pt-BR" sz="2000" dirty="0" err="1" smtClean="0"/>
+              <a:t>number</a:t>
+            </a:r>
+            <a:r>
+              <a:rPr lang="pt-BR" sz="2000" dirty="0" smtClean="0"/>
+              <a:t> 5</a:t>
+            </a:r>
+            <a:br>
+              <a:rPr lang="pt-BR" sz="2000" dirty="0" smtClean="0"/>
+            </a:br>
+            <a:endParaRPr lang="pt-BR" sz="2000" dirty="0" smtClean="0"/>
+          </a:p>
+          <a:p>
+            <a:pPr marL="285750" indent="-285750">
+              <a:buFont typeface="Arial"/>
+              <a:buChar char="•"/>
+            </a:pPr>
+            <a:r>
+              <a:rPr lang="pt-BR" sz="2000" dirty="0" err="1" smtClean="0"/>
+              <a:t>Possible</a:t>
+            </a:r>
+            <a:r>
+              <a:rPr lang="pt-BR" sz="2000" dirty="0" smtClean="0"/>
+              <a:t> </a:t>
+            </a:r>
+            <a:r>
+              <a:rPr lang="pt-BR" sz="2000" dirty="0" err="1" smtClean="0"/>
+              <a:t>underfitting</a:t>
+            </a:r>
+            <a:r>
+              <a:rPr lang="pt-BR" sz="2000" dirty="0" smtClean="0"/>
+              <a:t> </a:t>
+            </a:r>
+            <a:r>
+              <a:rPr lang="pt-BR" sz="2000" dirty="0" err="1" smtClean="0"/>
+              <a:t>on</a:t>
+            </a:r>
+            <a:r>
+              <a:rPr lang="pt-BR" sz="2000" dirty="0" smtClean="0"/>
+              <a:t> </a:t>
+            </a:r>
+            <a:r>
+              <a:rPr lang="pt-BR" sz="2000" dirty="0" err="1" smtClean="0"/>
+              <a:t>the</a:t>
+            </a:r>
+            <a:r>
+              <a:rPr lang="pt-BR" sz="2000" dirty="0" smtClean="0"/>
+              <a:t/>
+            </a:r>
+            <a:br>
+              <a:rPr lang="pt-BR" sz="2000" dirty="0" smtClean="0"/>
+            </a:br>
+            <a:r>
+              <a:rPr lang="pt-BR" sz="2000" dirty="0" err="1" smtClean="0"/>
+              <a:t>numbers</a:t>
+            </a:r>
+            <a:r>
+              <a:rPr lang="pt-BR" sz="2000" dirty="0" smtClean="0"/>
+              <a:t> 9,0 </a:t>
+            </a:r>
+            <a:r>
+              <a:rPr lang="pt-BR" sz="2000" dirty="0" err="1" smtClean="0"/>
+              <a:t>and</a:t>
+            </a:r>
+            <a:r>
+              <a:rPr lang="pt-BR" sz="2000" dirty="0" smtClean="0"/>
+              <a:t> 1</a:t>
+            </a:r>
+            <a:endParaRPr lang="pt-BR" sz="2000" dirty="0"/>
           </a:p>
         </p:txBody>
       </p:sp>
     </p:spTree>
     <p:extLst>
       <p:ext uri="{BB962C8B-B14F-4D97-AF65-F5344CB8AC3E}">
-        <p14:creationId xmlns:p14="http://schemas.microsoft.com/office/powerpoint/2010/main" val="4141482119"/>
+        <p14:creationId xmlns:p14="http://schemas.microsoft.com/office/powerpoint/2010/main" val="2858195979"/>
       </p:ext>
     </p:extLst>
   </p:cSld>
   <p:clrMapOvr>
     <a:masterClrMapping/>
   </p:clrMapOvr>
-</p:sld>
-</file>
-
-<file path=ppt/slides/slide7.xml><?xml version="1.0" encoding="utf-8"?>
-<p:sld xmlns:a="http://schemas.openxmlformats.org/drawingml/2006/main" xmlns:r="http://schemas.openxmlformats.org/officeDocument/2006/relationships" xmlns:p="http://schemas.openxmlformats.org/presentationml/2006/main">
-  <p:cSld>
-    <p:spTree>
-      <p:nvGrpSpPr>
-        <p:cNvPr id="1" name=""/>
-        <p:cNvGrpSpPr/>
-        <p:nvPr/>
-      </p:nvGrpSpPr>
-      <p:grpSpPr>
-        <a:xfrm>
-          <a:off x="0" y="0"/>
-          <a:ext cx="0" cy="0"/>
-          <a:chOff x="0" y="0"/>
-          <a:chExt cx="0" cy="0"/>
-        </a:xfrm>
-      </p:grpSpPr>
-      <p:sp>
-        <p:nvSpPr>
-          <p:cNvPr id="2" name="Title 1"/>
-          <p:cNvSpPr>
-            <a:spLocks noGrp="1"/>
-          </p:cNvSpPr>
-          <p:nvPr>
-            <p:ph type="title"/>
-          </p:nvPr>
-        </p:nvSpPr>
-        <p:spPr/>
-        <p:txBody>
-          <a:bodyPr/>
-          <a:lstStyle/>
-          <a:p>
-            <a:r>
-              <a:rPr lang="pt-BR" dirty="0" err="1" smtClean="0"/>
-              <a:t>Conclusion</a:t>
-            </a:r>
-            <a:r>
-              <a:rPr lang="pt-BR" dirty="0" smtClean="0"/>
-              <a:t>	</a:t>
-            </a:r>
-            <a:endParaRPr lang="pt-BR" dirty="0"/>
-          </a:p>
-        </p:txBody>
-      </p:sp>
-      <p:sp>
-        <p:nvSpPr>
-          <p:cNvPr id="3" name="Content Placeholder 2"/>
-          <p:cNvSpPr>
-            <a:spLocks noGrp="1"/>
-          </p:cNvSpPr>
-          <p:nvPr>
-            <p:ph idx="1"/>
-          </p:nvPr>
-        </p:nvSpPr>
-        <p:spPr/>
-        <p:txBody>
-          <a:bodyPr>
-            <a:normAutofit fontScale="92500" lnSpcReduction="10000"/>
-          </a:bodyPr>
-          <a:lstStyle/>
-          <a:p>
-            <a:r>
-              <a:rPr lang="pt-BR" dirty="0" err="1" smtClean="0"/>
-              <a:t>Simple</a:t>
-            </a:r>
-            <a:r>
-              <a:rPr lang="pt-BR" dirty="0" smtClean="0"/>
-              <a:t> </a:t>
-            </a:r>
-            <a:r>
-              <a:rPr lang="pt-BR" dirty="0" err="1" smtClean="0"/>
-              <a:t>solution</a:t>
-            </a:r>
-            <a:r>
-              <a:rPr lang="pt-BR" dirty="0" smtClean="0"/>
-              <a:t> </a:t>
-            </a:r>
-            <a:r>
-              <a:rPr lang="pt-BR" dirty="0" err="1" smtClean="0"/>
-              <a:t>was</a:t>
-            </a:r>
-            <a:r>
-              <a:rPr lang="pt-BR" dirty="0" smtClean="0"/>
-              <a:t> </a:t>
-            </a:r>
-            <a:r>
-              <a:rPr lang="pt-BR" dirty="0" err="1" smtClean="0"/>
-              <a:t>the</a:t>
-            </a:r>
-            <a:r>
-              <a:rPr lang="pt-BR" dirty="0" smtClean="0"/>
-              <a:t> </a:t>
-            </a:r>
-            <a:r>
-              <a:rPr lang="pt-BR" dirty="0" err="1" smtClean="0"/>
-              <a:t>best</a:t>
-            </a:r>
-            <a:r>
-              <a:rPr lang="pt-BR" dirty="0" smtClean="0"/>
-              <a:t> (KNN+PCA)</a:t>
-            </a:r>
-            <a:br>
-              <a:rPr lang="pt-BR" dirty="0" smtClean="0"/>
-            </a:br>
-            <a:endParaRPr lang="pt-BR" dirty="0" smtClean="0"/>
-          </a:p>
-          <a:p>
-            <a:r>
-              <a:rPr lang="pt-BR" dirty="0" err="1" smtClean="0"/>
-              <a:t>Possible</a:t>
-            </a:r>
-            <a:r>
-              <a:rPr lang="pt-BR" dirty="0" smtClean="0"/>
-              <a:t> </a:t>
-            </a:r>
-            <a:r>
-              <a:rPr lang="pt-BR" dirty="0" err="1" smtClean="0"/>
-              <a:t>to</a:t>
-            </a:r>
-            <a:r>
-              <a:rPr lang="pt-BR" dirty="0" smtClean="0"/>
-              <a:t> </a:t>
-            </a:r>
-            <a:r>
-              <a:rPr lang="pt-BR" dirty="0" err="1" smtClean="0"/>
-              <a:t>reproduce</a:t>
-            </a:r>
-            <a:r>
-              <a:rPr lang="pt-BR" dirty="0" smtClean="0"/>
-              <a:t> </a:t>
-            </a:r>
-            <a:r>
-              <a:rPr lang="pt-BR" dirty="0" err="1" smtClean="0"/>
-              <a:t>the</a:t>
-            </a:r>
-            <a:r>
-              <a:rPr lang="pt-BR" dirty="0" smtClean="0"/>
-              <a:t> </a:t>
-            </a:r>
-            <a:r>
-              <a:rPr lang="pt-BR" dirty="0" err="1" smtClean="0"/>
-              <a:t>results</a:t>
-            </a:r>
-            <a:endParaRPr lang="pt-BR" dirty="0" smtClean="0"/>
-          </a:p>
-          <a:p>
-            <a:endParaRPr lang="pt-BR" dirty="0"/>
-          </a:p>
-          <a:p>
-            <a:r>
-              <a:rPr lang="pt-BR" dirty="0" err="1" smtClean="0"/>
-              <a:t>Suggestion</a:t>
-            </a:r>
-            <a:r>
-              <a:rPr lang="pt-BR" dirty="0" smtClean="0"/>
-              <a:t>: </a:t>
-            </a:r>
-            <a:r>
-              <a:rPr lang="pt-BR" dirty="0" err="1" smtClean="0"/>
-              <a:t>Model</a:t>
-            </a:r>
-            <a:r>
-              <a:rPr lang="pt-BR" dirty="0" smtClean="0"/>
-              <a:t> </a:t>
-            </a:r>
-            <a:r>
-              <a:rPr lang="pt-BR" dirty="0" err="1" smtClean="0"/>
-              <a:t>one</a:t>
-            </a:r>
-            <a:r>
-              <a:rPr lang="pt-BR" dirty="0" smtClean="0"/>
-              <a:t> GMM per </a:t>
-            </a:r>
-            <a:r>
-              <a:rPr lang="pt-BR" dirty="0" err="1" smtClean="0"/>
-              <a:t>digit</a:t>
-            </a:r>
-            <a:endParaRPr lang="pt-BR" dirty="0" smtClean="0"/>
-          </a:p>
-          <a:p>
-            <a:endParaRPr lang="pt-BR" dirty="0" smtClean="0"/>
-          </a:p>
-          <a:p>
-            <a:endParaRPr lang="pt-BR" dirty="0"/>
-          </a:p>
-          <a:p>
-            <a:pPr marL="0" indent="0">
-              <a:buNone/>
-            </a:pPr>
-            <a:r>
-              <a:rPr lang="pt-BR" dirty="0" smtClean="0"/>
-              <a:t/>
-            </a:r>
-            <a:br>
-              <a:rPr lang="pt-BR" dirty="0" smtClean="0"/>
-            </a:br>
-            <a:endParaRPr lang="pt-BR" dirty="0"/>
-          </a:p>
-        </p:txBody>
-      </p:sp>
-    </p:spTree>
-    <p:extLst>
-      <p:ext uri="{BB962C8B-B14F-4D97-AF65-F5344CB8AC3E}">
-        <p14:creationId xmlns:p14="http://schemas.microsoft.com/office/powerpoint/2010/main" val="3648015825"/>
-      </p:ext>
-    </p:extLst>
-  </p:cSld>
-  <p:clrMapOvr>
-    <a:masterClrMapping/>
-  </p:clrMapOvr>
+  <p:timing>
+    <p:tnLst>
+      <p:par>
+        <p:cTn xmlns:p14="http://schemas.microsoft.com/office/powerpoint/2010/main" id="1" dur="indefinite" restart="never" nodeType="tmRoot"/>
+      </p:par>
+    </p:tnLst>
+  </p:timing>
 </p:sld>
 </file>
 

--- a/presentation/Presentation.pptx
+++ b/presentation/Presentation.pptx
@@ -13,11 +13,12 @@
     <p:sldId id="268" r:id="rId7"/>
     <p:sldId id="259" r:id="rId8"/>
     <p:sldId id="260" r:id="rId9"/>
-    <p:sldId id="269" r:id="rId10"/>
-    <p:sldId id="270" r:id="rId11"/>
-    <p:sldId id="263" r:id="rId12"/>
-    <p:sldId id="265" r:id="rId13"/>
-    <p:sldId id="264" r:id="rId14"/>
+    <p:sldId id="271" r:id="rId10"/>
+    <p:sldId id="269" r:id="rId11"/>
+    <p:sldId id="270" r:id="rId12"/>
+    <p:sldId id="263" r:id="rId13"/>
+    <p:sldId id="265" r:id="rId14"/>
+    <p:sldId id="264" r:id="rId15"/>
   </p:sldIdLst>
   <p:sldSz cx="9144000" cy="6858000" type="screen4x3"/>
   <p:notesSz cx="6858000" cy="9144000"/>
@@ -300,7 +301,7 @@
           <a:p>
             <a:fld id="{F18A642D-E0E6-0B42-9656-29039D518434}" type="datetimeFigureOut">
               <a:rPr lang="en-US" smtClean="0"/>
-              <a:t>5/21/15</a:t>
+              <a:t>5/22/15</a:t>
             </a:fld>
             <a:endParaRPr lang="pt-BR"/>
           </a:p>
@@ -470,7 +471,7 @@
           <a:p>
             <a:fld id="{F18A642D-E0E6-0B42-9656-29039D518434}" type="datetimeFigureOut">
               <a:rPr lang="en-US" smtClean="0"/>
-              <a:t>5/21/15</a:t>
+              <a:t>5/22/15</a:t>
             </a:fld>
             <a:endParaRPr lang="pt-BR"/>
           </a:p>
@@ -650,7 +651,7 @@
           <a:p>
             <a:fld id="{F18A642D-E0E6-0B42-9656-29039D518434}" type="datetimeFigureOut">
               <a:rPr lang="en-US" smtClean="0"/>
-              <a:t>5/21/15</a:t>
+              <a:t>5/22/15</a:t>
             </a:fld>
             <a:endParaRPr lang="pt-BR"/>
           </a:p>
@@ -820,7 +821,7 @@
           <a:p>
             <a:fld id="{F18A642D-E0E6-0B42-9656-29039D518434}" type="datetimeFigureOut">
               <a:rPr lang="en-US" smtClean="0"/>
-              <a:t>5/21/15</a:t>
+              <a:t>5/22/15</a:t>
             </a:fld>
             <a:endParaRPr lang="pt-BR"/>
           </a:p>
@@ -1066,7 +1067,7 @@
           <a:p>
             <a:fld id="{F18A642D-E0E6-0B42-9656-29039D518434}" type="datetimeFigureOut">
               <a:rPr lang="en-US" smtClean="0"/>
-              <a:t>5/21/15</a:t>
+              <a:t>5/22/15</a:t>
             </a:fld>
             <a:endParaRPr lang="pt-BR"/>
           </a:p>
@@ -1354,7 +1355,7 @@
           <a:p>
             <a:fld id="{F18A642D-E0E6-0B42-9656-29039D518434}" type="datetimeFigureOut">
               <a:rPr lang="en-US" smtClean="0"/>
-              <a:t>5/21/15</a:t>
+              <a:t>5/22/15</a:t>
             </a:fld>
             <a:endParaRPr lang="pt-BR"/>
           </a:p>
@@ -1776,7 +1777,7 @@
           <a:p>
             <a:fld id="{F18A642D-E0E6-0B42-9656-29039D518434}" type="datetimeFigureOut">
               <a:rPr lang="en-US" smtClean="0"/>
-              <a:t>5/21/15</a:t>
+              <a:t>5/22/15</a:t>
             </a:fld>
             <a:endParaRPr lang="pt-BR"/>
           </a:p>
@@ -1894,7 +1895,7 @@
           <a:p>
             <a:fld id="{F18A642D-E0E6-0B42-9656-29039D518434}" type="datetimeFigureOut">
               <a:rPr lang="en-US" smtClean="0"/>
-              <a:t>5/21/15</a:t>
+              <a:t>5/22/15</a:t>
             </a:fld>
             <a:endParaRPr lang="pt-BR"/>
           </a:p>
@@ -1989,7 +1990,7 @@
           <a:p>
             <a:fld id="{F18A642D-E0E6-0B42-9656-29039D518434}" type="datetimeFigureOut">
               <a:rPr lang="en-US" smtClean="0"/>
-              <a:t>5/21/15</a:t>
+              <a:t>5/22/15</a:t>
             </a:fld>
             <a:endParaRPr lang="pt-BR"/>
           </a:p>
@@ -2266,7 +2267,7 @@
           <a:p>
             <a:fld id="{F18A642D-E0E6-0B42-9656-29039D518434}" type="datetimeFigureOut">
               <a:rPr lang="en-US" smtClean="0"/>
-              <a:t>5/21/15</a:t>
+              <a:t>5/22/15</a:t>
             </a:fld>
             <a:endParaRPr lang="pt-BR"/>
           </a:p>
@@ -2519,7 +2520,7 @@
           <a:p>
             <a:fld id="{F18A642D-E0E6-0B42-9656-29039D518434}" type="datetimeFigureOut">
               <a:rPr lang="en-US" smtClean="0"/>
-              <a:t>5/21/15</a:t>
+              <a:t>5/22/15</a:t>
             </a:fld>
             <a:endParaRPr lang="pt-BR"/>
           </a:p>
@@ -2732,7 +2733,7 @@
           <a:p>
             <a:fld id="{F18A642D-E0E6-0B42-9656-29039D518434}" type="datetimeFigureOut">
               <a:rPr lang="en-US" smtClean="0"/>
-              <a:t>5/21/15</a:t>
+              <a:t>5/22/15</a:t>
             </a:fld>
             <a:endParaRPr lang="pt-BR"/>
           </a:p>
@@ -3343,6 +3344,340 @@
       </p:sp>
       <p:pic>
         <p:nvPicPr>
+          <p:cNvPr id="4" name="Picture 3" descr="150_gaussians.png"/>
+          <p:cNvPicPr>
+            <a:picLocks noChangeAspect="1"/>
+          </p:cNvPicPr>
+          <p:nvPr/>
+        </p:nvPicPr>
+        <p:blipFill>
+          <a:blip r:embed="rId2">
+            <a:extLst>
+              <a:ext uri="{28A0092B-C50C-407E-A947-70E740481C1C}">
+                <a14:useLocalDpi xmlns:a14="http://schemas.microsoft.com/office/drawing/2010/main" val="0"/>
+              </a:ext>
+            </a:extLst>
+          </a:blip>
+          <a:stretch>
+            <a:fillRect/>
+          </a:stretch>
+        </p:blipFill>
+        <p:spPr>
+          <a:xfrm>
+            <a:off x="-495056" y="1607515"/>
+            <a:ext cx="6998073" cy="5248555"/>
+          </a:xfrm>
+          <a:prstGeom prst="rect">
+            <a:avLst/>
+          </a:prstGeom>
+        </p:spPr>
+      </p:pic>
+      <p:sp>
+        <p:nvSpPr>
+          <p:cNvPr id="3" name="Content Placeholder 2"/>
+          <p:cNvSpPr>
+            <a:spLocks noGrp="1"/>
+          </p:cNvSpPr>
+          <p:nvPr>
+            <p:ph idx="1"/>
+          </p:nvPr>
+        </p:nvSpPr>
+        <p:spPr>
+          <a:xfrm>
+            <a:off x="457200" y="1251275"/>
+            <a:ext cx="8229600" cy="4525963"/>
+          </a:xfrm>
+        </p:spPr>
+        <p:txBody>
+          <a:bodyPr>
+            <a:normAutofit/>
+          </a:bodyPr>
+          <a:lstStyle/>
+          <a:p>
+            <a:pPr algn="just"/>
+            <a:r>
+              <a:rPr lang="pt-BR" sz="2400" dirty="0" err="1" smtClean="0"/>
+              <a:t>How</a:t>
+            </a:r>
+            <a:r>
+              <a:rPr lang="pt-BR" sz="2400" dirty="0" smtClean="0"/>
+              <a:t> </a:t>
+            </a:r>
+            <a:r>
+              <a:rPr lang="pt-BR" sz="2400" dirty="0" err="1" smtClean="0"/>
+              <a:t>the</a:t>
+            </a:r>
+            <a:r>
+              <a:rPr lang="pt-BR" sz="2400" dirty="0" smtClean="0"/>
+              <a:t> </a:t>
+            </a:r>
+            <a:r>
+              <a:rPr lang="pt-BR" sz="2400" dirty="0" err="1" smtClean="0"/>
+              <a:t>means</a:t>
+            </a:r>
+            <a:r>
+              <a:rPr lang="pt-BR" sz="2400" dirty="0" smtClean="0"/>
+              <a:t> move </a:t>
+            </a:r>
+            <a:r>
+              <a:rPr lang="pt-BR" sz="2400" dirty="0" err="1" smtClean="0"/>
+              <a:t>along</a:t>
+            </a:r>
+            <a:r>
+              <a:rPr lang="pt-BR" sz="2400" dirty="0" smtClean="0"/>
+              <a:t> </a:t>
+            </a:r>
+            <a:r>
+              <a:rPr lang="pt-BR" sz="2400" dirty="0" err="1" smtClean="0"/>
+              <a:t>the</a:t>
+            </a:r>
+            <a:r>
+              <a:rPr lang="pt-BR" sz="2400" dirty="0" smtClean="0"/>
+              <a:t> </a:t>
+            </a:r>
+            <a:r>
+              <a:rPr lang="pt-BR" sz="2400" dirty="0" err="1" smtClean="0"/>
+              <a:t>space</a:t>
+            </a:r>
+            <a:r>
+              <a:rPr lang="pt-BR" sz="2400" dirty="0" smtClean="0"/>
+              <a:t>? </a:t>
+            </a:r>
+            <a:r>
+              <a:rPr lang="pt-BR" sz="2400" dirty="0" err="1" smtClean="0"/>
+              <a:t>Example</a:t>
+            </a:r>
+            <a:r>
+              <a:rPr lang="pt-BR" sz="2400" dirty="0" smtClean="0"/>
+              <a:t> </a:t>
+            </a:r>
+            <a:r>
+              <a:rPr lang="pt-BR" sz="2400" dirty="0" err="1" smtClean="0"/>
+              <a:t>with</a:t>
+            </a:r>
+            <a:r>
+              <a:rPr lang="pt-BR" sz="2400" dirty="0" smtClean="0"/>
+              <a:t> 150 </a:t>
+            </a:r>
+            <a:r>
+              <a:rPr lang="pt-BR" sz="2400" dirty="0" err="1" smtClean="0"/>
+              <a:t>gaussians</a:t>
+            </a:r>
+            <a:r>
+              <a:rPr lang="pt-BR" sz="2400" dirty="0" smtClean="0"/>
+              <a:t>.</a:t>
+            </a:r>
+          </a:p>
+          <a:p>
+            <a:pPr marL="0" indent="0">
+              <a:buNone/>
+            </a:pPr>
+            <a:endParaRPr lang="en-US" dirty="0" smtClean="0"/>
+          </a:p>
+          <a:p>
+            <a:endParaRPr lang="en-US" dirty="0"/>
+          </a:p>
+        </p:txBody>
+      </p:sp>
+      <p:sp>
+        <p:nvSpPr>
+          <p:cNvPr id="5" name="TextBox 4"/>
+          <p:cNvSpPr txBox="1"/>
+          <p:nvPr/>
+        </p:nvSpPr>
+        <p:spPr>
+          <a:xfrm>
+            <a:off x="5847136" y="2212667"/>
+            <a:ext cx="3339376" cy="1631216"/>
+          </a:xfrm>
+          <a:prstGeom prst="rect">
+            <a:avLst/>
+          </a:prstGeom>
+          <a:noFill/>
+        </p:spPr>
+        <p:txBody>
+          <a:bodyPr wrap="none" rtlCol="0">
+            <a:spAutoFit/>
+          </a:bodyPr>
+          <a:lstStyle/>
+          <a:p>
+            <a:pPr marL="285750" indent="-285750">
+              <a:buFont typeface="Arial"/>
+              <a:buChar char="•"/>
+            </a:pPr>
+            <a:r>
+              <a:rPr lang="pt-BR" sz="2000" dirty="0" err="1" smtClean="0"/>
+              <a:t>Possible</a:t>
+            </a:r>
+            <a:r>
+              <a:rPr lang="pt-BR" sz="2000" dirty="0" smtClean="0"/>
+              <a:t> </a:t>
+            </a:r>
+            <a:r>
+              <a:rPr lang="pt-BR" sz="2000" dirty="0" err="1" smtClean="0"/>
+              <a:t>overfitting</a:t>
+            </a:r>
+            <a:r>
+              <a:rPr lang="pt-BR" sz="2000" dirty="0" smtClean="0"/>
+              <a:t> </a:t>
+            </a:r>
+            <a:r>
+              <a:rPr lang="pt-BR" sz="2000" dirty="0" err="1" smtClean="0"/>
+              <a:t>on</a:t>
+            </a:r>
+            <a:r>
+              <a:rPr lang="pt-BR" sz="2000" dirty="0" smtClean="0"/>
+              <a:t> </a:t>
+            </a:r>
+            <a:r>
+              <a:rPr lang="pt-BR" sz="2000" dirty="0" err="1" smtClean="0"/>
+              <a:t>the</a:t>
+            </a:r>
+            <a:r>
+              <a:rPr lang="pt-BR" sz="2000" dirty="0" smtClean="0"/>
+              <a:t> </a:t>
+            </a:r>
+            <a:br>
+              <a:rPr lang="pt-BR" sz="2000" dirty="0" smtClean="0"/>
+            </a:br>
+            <a:r>
+              <a:rPr lang="pt-BR" sz="2000" dirty="0" err="1" smtClean="0"/>
+              <a:t>number</a:t>
+            </a:r>
+            <a:r>
+              <a:rPr lang="pt-BR" sz="2000" dirty="0" smtClean="0"/>
+              <a:t> 5</a:t>
+            </a:r>
+            <a:br>
+              <a:rPr lang="pt-BR" sz="2000" dirty="0" smtClean="0"/>
+            </a:br>
+            <a:endParaRPr lang="pt-BR" sz="2000" dirty="0" smtClean="0"/>
+          </a:p>
+          <a:p>
+            <a:pPr marL="285750" indent="-285750">
+              <a:buFont typeface="Arial"/>
+              <a:buChar char="•"/>
+            </a:pPr>
+            <a:r>
+              <a:rPr lang="pt-BR" sz="2000" dirty="0" err="1" smtClean="0"/>
+              <a:t>Possible</a:t>
+            </a:r>
+            <a:r>
+              <a:rPr lang="pt-BR" sz="2000" dirty="0" smtClean="0"/>
+              <a:t> </a:t>
+            </a:r>
+            <a:r>
+              <a:rPr lang="pt-BR" sz="2000" dirty="0" err="1" smtClean="0"/>
+              <a:t>underfitting</a:t>
+            </a:r>
+            <a:r>
+              <a:rPr lang="pt-BR" sz="2000" dirty="0" smtClean="0"/>
+              <a:t> </a:t>
+            </a:r>
+            <a:r>
+              <a:rPr lang="pt-BR" sz="2000" dirty="0" err="1" smtClean="0"/>
+              <a:t>on</a:t>
+            </a:r>
+            <a:r>
+              <a:rPr lang="pt-BR" sz="2000" dirty="0" smtClean="0"/>
+              <a:t> </a:t>
+            </a:r>
+            <a:r>
+              <a:rPr lang="pt-BR" sz="2000" dirty="0" err="1" smtClean="0"/>
+              <a:t>the</a:t>
+            </a:r>
+            <a:r>
+              <a:rPr lang="pt-BR" sz="2000" dirty="0" smtClean="0"/>
+              <a:t/>
+            </a:r>
+            <a:br>
+              <a:rPr lang="pt-BR" sz="2000" dirty="0" smtClean="0"/>
+            </a:br>
+            <a:r>
+              <a:rPr lang="pt-BR" sz="2000" dirty="0" err="1" smtClean="0"/>
+              <a:t>numbers</a:t>
+            </a:r>
+            <a:r>
+              <a:rPr lang="pt-BR" sz="2000" dirty="0" smtClean="0"/>
+              <a:t> 9,0 </a:t>
+            </a:r>
+            <a:r>
+              <a:rPr lang="pt-BR" sz="2000" dirty="0" err="1" smtClean="0"/>
+              <a:t>and</a:t>
+            </a:r>
+            <a:r>
+              <a:rPr lang="pt-BR" sz="2000" dirty="0" smtClean="0"/>
+              <a:t> 1</a:t>
+            </a:r>
+            <a:endParaRPr lang="pt-BR" sz="2000" dirty="0"/>
+          </a:p>
+        </p:txBody>
+      </p:sp>
+    </p:spTree>
+    <p:extLst>
+      <p:ext uri="{BB962C8B-B14F-4D97-AF65-F5344CB8AC3E}">
+        <p14:creationId xmlns:p14="http://schemas.microsoft.com/office/powerpoint/2010/main" val="2858195979"/>
+      </p:ext>
+    </p:extLst>
+  </p:cSld>
+  <p:clrMapOvr>
+    <a:masterClrMapping/>
+  </p:clrMapOvr>
+  <p:timing>
+    <p:tnLst>
+      <p:par>
+        <p:cTn xmlns:p14="http://schemas.microsoft.com/office/powerpoint/2010/main" id="1" dur="indefinite" restart="never" nodeType="tmRoot"/>
+      </p:par>
+    </p:tnLst>
+  </p:timing>
+</p:sld>
+</file>
+
+<file path=ppt/slides/slide11.xml><?xml version="1.0" encoding="utf-8"?>
+<p:sld xmlns:a="http://schemas.openxmlformats.org/drawingml/2006/main" xmlns:r="http://schemas.openxmlformats.org/officeDocument/2006/relationships" xmlns:p="http://schemas.openxmlformats.org/presentationml/2006/main">
+  <p:cSld>
+    <p:spTree>
+      <p:nvGrpSpPr>
+        <p:cNvPr id="1" name=""/>
+        <p:cNvGrpSpPr/>
+        <p:nvPr/>
+      </p:nvGrpSpPr>
+      <p:grpSpPr>
+        <a:xfrm>
+          <a:off x="0" y="0"/>
+          <a:ext cx="0" cy="0"/>
+          <a:chOff x="0" y="0"/>
+          <a:chExt cx="0" cy="0"/>
+        </a:xfrm>
+      </p:grpSpPr>
+      <p:sp>
+        <p:nvSpPr>
+          <p:cNvPr id="2" name="Title 1"/>
+          <p:cNvSpPr>
+            <a:spLocks noGrp="1"/>
+          </p:cNvSpPr>
+          <p:nvPr>
+            <p:ph type="title"/>
+          </p:nvPr>
+        </p:nvSpPr>
+        <p:spPr/>
+        <p:txBody>
+          <a:bodyPr/>
+          <a:lstStyle/>
+          <a:p>
+            <a:r>
+              <a:rPr lang="pt-BR" dirty="0" smtClean="0"/>
+              <a:t>GMM &amp; PCA </a:t>
+            </a:r>
+            <a:r>
+              <a:rPr lang="pt-BR" dirty="0"/>
+              <a:t>- Remarks</a:t>
+            </a:r>
+          </a:p>
+        </p:txBody>
+      </p:sp>
+      <p:pic>
+        <p:nvPicPr>
           <p:cNvPr id="5" name="Picture 4" descr="24_gaussian.png"/>
           <p:cNvPicPr>
             <a:picLocks noChangeAspect="1"/>
@@ -3466,7 +3801,6 @@
               <a:rPr lang="pt-BR" sz="2400" dirty="0" smtClean="0"/>
               <a:t>.</a:t>
             </a:r>
-            <a:endParaRPr lang="pt-BR" sz="2400" dirty="0" smtClean="0"/>
           </a:p>
           <a:p>
             <a:pPr marL="0" indent="0">
@@ -3776,7 +4110,7 @@
 </p:sld>
 </file>
 
-<file path=ppt/slides/slide11.xml><?xml version="1.0" encoding="utf-8"?>
+<file path=ppt/slides/slide12.xml><?xml version="1.0" encoding="utf-8"?>
 <p:sld xmlns:a="http://schemas.openxmlformats.org/drawingml/2006/main" xmlns:r="http://schemas.openxmlformats.org/officeDocument/2006/relationships" xmlns:p="http://schemas.openxmlformats.org/presentationml/2006/main">
   <p:cSld>
     <p:spTree>
@@ -3979,7 +4313,7 @@
 </p:sld>
 </file>
 
-<file path=ppt/slides/slide12.xml><?xml version="1.0" encoding="utf-8"?>
+<file path=ppt/slides/slide13.xml><?xml version="1.0" encoding="utf-8"?>
 <p:sld xmlns:a="http://schemas.openxmlformats.org/drawingml/2006/main" xmlns:r="http://schemas.openxmlformats.org/officeDocument/2006/relationships" xmlns:p="http://schemas.openxmlformats.org/presentationml/2006/main">
   <p:cSld>
     <p:spTree>
@@ -4121,7 +4455,7 @@
 </p:sld>
 </file>
 
-<file path=ppt/slides/slide13.xml><?xml version="1.0" encoding="utf-8"?>
+<file path=ppt/slides/slide14.xml><?xml version="1.0" encoding="utf-8"?>
 <p:sld xmlns:a="http://schemas.openxmlformats.org/drawingml/2006/main" xmlns:r="http://schemas.openxmlformats.org/officeDocument/2006/relationships" xmlns:p="http://schemas.openxmlformats.org/presentationml/2006/main">
   <p:cSld>
     <p:spTree>
@@ -4196,19 +4530,7 @@
             </a:r>
             <a:r>
               <a:rPr lang="pt-BR" sz="2400" dirty="0" smtClean="0"/>
-              <a:t>=</a:t>
-            </a:r>
-            <a:r>
-              <a:rPr lang="pt-BR" sz="2400" dirty="0" smtClean="0"/>
-              <a:t>48</a:t>
-            </a:r>
-            <a:r>
-              <a:rPr lang="pt-BR" sz="2400" dirty="0" smtClean="0"/>
-              <a:t>)</a:t>
-            </a:r>
-            <a:r>
-              <a:rPr lang="pt-BR" sz="2400" dirty="0" smtClean="0"/>
-              <a:t>:</a:t>
+              <a:t>=48):</a:t>
             </a:r>
           </a:p>
           <a:p>
@@ -5678,9 +6000,54 @@
           <a:p>
             <a:pPr algn="just"/>
             <a:r>
+              <a:rPr lang="pt-BR" sz="2400" dirty="0" err="1"/>
+              <a:t>Clear</a:t>
+            </a:r>
+            <a:r>
               <a:rPr lang="pt-BR" sz="2400" dirty="0"/>
-              <a:t>Clear overfitting</a:t>
-            </a:r>
+              <a:t> </a:t>
+            </a:r>
+            <a:r>
+              <a:rPr lang="pt-BR" sz="2400" dirty="0" err="1" smtClean="0"/>
+              <a:t>overfitting</a:t>
+            </a:r>
+            <a:r>
+              <a:rPr lang="pt-BR" sz="2400" dirty="0" smtClean="0"/>
+              <a:t> (</a:t>
+            </a:r>
+            <a:r>
+              <a:rPr lang="pt-BR" sz="2400" b="1" dirty="0" err="1" smtClean="0"/>
+              <a:t>using</a:t>
+            </a:r>
+            <a:r>
+              <a:rPr lang="pt-BR" sz="2400" b="1" dirty="0" smtClean="0"/>
+              <a:t> </a:t>
+            </a:r>
+            <a:r>
+              <a:rPr lang="pt-BR" sz="2400" b="1" dirty="0" err="1" smtClean="0"/>
+              <a:t>the</a:t>
+            </a:r>
+            <a:r>
+              <a:rPr lang="pt-BR" sz="2400" b="1" dirty="0" smtClean="0"/>
+              <a:t> FULL </a:t>
+            </a:r>
+            <a:r>
+              <a:rPr lang="pt-BR" sz="2400" b="1" dirty="0" err="1" smtClean="0"/>
+              <a:t>covariance</a:t>
+            </a:r>
+            <a:r>
+              <a:rPr lang="pt-BR" sz="2400" b="1" dirty="0" smtClean="0"/>
+              <a:t> </a:t>
+            </a:r>
+            <a:r>
+              <a:rPr lang="pt-BR" sz="2400" b="1" dirty="0" err="1" smtClean="0"/>
+              <a:t>matrix</a:t>
+            </a:r>
+            <a:r>
+              <a:rPr lang="pt-BR" sz="2400" dirty="0" smtClean="0"/>
+              <a:t>)</a:t>
+            </a:r>
+            <a:endParaRPr lang="pt-BR" sz="2400" dirty="0"/>
           </a:p>
           <a:p>
             <a:pPr marL="0" indent="0">
@@ -5804,35 +6171,9 @@
           <a:chExt cx="0" cy="0"/>
         </a:xfrm>
       </p:grpSpPr>
-      <p:sp>
-        <p:nvSpPr>
-          <p:cNvPr id="2" name="Title 1"/>
-          <p:cNvSpPr>
-            <a:spLocks noGrp="1"/>
-          </p:cNvSpPr>
-          <p:nvPr>
-            <p:ph type="title"/>
-          </p:nvPr>
-        </p:nvSpPr>
-        <p:spPr/>
-        <p:txBody>
-          <a:bodyPr/>
-          <a:lstStyle/>
-          <a:p>
-            <a:r>
-              <a:rPr lang="pt-BR" dirty="0" smtClean="0"/>
-              <a:t>GMM &amp; PCA </a:t>
-            </a:r>
-            <a:r>
-              <a:rPr lang="pt-BR" dirty="0"/>
-              <a:t>- Remarks</a:t>
-            </a:r>
-          </a:p>
-        </p:txBody>
-      </p:sp>
       <p:pic>
         <p:nvPicPr>
-          <p:cNvPr id="4" name="Picture 3" descr="150_gaussians.png"/>
+          <p:cNvPr id="3" name="Picture 2" descr="diagonal.png"/>
           <p:cNvPicPr>
             <a:picLocks noChangeAspect="1"/>
           </p:cNvPicPr>
@@ -5852,8 +6193,8 @@
         </p:blipFill>
         <p:spPr>
           <a:xfrm>
-            <a:off x="-495056" y="1607515"/>
-            <a:ext cx="6998073" cy="5248555"/>
+            <a:off x="-810287" y="3160759"/>
+            <a:ext cx="10603423" cy="3534475"/>
           </a:xfrm>
           <a:prstGeom prst="rect">
             <a:avLst/>
@@ -5862,7 +6203,41 @@
       </p:pic>
       <p:sp>
         <p:nvSpPr>
-          <p:cNvPr id="3" name="Content Placeholder 2"/>
+          <p:cNvPr id="2" name="Title 1"/>
+          <p:cNvSpPr>
+            <a:spLocks noGrp="1"/>
+          </p:cNvSpPr>
+          <p:nvPr>
+            <p:ph type="title"/>
+          </p:nvPr>
+        </p:nvSpPr>
+        <p:spPr/>
+        <p:txBody>
+          <a:bodyPr/>
+          <a:lstStyle/>
+          <a:p>
+            <a:r>
+              <a:rPr lang="pt-BR" dirty="0" smtClean="0"/>
+              <a:t>GMM </a:t>
+            </a:r>
+            <a:r>
+              <a:rPr lang="pt-BR" dirty="0"/>
+              <a:t>&amp; </a:t>
+            </a:r>
+            <a:r>
+              <a:rPr lang="pt-BR" dirty="0" smtClean="0"/>
+              <a:t>PCA </a:t>
+            </a:r>
+            <a:r>
+              <a:rPr lang="pt-BR" dirty="0"/>
+              <a:t>- Results </a:t>
+            </a:r>
+          </a:p>
+        </p:txBody>
+      </p:sp>
+      <p:sp>
+        <p:nvSpPr>
+          <p:cNvPr id="6" name="Content Placeholder 5"/>
           <p:cNvSpPr>
             <a:spLocks noGrp="1"/>
           </p:cNvSpPr>
@@ -5872,20 +6247,26 @@
         </p:nvSpPr>
         <p:spPr>
           <a:xfrm>
-            <a:off x="457200" y="1251275"/>
+            <a:off x="398477" y="1231085"/>
             <a:ext cx="8229600" cy="4525963"/>
           </a:xfrm>
         </p:spPr>
         <p:txBody>
-          <a:bodyPr>
-            <a:normAutofit/>
-          </a:bodyPr>
+          <a:bodyPr/>
           <a:lstStyle/>
           <a:p>
             <a:pPr algn="just"/>
             <a:r>
               <a:rPr lang="pt-BR" sz="2400" dirty="0" err="1" smtClean="0"/>
-              <a:t>How</a:t>
+              <a:t>Using</a:t>
+            </a:r>
+            <a:r>
+              <a:rPr lang="pt-BR" sz="2400" dirty="0" smtClean="0"/>
+              <a:t> Diagonal </a:t>
+            </a:r>
+            <a:r>
+              <a:rPr lang="pt-BR" sz="2400" dirty="0" err="1" smtClean="0"/>
+              <a:t>Covariance</a:t>
             </a:r>
             <a:r>
               <a:rPr lang="pt-BR" sz="2400" dirty="0" smtClean="0"/>
@@ -5893,219 +6274,150 @@
             </a:r>
             <a:r>
               <a:rPr lang="pt-BR" sz="2400" dirty="0" err="1" smtClean="0"/>
-              <a:t>the</a:t>
-            </a:r>
-            <a:r>
-              <a:rPr lang="pt-BR" sz="2400" dirty="0" smtClean="0"/>
+              <a:t>matrix</a:t>
+            </a:r>
+            <a:endParaRPr lang="pt-BR" sz="2400" dirty="0" smtClean="0"/>
+          </a:p>
+          <a:p>
+            <a:pPr marL="0" indent="0" algn="just">
+              <a:buNone/>
+            </a:pPr>
+            <a:r>
+              <a:rPr lang="en-US" sz="2000" dirty="0" smtClean="0"/>
+              <a:t>$ </a:t>
+            </a:r>
+            <a:r>
+              <a:rPr lang="en-US" sz="2000" dirty="0"/>
+              <a:t>p</a:t>
+            </a:r>
+            <a:r>
+              <a:rPr lang="pt-BR" sz="2000" dirty="0"/>
+              <a:t>ython mini_project.py -PCA -c 10 </a:t>
+            </a:r>
+            <a:r>
+              <a:rPr lang="en-US" sz="2000" dirty="0"/>
+              <a:t>–</a:t>
+            </a:r>
+            <a:r>
+              <a:rPr lang="pt-BR" sz="2000" dirty="0"/>
+              <a:t>GMM </a:t>
+            </a:r>
+            <a:r>
+              <a:rPr lang="en-US" sz="2000" dirty="0"/>
+              <a:t>–</a:t>
+            </a:r>
+            <a:r>
+              <a:rPr lang="pt-BR" sz="2000" dirty="0" err="1"/>
+              <a:t>nb_gaus</a:t>
+            </a:r>
+            <a:r>
+              <a:rPr lang="pt-BR" sz="2000" dirty="0"/>
               <a:t> </a:t>
             </a:r>
             <a:r>
-              <a:rPr lang="pt-BR" sz="2400" dirty="0" err="1" smtClean="0"/>
-              <a:t>means</a:t>
-            </a:r>
-            <a:r>
-              <a:rPr lang="pt-BR" sz="2400" dirty="0" smtClean="0"/>
-              <a:t> move </a:t>
-            </a:r>
-            <a:r>
-              <a:rPr lang="pt-BR" sz="2400" dirty="0" err="1" smtClean="0"/>
-              <a:t>along</a:t>
-            </a:r>
-            <a:r>
-              <a:rPr lang="pt-BR" sz="2400" dirty="0" smtClean="0"/>
-              <a:t> </a:t>
-            </a:r>
-            <a:r>
-              <a:rPr lang="pt-BR" sz="2400" dirty="0" err="1" smtClean="0"/>
-              <a:t>the</a:t>
-            </a:r>
-            <a:r>
-              <a:rPr lang="pt-BR" sz="2400" dirty="0" smtClean="0"/>
-              <a:t> </a:t>
-            </a:r>
-            <a:r>
-              <a:rPr lang="pt-BR" sz="2400" dirty="0" err="1" smtClean="0"/>
-              <a:t>space</a:t>
-            </a:r>
-            <a:r>
-              <a:rPr lang="pt-BR" sz="2400" dirty="0" smtClean="0"/>
-              <a:t>? </a:t>
-            </a:r>
-            <a:r>
-              <a:rPr lang="pt-BR" sz="2400" dirty="0" err="1" smtClean="0"/>
-              <a:t>Example</a:t>
-            </a:r>
-            <a:r>
-              <a:rPr lang="pt-BR" sz="2400" dirty="0" smtClean="0"/>
-              <a:t> </a:t>
-            </a:r>
-            <a:r>
-              <a:rPr lang="pt-BR" sz="2400" dirty="0" err="1" smtClean="0"/>
-              <a:t>with</a:t>
-            </a:r>
-            <a:r>
-              <a:rPr lang="pt-BR" sz="2400" dirty="0" smtClean="0"/>
-              <a:t> 150 </a:t>
-            </a:r>
-            <a:r>
-              <a:rPr lang="pt-BR" sz="2400" dirty="0" err="1" smtClean="0"/>
-              <a:t>gaussians</a:t>
-            </a:r>
-            <a:r>
-              <a:rPr lang="pt-BR" sz="2400" dirty="0" smtClean="0"/>
-              <a:t>.</a:t>
-            </a:r>
-            <a:endParaRPr lang="pt-BR" sz="2400" dirty="0" smtClean="0"/>
-          </a:p>
-          <a:p>
-            <a:pPr marL="0" indent="0">
+              <a:rPr lang="pt-BR" sz="2000" dirty="0" smtClean="0"/>
+              <a:t>150 </a:t>
+            </a:r>
+            <a:r>
+              <a:rPr lang="sk-SK" sz="2000" dirty="0"/>
+              <a:t>--</a:t>
+            </a:r>
+            <a:r>
+              <a:rPr lang="sk-SK" sz="2000" dirty="0" smtClean="0"/>
+              <a:t>cov_type diag</a:t>
+            </a:r>
+            <a:endParaRPr lang="pt-BR" sz="2000" dirty="0"/>
+          </a:p>
+          <a:p>
+            <a:pPr marL="0" indent="0" algn="ctr">
               <a:buNone/>
             </a:pPr>
-            <a:endParaRPr lang="en-US" dirty="0" smtClean="0"/>
+            <a:r>
+              <a:rPr lang="pt-BR" sz="2000" dirty="0"/>
+              <a:t>    CER</a:t>
+            </a:r>
+            <a:r>
+              <a:rPr lang="pt-BR" sz="2000" baseline="-25000" dirty="0"/>
+              <a:t>Train</a:t>
+            </a:r>
+            <a:r>
+              <a:rPr lang="pt-BR" sz="2000" dirty="0"/>
+              <a:t>: </a:t>
+            </a:r>
+            <a:r>
+              <a:rPr lang="pt-BR" sz="2000" dirty="0" smtClean="0"/>
+              <a:t>41</a:t>
+            </a:r>
+            <a:r>
+              <a:rPr lang="pt-BR" sz="2000" dirty="0" smtClean="0"/>
+              <a:t>.33%</a:t>
+            </a:r>
+            <a:endParaRPr lang="pt-BR" sz="2000" dirty="0"/>
+          </a:p>
+          <a:p>
+            <a:pPr marL="0" indent="0" algn="ctr">
+              <a:buNone/>
+            </a:pPr>
+            <a:r>
+              <a:rPr lang="pt-BR" sz="2000" dirty="0"/>
+              <a:t>    CER</a:t>
+            </a:r>
+            <a:r>
+              <a:rPr lang="pt-BR" sz="2000" baseline="-25000" dirty="0"/>
+              <a:t>Devel</a:t>
+            </a:r>
+            <a:r>
+              <a:rPr lang="pt-BR" sz="2000" dirty="0"/>
+              <a:t>: </a:t>
+            </a:r>
+            <a:r>
+              <a:rPr lang="pt-BR" sz="2000" dirty="0" smtClean="0"/>
+              <a:t>51</a:t>
+            </a:r>
+            <a:r>
+              <a:rPr lang="pt-BR" sz="2000" dirty="0" smtClean="0"/>
+              <a:t>.68</a:t>
+            </a:r>
+            <a:r>
+              <a:rPr lang="pt-BR" sz="2000" dirty="0"/>
+              <a:t>%</a:t>
+            </a:r>
+          </a:p>
+          <a:p>
+            <a:pPr marL="0" indent="0" algn="ctr">
+              <a:buNone/>
+            </a:pPr>
+            <a:r>
+              <a:rPr lang="pt-BR" sz="2000" dirty="0"/>
+              <a:t>    CER</a:t>
+            </a:r>
+            <a:r>
+              <a:rPr lang="pt-BR" sz="2000" baseline="-25000" dirty="0"/>
+              <a:t>Test</a:t>
+            </a:r>
+            <a:r>
+              <a:rPr lang="pt-BR" sz="2000" dirty="0"/>
+              <a:t>: </a:t>
+            </a:r>
+            <a:r>
+              <a:rPr lang="pt-BR" sz="2000" dirty="0" smtClean="0"/>
+              <a:t>50</a:t>
+            </a:r>
+            <a:r>
+              <a:rPr lang="pt-BR" sz="2000" dirty="0" smtClean="0"/>
+              <a:t>.45%</a:t>
+            </a:r>
+            <a:endParaRPr lang="pt-BR" sz="2000" dirty="0"/>
           </a:p>
           <a:p>
             <a:endParaRPr lang="en-US" dirty="0"/>
-          </a:p>
-        </p:txBody>
-      </p:sp>
-      <p:sp>
-        <p:nvSpPr>
-          <p:cNvPr id="5" name="TextBox 4"/>
-          <p:cNvSpPr txBox="1"/>
-          <p:nvPr/>
-        </p:nvSpPr>
-        <p:spPr>
-          <a:xfrm>
-            <a:off x="5847136" y="2212667"/>
-            <a:ext cx="3339376" cy="1631216"/>
-          </a:xfrm>
-          <a:prstGeom prst="rect">
-            <a:avLst/>
-          </a:prstGeom>
-          <a:noFill/>
-        </p:spPr>
-        <p:txBody>
-          <a:bodyPr wrap="none" rtlCol="0">
-            <a:spAutoFit/>
-          </a:bodyPr>
-          <a:lstStyle/>
-          <a:p>
-            <a:pPr marL="285750" indent="-285750">
-              <a:buFont typeface="Arial"/>
-              <a:buChar char="•"/>
-            </a:pPr>
-            <a:r>
-              <a:rPr lang="pt-BR" sz="2000" dirty="0" err="1" smtClean="0"/>
-              <a:t>Possible</a:t>
-            </a:r>
-            <a:r>
-              <a:rPr lang="pt-BR" sz="2000" dirty="0" smtClean="0"/>
-              <a:t> </a:t>
-            </a:r>
-            <a:r>
-              <a:rPr lang="pt-BR" sz="2000" dirty="0" err="1" smtClean="0"/>
-              <a:t>overfitting</a:t>
-            </a:r>
-            <a:r>
-              <a:rPr lang="pt-BR" sz="2000" dirty="0" smtClean="0"/>
-              <a:t> </a:t>
-            </a:r>
-            <a:r>
-              <a:rPr lang="pt-BR" sz="2000" dirty="0" err="1" smtClean="0"/>
-              <a:t>on</a:t>
-            </a:r>
-            <a:r>
-              <a:rPr lang="pt-BR" sz="2000" dirty="0" smtClean="0"/>
-              <a:t> </a:t>
-            </a:r>
-            <a:r>
-              <a:rPr lang="pt-BR" sz="2000" dirty="0" err="1" smtClean="0"/>
-              <a:t>the</a:t>
-            </a:r>
-            <a:r>
-              <a:rPr lang="pt-BR" sz="2000" dirty="0" smtClean="0"/>
-              <a:t> </a:t>
-            </a:r>
-            <a:br>
-              <a:rPr lang="pt-BR" sz="2000" dirty="0" smtClean="0"/>
-            </a:br>
-            <a:r>
-              <a:rPr lang="pt-BR" sz="2000" dirty="0" err="1" smtClean="0"/>
-              <a:t>number</a:t>
-            </a:r>
-            <a:r>
-              <a:rPr lang="pt-BR" sz="2000" dirty="0" smtClean="0"/>
-              <a:t> 5</a:t>
-            </a:r>
-            <a:br>
-              <a:rPr lang="pt-BR" sz="2000" dirty="0" smtClean="0"/>
-            </a:br>
-            <a:endParaRPr lang="pt-BR" sz="2000" dirty="0" smtClean="0"/>
-          </a:p>
-          <a:p>
-            <a:pPr marL="285750" indent="-285750">
-              <a:buFont typeface="Arial"/>
-              <a:buChar char="•"/>
-            </a:pPr>
-            <a:r>
-              <a:rPr lang="pt-BR" sz="2000" dirty="0" err="1" smtClean="0"/>
-              <a:t>Possible</a:t>
-            </a:r>
-            <a:r>
-              <a:rPr lang="pt-BR" sz="2000" dirty="0" smtClean="0"/>
-              <a:t> </a:t>
-            </a:r>
-            <a:r>
-              <a:rPr lang="pt-BR" sz="2000" dirty="0" err="1" smtClean="0"/>
-              <a:t>underfitting</a:t>
-            </a:r>
-            <a:r>
-              <a:rPr lang="pt-BR" sz="2000" dirty="0" smtClean="0"/>
-              <a:t> </a:t>
-            </a:r>
-            <a:r>
-              <a:rPr lang="pt-BR" sz="2000" dirty="0" err="1" smtClean="0"/>
-              <a:t>on</a:t>
-            </a:r>
-            <a:r>
-              <a:rPr lang="pt-BR" sz="2000" dirty="0" smtClean="0"/>
-              <a:t> </a:t>
-            </a:r>
-            <a:r>
-              <a:rPr lang="pt-BR" sz="2000" dirty="0" err="1" smtClean="0"/>
-              <a:t>the</a:t>
-            </a:r>
-            <a:r>
-              <a:rPr lang="pt-BR" sz="2000" dirty="0" smtClean="0"/>
-              <a:t/>
-            </a:r>
-            <a:br>
-              <a:rPr lang="pt-BR" sz="2000" dirty="0" smtClean="0"/>
-            </a:br>
-            <a:r>
-              <a:rPr lang="pt-BR" sz="2000" dirty="0" err="1" smtClean="0"/>
-              <a:t>numbers</a:t>
-            </a:r>
-            <a:r>
-              <a:rPr lang="pt-BR" sz="2000" dirty="0" smtClean="0"/>
-              <a:t> 9,0 </a:t>
-            </a:r>
-            <a:r>
-              <a:rPr lang="pt-BR" sz="2000" dirty="0" err="1" smtClean="0"/>
-              <a:t>and</a:t>
-            </a:r>
-            <a:r>
-              <a:rPr lang="pt-BR" sz="2000" dirty="0" smtClean="0"/>
-              <a:t> 1</a:t>
-            </a:r>
-            <a:endParaRPr lang="pt-BR" sz="2000" dirty="0"/>
           </a:p>
         </p:txBody>
       </p:sp>
     </p:spTree>
     <p:extLst>
       <p:ext uri="{BB962C8B-B14F-4D97-AF65-F5344CB8AC3E}">
-        <p14:creationId xmlns:p14="http://schemas.microsoft.com/office/powerpoint/2010/main" val="2858195979"/>
+        <p14:creationId xmlns:p14="http://schemas.microsoft.com/office/powerpoint/2010/main" val="847034625"/>
       </p:ext>
     </p:extLst>
   </p:cSld>
